--- a/Documentatie/Powerpoints/28_10_21.pptx
+++ b/Documentatie/Powerpoints/28_10_21.pptx
@@ -1,22 +1,117 @@
 
 <file path=ppt/presentation.xml><?xml version="1.0" encoding="utf-8"?>
-<p:presentation xmlns:a="http://schemas.openxmlformats.org/drawingml/2006/main" xmlns:p="http://schemas.openxmlformats.org/presentationml/2006/main" xmlns:r="http://schemas.openxmlformats.org/officeDocument/2006/relationships" xmlns:p14="http://schemas.microsoft.com/office/powerpoint/2010/main" xmlns:p15="http://schemas.microsoft.com/office/powerpoint/2012/main" xmlns:mc="http://schemas.openxmlformats.org/markup-compatibility/2006">
+<p:presentation xmlns:a="http://schemas.openxmlformats.org/drawingml/2006/main" xmlns:r="http://schemas.openxmlformats.org/officeDocument/2006/relationships" xmlns:p="http://schemas.openxmlformats.org/presentationml/2006/main">
   <p:sldMasterIdLst>
-    <p:sldMasterId id="2147483648" r:id="rId2"/>
-    <p:sldMasterId id="2147483661" r:id="rId3"/>
+    <p:sldMasterId id="2147483648" r:id="rId1"/>
+    <p:sldMasterId id="2147483661" r:id="rId2"/>
   </p:sldMasterIdLst>
   <p:sldIdLst>
-    <p:sldId id="256" r:id="rId4"/>
-    <p:sldId id="257" r:id="rId5"/>
-    <p:sldId id="258" r:id="rId6"/>
+    <p:sldId id="256" r:id="rId3"/>
+    <p:sldId id="257" r:id="rId4"/>
+    <p:sldId id="258" r:id="rId5"/>
   </p:sldIdLst>
   <p:sldSz cx="12192000" cy="6858000"/>
-  <p:notesSz cx="7559675" cy="10691812"/>
+  <p:notesSz cx="7559675" cy="10691813"/>
+  <p:defaultTextStyle>
+    <a:defPPr>
+      <a:defRPr lang="nl-BE"/>
+    </a:defPPr>
+    <a:lvl1pPr marL="0" algn="l" defTabSz="914400" rtl="0" eaLnBrk="1" latinLnBrk="0" hangingPunct="1">
+      <a:defRPr sz="1800" kern="1200">
+        <a:solidFill>
+          <a:schemeClr val="tx1"/>
+        </a:solidFill>
+        <a:latin typeface="+mn-lt"/>
+        <a:ea typeface="+mn-ea"/>
+        <a:cs typeface="+mn-cs"/>
+      </a:defRPr>
+    </a:lvl1pPr>
+    <a:lvl2pPr marL="457200" algn="l" defTabSz="914400" rtl="0" eaLnBrk="1" latinLnBrk="0" hangingPunct="1">
+      <a:defRPr sz="1800" kern="1200">
+        <a:solidFill>
+          <a:schemeClr val="tx1"/>
+        </a:solidFill>
+        <a:latin typeface="+mn-lt"/>
+        <a:ea typeface="+mn-ea"/>
+        <a:cs typeface="+mn-cs"/>
+      </a:defRPr>
+    </a:lvl2pPr>
+    <a:lvl3pPr marL="914400" algn="l" defTabSz="914400" rtl="0" eaLnBrk="1" latinLnBrk="0" hangingPunct="1">
+      <a:defRPr sz="1800" kern="1200">
+        <a:solidFill>
+          <a:schemeClr val="tx1"/>
+        </a:solidFill>
+        <a:latin typeface="+mn-lt"/>
+        <a:ea typeface="+mn-ea"/>
+        <a:cs typeface="+mn-cs"/>
+      </a:defRPr>
+    </a:lvl3pPr>
+    <a:lvl4pPr marL="1371600" algn="l" defTabSz="914400" rtl="0" eaLnBrk="1" latinLnBrk="0" hangingPunct="1">
+      <a:defRPr sz="1800" kern="1200">
+        <a:solidFill>
+          <a:schemeClr val="tx1"/>
+        </a:solidFill>
+        <a:latin typeface="+mn-lt"/>
+        <a:ea typeface="+mn-ea"/>
+        <a:cs typeface="+mn-cs"/>
+      </a:defRPr>
+    </a:lvl4pPr>
+    <a:lvl5pPr marL="1828800" algn="l" defTabSz="914400" rtl="0" eaLnBrk="1" latinLnBrk="0" hangingPunct="1">
+      <a:defRPr sz="1800" kern="1200">
+        <a:solidFill>
+          <a:schemeClr val="tx1"/>
+        </a:solidFill>
+        <a:latin typeface="+mn-lt"/>
+        <a:ea typeface="+mn-ea"/>
+        <a:cs typeface="+mn-cs"/>
+      </a:defRPr>
+    </a:lvl5pPr>
+    <a:lvl6pPr marL="2286000" algn="l" defTabSz="914400" rtl="0" eaLnBrk="1" latinLnBrk="0" hangingPunct="1">
+      <a:defRPr sz="1800" kern="1200">
+        <a:solidFill>
+          <a:schemeClr val="tx1"/>
+        </a:solidFill>
+        <a:latin typeface="+mn-lt"/>
+        <a:ea typeface="+mn-ea"/>
+        <a:cs typeface="+mn-cs"/>
+      </a:defRPr>
+    </a:lvl6pPr>
+    <a:lvl7pPr marL="2743200" algn="l" defTabSz="914400" rtl="0" eaLnBrk="1" latinLnBrk="0" hangingPunct="1">
+      <a:defRPr sz="1800" kern="1200">
+        <a:solidFill>
+          <a:schemeClr val="tx1"/>
+        </a:solidFill>
+        <a:latin typeface="+mn-lt"/>
+        <a:ea typeface="+mn-ea"/>
+        <a:cs typeface="+mn-cs"/>
+      </a:defRPr>
+    </a:lvl7pPr>
+    <a:lvl8pPr marL="3200400" algn="l" defTabSz="914400" rtl="0" eaLnBrk="1" latinLnBrk="0" hangingPunct="1">
+      <a:defRPr sz="1800" kern="1200">
+        <a:solidFill>
+          <a:schemeClr val="tx1"/>
+        </a:solidFill>
+        <a:latin typeface="+mn-lt"/>
+        <a:ea typeface="+mn-ea"/>
+        <a:cs typeface="+mn-cs"/>
+      </a:defRPr>
+    </a:lvl8pPr>
+    <a:lvl9pPr marL="3657600" algn="l" defTabSz="914400" rtl="0" eaLnBrk="1" latinLnBrk="0" hangingPunct="1">
+      <a:defRPr sz="1800" kern="1200">
+        <a:solidFill>
+          <a:schemeClr val="tx1"/>
+        </a:solidFill>
+        <a:latin typeface="+mn-lt"/>
+        <a:ea typeface="+mn-ea"/>
+        <a:cs typeface="+mn-cs"/>
+      </a:defRPr>
+    </a:lvl9pPr>
+  </p:defaultTextStyle>
 </p:presentation>
 </file>
 
 <file path=ppt/slideLayouts/slideLayout1.xml><?xml version="1.0" encoding="utf-8"?>
-<p:sldLayout xmlns:a="http://schemas.openxmlformats.org/drawingml/2006/main" xmlns:p="http://schemas.openxmlformats.org/presentationml/2006/main" xmlns:r="http://schemas.openxmlformats.org/officeDocument/2006/relationships" xmlns:p14="http://schemas.microsoft.com/office/powerpoint/2010/main" xmlns:p15="http://schemas.microsoft.com/office/powerpoint/2012/main" xmlns:mc="http://schemas.openxmlformats.org/markup-compatibility/2006" type="blank" preserve="1">
+<p:sldLayout xmlns:a="http://schemas.openxmlformats.org/drawingml/2006/main" xmlns:r="http://schemas.openxmlformats.org/officeDocument/2006/relationships" xmlns:p="http://schemas.openxmlformats.org/presentationml/2006/main" type="blank" preserve="1">
   <p:cSld name="Blank Slide">
     <p:spTree>
       <p:nvGrpSpPr>
@@ -34,11 +129,14 @@
       </p:grpSpPr>
     </p:spTree>
   </p:cSld>
+  <p:clrMapOvr>
+    <a:masterClrMapping/>
+  </p:clrMapOvr>
 </p:sldLayout>
 </file>
 
 <file path=ppt/slideLayouts/slideLayout10.xml><?xml version="1.0" encoding="utf-8"?>
-<p:sldLayout xmlns:a="http://schemas.openxmlformats.org/drawingml/2006/main" xmlns:p="http://schemas.openxmlformats.org/presentationml/2006/main" xmlns:r="http://schemas.openxmlformats.org/officeDocument/2006/relationships" xmlns:p14="http://schemas.microsoft.com/office/powerpoint/2010/main" xmlns:p15="http://schemas.microsoft.com/office/powerpoint/2012/main" xmlns:mc="http://schemas.openxmlformats.org/markup-compatibility/2006" type="objOverTx" preserve="1">
+<p:sldLayout xmlns:a="http://schemas.openxmlformats.org/drawingml/2006/main" xmlns:r="http://schemas.openxmlformats.org/officeDocument/2006/relationships" xmlns:p="http://schemas.openxmlformats.org/presentationml/2006/main" type="objOverTx" preserve="1">
   <p:cSld name="Title, Content over Content">
     <p:spTree>
       <p:nvGrpSpPr>
@@ -74,11 +172,12 @@
           </a:prstGeom>
         </p:spPr>
         <p:txBody>
-          <a:bodyPr lIns="0" rIns="0" tIns="0" bIns="0" anchor="ctr">
+          <a:bodyPr lIns="0" tIns="0" rIns="0" bIns="0" anchor="ctr">
             <a:spAutoFit/>
           </a:bodyPr>
-          <a:p>
-            <a:endParaRPr b="0" lang="en-US" sz="1800" spc="-1" strike="noStrike">
+          <a:lstStyle/>
+          <a:p>
+            <a:endParaRPr lang="en-US" sz="1800" b="0" strike="noStrike" spc="-1">
               <a:solidFill>
                 <a:srgbClr val="000000"/>
               </a:solidFill>
@@ -107,11 +206,12 @@
           </a:prstGeom>
         </p:spPr>
         <p:txBody>
-          <a:bodyPr lIns="0" rIns="0" tIns="0" bIns="0">
+          <a:bodyPr lIns="0" tIns="0" rIns="0" bIns="0">
             <a:normAutofit/>
           </a:bodyPr>
-          <a:p>
-            <a:endParaRPr b="0" lang="en-US" sz="1800" spc="-1" strike="noStrike">
+          <a:lstStyle/>
+          <a:p>
+            <a:endParaRPr lang="en-US" sz="1800" b="0" strike="noStrike" spc="-1">
               <a:solidFill>
                 <a:srgbClr val="404040"/>
               </a:solidFill>
@@ -140,11 +240,12 @@
           </a:prstGeom>
         </p:spPr>
         <p:txBody>
-          <a:bodyPr lIns="0" rIns="0" tIns="0" bIns="0">
+          <a:bodyPr lIns="0" tIns="0" rIns="0" bIns="0">
             <a:normAutofit/>
           </a:bodyPr>
-          <a:p>
-            <a:endParaRPr b="0" lang="en-US" sz="1800" spc="-1" strike="noStrike">
+          <a:lstStyle/>
+          <a:p>
+            <a:endParaRPr lang="en-US" sz="1800" b="0" strike="noStrike" spc="-1">
               <a:solidFill>
                 <a:srgbClr val="404040"/>
               </a:solidFill>
@@ -155,11 +256,14 @@
       </p:sp>
     </p:spTree>
   </p:cSld>
+  <p:clrMapOvr>
+    <a:masterClrMapping/>
+  </p:clrMapOvr>
 </p:sldLayout>
 </file>
 
 <file path=ppt/slideLayouts/slideLayout11.xml><?xml version="1.0" encoding="utf-8"?>
-<p:sldLayout xmlns:a="http://schemas.openxmlformats.org/drawingml/2006/main" xmlns:p="http://schemas.openxmlformats.org/presentationml/2006/main" xmlns:r="http://schemas.openxmlformats.org/officeDocument/2006/relationships" xmlns:p14="http://schemas.microsoft.com/office/powerpoint/2010/main" xmlns:p15="http://schemas.microsoft.com/office/powerpoint/2012/main" xmlns:mc="http://schemas.openxmlformats.org/markup-compatibility/2006" type="fourObj" preserve="1">
+<p:sldLayout xmlns:a="http://schemas.openxmlformats.org/drawingml/2006/main" xmlns:r="http://schemas.openxmlformats.org/officeDocument/2006/relationships" xmlns:p="http://schemas.openxmlformats.org/presentationml/2006/main" type="fourObj" preserve="1">
   <p:cSld name="Title, 4 Content">
     <p:spTree>
       <p:nvGrpSpPr>
@@ -195,11 +299,12 @@
           </a:prstGeom>
         </p:spPr>
         <p:txBody>
-          <a:bodyPr lIns="0" rIns="0" tIns="0" bIns="0" anchor="ctr">
+          <a:bodyPr lIns="0" tIns="0" rIns="0" bIns="0" anchor="ctr">
             <a:spAutoFit/>
           </a:bodyPr>
-          <a:p>
-            <a:endParaRPr b="0" lang="en-US" sz="1800" spc="-1" strike="noStrike">
+          <a:lstStyle/>
+          <a:p>
+            <a:endParaRPr lang="en-US" sz="1800" b="0" strike="noStrike" spc="-1">
               <a:solidFill>
                 <a:srgbClr val="000000"/>
               </a:solidFill>
@@ -228,11 +333,12 @@
           </a:prstGeom>
         </p:spPr>
         <p:txBody>
-          <a:bodyPr lIns="0" rIns="0" tIns="0" bIns="0">
+          <a:bodyPr lIns="0" tIns="0" rIns="0" bIns="0">
             <a:normAutofit/>
           </a:bodyPr>
-          <a:p>
-            <a:endParaRPr b="0" lang="en-US" sz="1800" spc="-1" strike="noStrike">
+          <a:lstStyle/>
+          <a:p>
+            <a:endParaRPr lang="en-US" sz="1800" b="0" strike="noStrike" spc="-1">
               <a:solidFill>
                 <a:srgbClr val="404040"/>
               </a:solidFill>
@@ -261,11 +367,12 @@
           </a:prstGeom>
         </p:spPr>
         <p:txBody>
-          <a:bodyPr lIns="0" rIns="0" tIns="0" bIns="0">
+          <a:bodyPr lIns="0" tIns="0" rIns="0" bIns="0">
             <a:normAutofit/>
           </a:bodyPr>
-          <a:p>
-            <a:endParaRPr b="0" lang="en-US" sz="1800" spc="-1" strike="noStrike">
+          <a:lstStyle/>
+          <a:p>
+            <a:endParaRPr lang="en-US" sz="1800" b="0" strike="noStrike" spc="-1">
               <a:solidFill>
                 <a:srgbClr val="404040"/>
               </a:solidFill>
@@ -294,11 +401,12 @@
           </a:prstGeom>
         </p:spPr>
         <p:txBody>
-          <a:bodyPr lIns="0" rIns="0" tIns="0" bIns="0">
+          <a:bodyPr lIns="0" tIns="0" rIns="0" bIns="0">
             <a:normAutofit/>
           </a:bodyPr>
-          <a:p>
-            <a:endParaRPr b="0" lang="en-US" sz="1800" spc="-1" strike="noStrike">
+          <a:lstStyle/>
+          <a:p>
+            <a:endParaRPr lang="en-US" sz="1800" b="0" strike="noStrike" spc="-1">
               <a:solidFill>
                 <a:srgbClr val="404040"/>
               </a:solidFill>
@@ -327,11 +435,12 @@
           </a:prstGeom>
         </p:spPr>
         <p:txBody>
-          <a:bodyPr lIns="0" rIns="0" tIns="0" bIns="0">
+          <a:bodyPr lIns="0" tIns="0" rIns="0" bIns="0">
             <a:normAutofit/>
           </a:bodyPr>
-          <a:p>
-            <a:endParaRPr b="0" lang="en-US" sz="1800" spc="-1" strike="noStrike">
+          <a:lstStyle/>
+          <a:p>
+            <a:endParaRPr lang="en-US" sz="1800" b="0" strike="noStrike" spc="-1">
               <a:solidFill>
                 <a:srgbClr val="404040"/>
               </a:solidFill>
@@ -342,11 +451,14 @@
       </p:sp>
     </p:spTree>
   </p:cSld>
+  <p:clrMapOvr>
+    <a:masterClrMapping/>
+  </p:clrMapOvr>
 </p:sldLayout>
 </file>
 
 <file path=ppt/slideLayouts/slideLayout12.xml><?xml version="1.0" encoding="utf-8"?>
-<p:sldLayout xmlns:a="http://schemas.openxmlformats.org/drawingml/2006/main" xmlns:p="http://schemas.openxmlformats.org/presentationml/2006/main" xmlns:r="http://schemas.openxmlformats.org/officeDocument/2006/relationships" xmlns:p14="http://schemas.microsoft.com/office/powerpoint/2010/main" xmlns:p15="http://schemas.microsoft.com/office/powerpoint/2012/main" xmlns:mc="http://schemas.openxmlformats.org/markup-compatibility/2006" type="blank" preserve="1">
+<p:sldLayout xmlns:a="http://schemas.openxmlformats.org/drawingml/2006/main" xmlns:r="http://schemas.openxmlformats.org/officeDocument/2006/relationships" xmlns:p="http://schemas.openxmlformats.org/presentationml/2006/main" type="blank" preserve="1">
   <p:cSld name="Title, 6 Content">
     <p:spTree>
       <p:nvGrpSpPr>
@@ -382,11 +494,12 @@
           </a:prstGeom>
         </p:spPr>
         <p:txBody>
-          <a:bodyPr lIns="0" rIns="0" tIns="0" bIns="0" anchor="ctr">
+          <a:bodyPr lIns="0" tIns="0" rIns="0" bIns="0" anchor="ctr">
             <a:spAutoFit/>
           </a:bodyPr>
-          <a:p>
-            <a:endParaRPr b="0" lang="en-US" sz="1800" spc="-1" strike="noStrike">
+          <a:lstStyle/>
+          <a:p>
+            <a:endParaRPr lang="en-US" sz="1800" b="0" strike="noStrike" spc="-1">
               <a:solidFill>
                 <a:srgbClr val="000000"/>
               </a:solidFill>
@@ -415,11 +528,12 @@
           </a:prstGeom>
         </p:spPr>
         <p:txBody>
-          <a:bodyPr lIns="0" rIns="0" tIns="0" bIns="0">
+          <a:bodyPr lIns="0" tIns="0" rIns="0" bIns="0">
             <a:normAutofit/>
           </a:bodyPr>
-          <a:p>
-            <a:endParaRPr b="0" lang="en-US" sz="1800" spc="-1" strike="noStrike">
+          <a:lstStyle/>
+          <a:p>
+            <a:endParaRPr lang="en-US" sz="1800" b="0" strike="noStrike" spc="-1">
               <a:solidFill>
                 <a:srgbClr val="404040"/>
               </a:solidFill>
@@ -448,11 +562,12 @@
           </a:prstGeom>
         </p:spPr>
         <p:txBody>
-          <a:bodyPr lIns="0" rIns="0" tIns="0" bIns="0">
+          <a:bodyPr lIns="0" tIns="0" rIns="0" bIns="0">
             <a:normAutofit/>
           </a:bodyPr>
-          <a:p>
-            <a:endParaRPr b="0" lang="en-US" sz="1800" spc="-1" strike="noStrike">
+          <a:lstStyle/>
+          <a:p>
+            <a:endParaRPr lang="en-US" sz="1800" b="0" strike="noStrike" spc="-1">
               <a:solidFill>
                 <a:srgbClr val="404040"/>
               </a:solidFill>
@@ -481,11 +596,12 @@
           </a:prstGeom>
         </p:spPr>
         <p:txBody>
-          <a:bodyPr lIns="0" rIns="0" tIns="0" bIns="0">
+          <a:bodyPr lIns="0" tIns="0" rIns="0" bIns="0">
             <a:normAutofit/>
           </a:bodyPr>
-          <a:p>
-            <a:endParaRPr b="0" lang="en-US" sz="1800" spc="-1" strike="noStrike">
+          <a:lstStyle/>
+          <a:p>
+            <a:endParaRPr lang="en-US" sz="1800" b="0" strike="noStrike" spc="-1">
               <a:solidFill>
                 <a:srgbClr val="404040"/>
               </a:solidFill>
@@ -514,11 +630,12 @@
           </a:prstGeom>
         </p:spPr>
         <p:txBody>
-          <a:bodyPr lIns="0" rIns="0" tIns="0" bIns="0">
+          <a:bodyPr lIns="0" tIns="0" rIns="0" bIns="0">
             <a:normAutofit/>
           </a:bodyPr>
-          <a:p>
-            <a:endParaRPr b="0" lang="en-US" sz="1800" spc="-1" strike="noStrike">
+          <a:lstStyle/>
+          <a:p>
+            <a:endParaRPr lang="en-US" sz="1800" b="0" strike="noStrike" spc="-1">
               <a:solidFill>
                 <a:srgbClr val="404040"/>
               </a:solidFill>
@@ -547,11 +664,12 @@
           </a:prstGeom>
         </p:spPr>
         <p:txBody>
-          <a:bodyPr lIns="0" rIns="0" tIns="0" bIns="0">
+          <a:bodyPr lIns="0" tIns="0" rIns="0" bIns="0">
             <a:normAutofit/>
           </a:bodyPr>
-          <a:p>
-            <a:endParaRPr b="0" lang="en-US" sz="1800" spc="-1" strike="noStrike">
+          <a:lstStyle/>
+          <a:p>
+            <a:endParaRPr lang="en-US" sz="1800" b="0" strike="noStrike" spc="-1">
               <a:solidFill>
                 <a:srgbClr val="404040"/>
               </a:solidFill>
@@ -580,11 +698,12 @@
           </a:prstGeom>
         </p:spPr>
         <p:txBody>
-          <a:bodyPr lIns="0" rIns="0" tIns="0" bIns="0">
+          <a:bodyPr lIns="0" tIns="0" rIns="0" bIns="0">
             <a:normAutofit/>
           </a:bodyPr>
-          <a:p>
-            <a:endParaRPr b="0" lang="en-US" sz="1800" spc="-1" strike="noStrike">
+          <a:lstStyle/>
+          <a:p>
+            <a:endParaRPr lang="en-US" sz="1800" b="0" strike="noStrike" spc="-1">
               <a:solidFill>
                 <a:srgbClr val="404040"/>
               </a:solidFill>
@@ -595,11 +714,14 @@
       </p:sp>
     </p:spTree>
   </p:cSld>
+  <p:clrMapOvr>
+    <a:masterClrMapping/>
+  </p:clrMapOvr>
 </p:sldLayout>
 </file>
 
 <file path=ppt/slideLayouts/slideLayout13.xml><?xml version="1.0" encoding="utf-8"?>
-<p:sldLayout xmlns:a="http://schemas.openxmlformats.org/drawingml/2006/main" xmlns:p="http://schemas.openxmlformats.org/presentationml/2006/main" xmlns:r="http://schemas.openxmlformats.org/officeDocument/2006/relationships" xmlns:p14="http://schemas.microsoft.com/office/powerpoint/2010/main" xmlns:p15="http://schemas.microsoft.com/office/powerpoint/2012/main" xmlns:mc="http://schemas.openxmlformats.org/markup-compatibility/2006" type="blank" preserve="1">
+<p:sldLayout xmlns:a="http://schemas.openxmlformats.org/drawingml/2006/main" xmlns:r="http://schemas.openxmlformats.org/officeDocument/2006/relationships" xmlns:p="http://schemas.openxmlformats.org/presentationml/2006/main" type="blank" preserve="1">
   <p:cSld name="Blank Slide">
     <p:spTree>
       <p:nvGrpSpPr>
@@ -617,11 +739,14 @@
       </p:grpSpPr>
     </p:spTree>
   </p:cSld>
+  <p:clrMapOvr>
+    <a:masterClrMapping/>
+  </p:clrMapOvr>
 </p:sldLayout>
 </file>
 
 <file path=ppt/slideLayouts/slideLayout14.xml><?xml version="1.0" encoding="utf-8"?>
-<p:sldLayout xmlns:a="http://schemas.openxmlformats.org/drawingml/2006/main" xmlns:p="http://schemas.openxmlformats.org/presentationml/2006/main" xmlns:r="http://schemas.openxmlformats.org/officeDocument/2006/relationships" xmlns:p14="http://schemas.microsoft.com/office/powerpoint/2010/main" xmlns:p15="http://schemas.microsoft.com/office/powerpoint/2012/main" xmlns:mc="http://schemas.openxmlformats.org/markup-compatibility/2006" type="tx" preserve="1">
+<p:sldLayout xmlns:a="http://schemas.openxmlformats.org/drawingml/2006/main" xmlns:r="http://schemas.openxmlformats.org/officeDocument/2006/relationships" xmlns:p="http://schemas.openxmlformats.org/presentationml/2006/main" type="tx" preserve="1">
   <p:cSld name="Title Slide">
     <p:spTree>
       <p:nvGrpSpPr>
@@ -657,11 +782,12 @@
           </a:prstGeom>
         </p:spPr>
         <p:txBody>
-          <a:bodyPr lIns="0" rIns="0" tIns="0" bIns="0" anchor="ctr">
+          <a:bodyPr lIns="0" tIns="0" rIns="0" bIns="0" anchor="ctr">
             <a:spAutoFit/>
           </a:bodyPr>
-          <a:p>
-            <a:endParaRPr b="0" lang="en-US" sz="1800" spc="-1" strike="noStrike">
+          <a:lstStyle/>
+          <a:p>
+            <a:endParaRPr lang="en-US" sz="1800" b="0" strike="noStrike" spc="-1">
               <a:solidFill>
                 <a:srgbClr val="000000"/>
               </a:solidFill>
@@ -690,12 +816,13 @@
           </a:prstGeom>
         </p:spPr>
         <p:txBody>
-          <a:bodyPr lIns="0" rIns="0" tIns="0" bIns="0" anchor="ctr">
+          <a:bodyPr lIns="0" tIns="0" rIns="0" bIns="0" anchor="ctr">
             <a:spAutoFit/>
           </a:bodyPr>
+          <a:lstStyle/>
           <a:p>
             <a:pPr algn="ctr"/>
-            <a:endParaRPr b="0" lang="en-GB" sz="3200" spc="-1" strike="noStrike">
+            <a:endParaRPr lang="en-GB" sz="3200" b="0" strike="noStrike" spc="-1">
               <a:latin typeface="Arial"/>
             </a:endParaRPr>
           </a:p>
@@ -703,11 +830,14 @@
       </p:sp>
     </p:spTree>
   </p:cSld>
+  <p:clrMapOvr>
+    <a:masterClrMapping/>
+  </p:clrMapOvr>
 </p:sldLayout>
 </file>
 
 <file path=ppt/slideLayouts/slideLayout15.xml><?xml version="1.0" encoding="utf-8"?>
-<p:sldLayout xmlns:a="http://schemas.openxmlformats.org/drawingml/2006/main" xmlns:p="http://schemas.openxmlformats.org/presentationml/2006/main" xmlns:r="http://schemas.openxmlformats.org/officeDocument/2006/relationships" xmlns:p14="http://schemas.microsoft.com/office/powerpoint/2010/main" xmlns:p15="http://schemas.microsoft.com/office/powerpoint/2012/main" xmlns:mc="http://schemas.openxmlformats.org/markup-compatibility/2006" type="obj" preserve="1">
+<p:sldLayout xmlns:a="http://schemas.openxmlformats.org/drawingml/2006/main" xmlns:r="http://schemas.openxmlformats.org/officeDocument/2006/relationships" xmlns:p="http://schemas.openxmlformats.org/presentationml/2006/main" type="obj" preserve="1">
   <p:cSld name="Title, Content">
     <p:spTree>
       <p:nvGrpSpPr>
@@ -743,11 +873,12 @@
           </a:prstGeom>
         </p:spPr>
         <p:txBody>
-          <a:bodyPr lIns="0" rIns="0" tIns="0" bIns="0" anchor="ctr">
+          <a:bodyPr lIns="0" tIns="0" rIns="0" bIns="0" anchor="ctr">
             <a:spAutoFit/>
           </a:bodyPr>
-          <a:p>
-            <a:endParaRPr b="0" lang="en-US" sz="1800" spc="-1" strike="noStrike">
+          <a:lstStyle/>
+          <a:p>
+            <a:endParaRPr lang="en-US" sz="1800" b="0" strike="noStrike" spc="-1">
               <a:solidFill>
                 <a:srgbClr val="000000"/>
               </a:solidFill>
@@ -776,11 +907,12 @@
           </a:prstGeom>
         </p:spPr>
         <p:txBody>
-          <a:bodyPr lIns="0" rIns="0" tIns="0" bIns="0">
+          <a:bodyPr lIns="0" tIns="0" rIns="0" bIns="0">
             <a:normAutofit/>
           </a:bodyPr>
-          <a:p>
-            <a:endParaRPr b="0" lang="en-US" sz="1800" spc="-1" strike="noStrike">
+          <a:lstStyle/>
+          <a:p>
+            <a:endParaRPr lang="en-US" sz="1800" b="0" strike="noStrike" spc="-1">
               <a:solidFill>
                 <a:srgbClr val="404040"/>
               </a:solidFill>
@@ -791,11 +923,14 @@
       </p:sp>
     </p:spTree>
   </p:cSld>
+  <p:clrMapOvr>
+    <a:masterClrMapping/>
+  </p:clrMapOvr>
 </p:sldLayout>
 </file>
 
 <file path=ppt/slideLayouts/slideLayout16.xml><?xml version="1.0" encoding="utf-8"?>
-<p:sldLayout xmlns:a="http://schemas.openxmlformats.org/drawingml/2006/main" xmlns:p="http://schemas.openxmlformats.org/presentationml/2006/main" xmlns:r="http://schemas.openxmlformats.org/officeDocument/2006/relationships" xmlns:p14="http://schemas.microsoft.com/office/powerpoint/2010/main" xmlns:p15="http://schemas.microsoft.com/office/powerpoint/2012/main" xmlns:mc="http://schemas.openxmlformats.org/markup-compatibility/2006" type="twoObj" preserve="1">
+<p:sldLayout xmlns:a="http://schemas.openxmlformats.org/drawingml/2006/main" xmlns:r="http://schemas.openxmlformats.org/officeDocument/2006/relationships" xmlns:p="http://schemas.openxmlformats.org/presentationml/2006/main" type="twoObj" preserve="1">
   <p:cSld name="Title, 2 Content">
     <p:spTree>
       <p:nvGrpSpPr>
@@ -831,11 +966,12 @@
           </a:prstGeom>
         </p:spPr>
         <p:txBody>
-          <a:bodyPr lIns="0" rIns="0" tIns="0" bIns="0" anchor="ctr">
+          <a:bodyPr lIns="0" tIns="0" rIns="0" bIns="0" anchor="ctr">
             <a:spAutoFit/>
           </a:bodyPr>
-          <a:p>
-            <a:endParaRPr b="0" lang="en-US" sz="1800" spc="-1" strike="noStrike">
+          <a:lstStyle/>
+          <a:p>
+            <a:endParaRPr lang="en-US" sz="1800" b="0" strike="noStrike" spc="-1">
               <a:solidFill>
                 <a:srgbClr val="000000"/>
               </a:solidFill>
@@ -864,11 +1000,12 @@
           </a:prstGeom>
         </p:spPr>
         <p:txBody>
-          <a:bodyPr lIns="0" rIns="0" tIns="0" bIns="0">
+          <a:bodyPr lIns="0" tIns="0" rIns="0" bIns="0">
             <a:normAutofit/>
           </a:bodyPr>
-          <a:p>
-            <a:endParaRPr b="0" lang="en-US" sz="1800" spc="-1" strike="noStrike">
+          <a:lstStyle/>
+          <a:p>
+            <a:endParaRPr lang="en-US" sz="1800" b="0" strike="noStrike" spc="-1">
               <a:solidFill>
                 <a:srgbClr val="404040"/>
               </a:solidFill>
@@ -897,11 +1034,12 @@
           </a:prstGeom>
         </p:spPr>
         <p:txBody>
-          <a:bodyPr lIns="0" rIns="0" tIns="0" bIns="0">
+          <a:bodyPr lIns="0" tIns="0" rIns="0" bIns="0">
             <a:normAutofit/>
           </a:bodyPr>
-          <a:p>
-            <a:endParaRPr b="0" lang="en-US" sz="1800" spc="-1" strike="noStrike">
+          <a:lstStyle/>
+          <a:p>
+            <a:endParaRPr lang="en-US" sz="1800" b="0" strike="noStrike" spc="-1">
               <a:solidFill>
                 <a:srgbClr val="404040"/>
               </a:solidFill>
@@ -912,11 +1050,14 @@
       </p:sp>
     </p:spTree>
   </p:cSld>
+  <p:clrMapOvr>
+    <a:masterClrMapping/>
+  </p:clrMapOvr>
 </p:sldLayout>
 </file>
 
 <file path=ppt/slideLayouts/slideLayout17.xml><?xml version="1.0" encoding="utf-8"?>
-<p:sldLayout xmlns:a="http://schemas.openxmlformats.org/drawingml/2006/main" xmlns:p="http://schemas.openxmlformats.org/presentationml/2006/main" xmlns:r="http://schemas.openxmlformats.org/officeDocument/2006/relationships" xmlns:p14="http://schemas.microsoft.com/office/powerpoint/2010/main" xmlns:p15="http://schemas.microsoft.com/office/powerpoint/2012/main" xmlns:mc="http://schemas.openxmlformats.org/markup-compatibility/2006" type="titleOnly" preserve="1">
+<p:sldLayout xmlns:a="http://schemas.openxmlformats.org/drawingml/2006/main" xmlns:r="http://schemas.openxmlformats.org/officeDocument/2006/relationships" xmlns:p="http://schemas.openxmlformats.org/presentationml/2006/main" type="titleOnly" preserve="1">
   <p:cSld name="Title Only">
     <p:spTree>
       <p:nvGrpSpPr>
@@ -952,11 +1093,12 @@
           </a:prstGeom>
         </p:spPr>
         <p:txBody>
-          <a:bodyPr lIns="0" rIns="0" tIns="0" bIns="0" anchor="ctr">
+          <a:bodyPr lIns="0" tIns="0" rIns="0" bIns="0" anchor="ctr">
             <a:spAutoFit/>
           </a:bodyPr>
-          <a:p>
-            <a:endParaRPr b="0" lang="en-US" sz="1800" spc="-1" strike="noStrike">
+          <a:lstStyle/>
+          <a:p>
+            <a:endParaRPr lang="en-US" sz="1800" b="0" strike="noStrike" spc="-1">
               <a:solidFill>
                 <a:srgbClr val="000000"/>
               </a:solidFill>
@@ -967,11 +1109,14 @@
       </p:sp>
     </p:spTree>
   </p:cSld>
+  <p:clrMapOvr>
+    <a:masterClrMapping/>
+  </p:clrMapOvr>
 </p:sldLayout>
 </file>
 
 <file path=ppt/slideLayouts/slideLayout18.xml><?xml version="1.0" encoding="utf-8"?>
-<p:sldLayout xmlns:a="http://schemas.openxmlformats.org/drawingml/2006/main" xmlns:p="http://schemas.openxmlformats.org/presentationml/2006/main" xmlns:r="http://schemas.openxmlformats.org/officeDocument/2006/relationships" xmlns:p14="http://schemas.microsoft.com/office/powerpoint/2010/main" xmlns:p15="http://schemas.microsoft.com/office/powerpoint/2012/main" xmlns:mc="http://schemas.openxmlformats.org/markup-compatibility/2006" type="objOnly" preserve="1">
+<p:sldLayout xmlns:a="http://schemas.openxmlformats.org/drawingml/2006/main" xmlns:r="http://schemas.openxmlformats.org/officeDocument/2006/relationships" xmlns:p="http://schemas.openxmlformats.org/presentationml/2006/main" type="objOnly" preserve="1">
   <p:cSld name="Centered Text">
     <p:spTree>
       <p:nvGrpSpPr>
@@ -1007,12 +1152,13 @@
           </a:prstGeom>
         </p:spPr>
         <p:txBody>
-          <a:bodyPr lIns="0" rIns="0" tIns="0" bIns="0" anchor="ctr">
+          <a:bodyPr lIns="0" tIns="0" rIns="0" bIns="0" anchor="ctr">
             <a:spAutoFit/>
           </a:bodyPr>
+          <a:lstStyle/>
           <a:p>
             <a:pPr algn="ctr"/>
-            <a:endParaRPr b="0" lang="en-GB" sz="3200" spc="-1" strike="noStrike">
+            <a:endParaRPr lang="en-GB" sz="3200" b="0" strike="noStrike" spc="-1">
               <a:latin typeface="Arial"/>
             </a:endParaRPr>
           </a:p>
@@ -1020,11 +1166,14 @@
       </p:sp>
     </p:spTree>
   </p:cSld>
+  <p:clrMapOvr>
+    <a:masterClrMapping/>
+  </p:clrMapOvr>
 </p:sldLayout>
 </file>
 
 <file path=ppt/slideLayouts/slideLayout19.xml><?xml version="1.0" encoding="utf-8"?>
-<p:sldLayout xmlns:a="http://schemas.openxmlformats.org/drawingml/2006/main" xmlns:p="http://schemas.openxmlformats.org/presentationml/2006/main" xmlns:r="http://schemas.openxmlformats.org/officeDocument/2006/relationships" xmlns:p14="http://schemas.microsoft.com/office/powerpoint/2010/main" xmlns:p15="http://schemas.microsoft.com/office/powerpoint/2012/main" xmlns:mc="http://schemas.openxmlformats.org/markup-compatibility/2006" type="twoObjAndObj" preserve="1">
+<p:sldLayout xmlns:a="http://schemas.openxmlformats.org/drawingml/2006/main" xmlns:r="http://schemas.openxmlformats.org/officeDocument/2006/relationships" xmlns:p="http://schemas.openxmlformats.org/presentationml/2006/main" type="twoObjAndObj" preserve="1">
   <p:cSld name="Title, 2 Content and Content">
     <p:spTree>
       <p:nvGrpSpPr>
@@ -1060,11 +1209,12 @@
           </a:prstGeom>
         </p:spPr>
         <p:txBody>
-          <a:bodyPr lIns="0" rIns="0" tIns="0" bIns="0" anchor="ctr">
+          <a:bodyPr lIns="0" tIns="0" rIns="0" bIns="0" anchor="ctr">
             <a:spAutoFit/>
           </a:bodyPr>
-          <a:p>
-            <a:endParaRPr b="0" lang="en-US" sz="1800" spc="-1" strike="noStrike">
+          <a:lstStyle/>
+          <a:p>
+            <a:endParaRPr lang="en-US" sz="1800" b="0" strike="noStrike" spc="-1">
               <a:solidFill>
                 <a:srgbClr val="000000"/>
               </a:solidFill>
@@ -1093,11 +1243,12 @@
           </a:prstGeom>
         </p:spPr>
         <p:txBody>
-          <a:bodyPr lIns="0" rIns="0" tIns="0" bIns="0">
+          <a:bodyPr lIns="0" tIns="0" rIns="0" bIns="0">
             <a:normAutofit/>
           </a:bodyPr>
-          <a:p>
-            <a:endParaRPr b="0" lang="en-US" sz="1800" spc="-1" strike="noStrike">
+          <a:lstStyle/>
+          <a:p>
+            <a:endParaRPr lang="en-US" sz="1800" b="0" strike="noStrike" spc="-1">
               <a:solidFill>
                 <a:srgbClr val="404040"/>
               </a:solidFill>
@@ -1126,11 +1277,12 @@
           </a:prstGeom>
         </p:spPr>
         <p:txBody>
-          <a:bodyPr lIns="0" rIns="0" tIns="0" bIns="0">
+          <a:bodyPr lIns="0" tIns="0" rIns="0" bIns="0">
             <a:normAutofit/>
           </a:bodyPr>
-          <a:p>
-            <a:endParaRPr b="0" lang="en-US" sz="1800" spc="-1" strike="noStrike">
+          <a:lstStyle/>
+          <a:p>
+            <a:endParaRPr lang="en-US" sz="1800" b="0" strike="noStrike" spc="-1">
               <a:solidFill>
                 <a:srgbClr val="404040"/>
               </a:solidFill>
@@ -1159,11 +1311,12 @@
           </a:prstGeom>
         </p:spPr>
         <p:txBody>
-          <a:bodyPr lIns="0" rIns="0" tIns="0" bIns="0">
+          <a:bodyPr lIns="0" tIns="0" rIns="0" bIns="0">
             <a:normAutofit/>
           </a:bodyPr>
-          <a:p>
-            <a:endParaRPr b="0" lang="en-US" sz="1800" spc="-1" strike="noStrike">
+          <a:lstStyle/>
+          <a:p>
+            <a:endParaRPr lang="en-US" sz="1800" b="0" strike="noStrike" spc="-1">
               <a:solidFill>
                 <a:srgbClr val="404040"/>
               </a:solidFill>
@@ -1174,11 +1327,14 @@
       </p:sp>
     </p:spTree>
   </p:cSld>
+  <p:clrMapOvr>
+    <a:masterClrMapping/>
+  </p:clrMapOvr>
 </p:sldLayout>
 </file>
 
 <file path=ppt/slideLayouts/slideLayout2.xml><?xml version="1.0" encoding="utf-8"?>
-<p:sldLayout xmlns:a="http://schemas.openxmlformats.org/drawingml/2006/main" xmlns:p="http://schemas.openxmlformats.org/presentationml/2006/main" xmlns:r="http://schemas.openxmlformats.org/officeDocument/2006/relationships" xmlns:p14="http://schemas.microsoft.com/office/powerpoint/2010/main" xmlns:p15="http://schemas.microsoft.com/office/powerpoint/2012/main" xmlns:mc="http://schemas.openxmlformats.org/markup-compatibility/2006" type="tx" preserve="1">
+<p:sldLayout xmlns:a="http://schemas.openxmlformats.org/drawingml/2006/main" xmlns:r="http://schemas.openxmlformats.org/officeDocument/2006/relationships" xmlns:p="http://schemas.openxmlformats.org/presentationml/2006/main" type="tx" preserve="1">
   <p:cSld name="Title Slide">
     <p:spTree>
       <p:nvGrpSpPr>
@@ -1214,11 +1370,12 @@
           </a:prstGeom>
         </p:spPr>
         <p:txBody>
-          <a:bodyPr lIns="0" rIns="0" tIns="0" bIns="0" anchor="ctr">
+          <a:bodyPr lIns="0" tIns="0" rIns="0" bIns="0" anchor="ctr">
             <a:spAutoFit/>
           </a:bodyPr>
-          <a:p>
-            <a:endParaRPr b="0" lang="en-US" sz="1800" spc="-1" strike="noStrike">
+          <a:lstStyle/>
+          <a:p>
+            <a:endParaRPr lang="en-US" sz="1800" b="0" strike="noStrike" spc="-1">
               <a:solidFill>
                 <a:srgbClr val="000000"/>
               </a:solidFill>
@@ -1247,12 +1404,13 @@
           </a:prstGeom>
         </p:spPr>
         <p:txBody>
-          <a:bodyPr lIns="0" rIns="0" tIns="0" bIns="0" anchor="ctr">
+          <a:bodyPr lIns="0" tIns="0" rIns="0" bIns="0" anchor="ctr">
             <a:spAutoFit/>
           </a:bodyPr>
+          <a:lstStyle/>
           <a:p>
             <a:pPr algn="ctr"/>
-            <a:endParaRPr b="0" lang="en-GB" sz="3200" spc="-1" strike="noStrike">
+            <a:endParaRPr lang="en-GB" sz="3200" b="0" strike="noStrike" spc="-1">
               <a:latin typeface="Arial"/>
             </a:endParaRPr>
           </a:p>
@@ -1260,11 +1418,14 @@
       </p:sp>
     </p:spTree>
   </p:cSld>
+  <p:clrMapOvr>
+    <a:masterClrMapping/>
+  </p:clrMapOvr>
 </p:sldLayout>
 </file>
 
 <file path=ppt/slideLayouts/slideLayout20.xml><?xml version="1.0" encoding="utf-8"?>
-<p:sldLayout xmlns:a="http://schemas.openxmlformats.org/drawingml/2006/main" xmlns:p="http://schemas.openxmlformats.org/presentationml/2006/main" xmlns:r="http://schemas.openxmlformats.org/officeDocument/2006/relationships" xmlns:p14="http://schemas.microsoft.com/office/powerpoint/2010/main" xmlns:p15="http://schemas.microsoft.com/office/powerpoint/2012/main" xmlns:mc="http://schemas.openxmlformats.org/markup-compatibility/2006" type="objAndTwoObj" preserve="1">
+<p:sldLayout xmlns:a="http://schemas.openxmlformats.org/drawingml/2006/main" xmlns:r="http://schemas.openxmlformats.org/officeDocument/2006/relationships" xmlns:p="http://schemas.openxmlformats.org/presentationml/2006/main" type="objAndTwoObj" preserve="1">
   <p:cSld name="Title Content and 2 Content">
     <p:spTree>
       <p:nvGrpSpPr>
@@ -1300,11 +1461,12 @@
           </a:prstGeom>
         </p:spPr>
         <p:txBody>
-          <a:bodyPr lIns="0" rIns="0" tIns="0" bIns="0" anchor="ctr">
+          <a:bodyPr lIns="0" tIns="0" rIns="0" bIns="0" anchor="ctr">
             <a:spAutoFit/>
           </a:bodyPr>
-          <a:p>
-            <a:endParaRPr b="0" lang="en-US" sz="1800" spc="-1" strike="noStrike">
+          <a:lstStyle/>
+          <a:p>
+            <a:endParaRPr lang="en-US" sz="1800" b="0" strike="noStrike" spc="-1">
               <a:solidFill>
                 <a:srgbClr val="000000"/>
               </a:solidFill>
@@ -1333,11 +1495,12 @@
           </a:prstGeom>
         </p:spPr>
         <p:txBody>
-          <a:bodyPr lIns="0" rIns="0" tIns="0" bIns="0">
+          <a:bodyPr lIns="0" tIns="0" rIns="0" bIns="0">
             <a:normAutofit/>
           </a:bodyPr>
-          <a:p>
-            <a:endParaRPr b="0" lang="en-US" sz="1800" spc="-1" strike="noStrike">
+          <a:lstStyle/>
+          <a:p>
+            <a:endParaRPr lang="en-US" sz="1800" b="0" strike="noStrike" spc="-1">
               <a:solidFill>
                 <a:srgbClr val="404040"/>
               </a:solidFill>
@@ -1366,11 +1529,12 @@
           </a:prstGeom>
         </p:spPr>
         <p:txBody>
-          <a:bodyPr lIns="0" rIns="0" tIns="0" bIns="0">
+          <a:bodyPr lIns="0" tIns="0" rIns="0" bIns="0">
             <a:normAutofit/>
           </a:bodyPr>
-          <a:p>
-            <a:endParaRPr b="0" lang="en-US" sz="1800" spc="-1" strike="noStrike">
+          <a:lstStyle/>
+          <a:p>
+            <a:endParaRPr lang="en-US" sz="1800" b="0" strike="noStrike" spc="-1">
               <a:solidFill>
                 <a:srgbClr val="404040"/>
               </a:solidFill>
@@ -1399,11 +1563,12 @@
           </a:prstGeom>
         </p:spPr>
         <p:txBody>
-          <a:bodyPr lIns="0" rIns="0" tIns="0" bIns="0">
+          <a:bodyPr lIns="0" tIns="0" rIns="0" bIns="0">
             <a:normAutofit/>
           </a:bodyPr>
-          <a:p>
-            <a:endParaRPr b="0" lang="en-US" sz="1800" spc="-1" strike="noStrike">
+          <a:lstStyle/>
+          <a:p>
+            <a:endParaRPr lang="en-US" sz="1800" b="0" strike="noStrike" spc="-1">
               <a:solidFill>
                 <a:srgbClr val="404040"/>
               </a:solidFill>
@@ -1414,11 +1579,14 @@
       </p:sp>
     </p:spTree>
   </p:cSld>
+  <p:clrMapOvr>
+    <a:masterClrMapping/>
+  </p:clrMapOvr>
 </p:sldLayout>
 </file>
 
 <file path=ppt/slideLayouts/slideLayout21.xml><?xml version="1.0" encoding="utf-8"?>
-<p:sldLayout xmlns:a="http://schemas.openxmlformats.org/drawingml/2006/main" xmlns:p="http://schemas.openxmlformats.org/presentationml/2006/main" xmlns:r="http://schemas.openxmlformats.org/officeDocument/2006/relationships" xmlns:p14="http://schemas.microsoft.com/office/powerpoint/2010/main" xmlns:p15="http://schemas.microsoft.com/office/powerpoint/2012/main" xmlns:mc="http://schemas.openxmlformats.org/markup-compatibility/2006" type="twoObjOverTx" preserve="1">
+<p:sldLayout xmlns:a="http://schemas.openxmlformats.org/drawingml/2006/main" xmlns:r="http://schemas.openxmlformats.org/officeDocument/2006/relationships" xmlns:p="http://schemas.openxmlformats.org/presentationml/2006/main" type="twoObjOverTx" preserve="1">
   <p:cSld name="Title, 2 Content over Content">
     <p:spTree>
       <p:nvGrpSpPr>
@@ -1454,11 +1622,12 @@
           </a:prstGeom>
         </p:spPr>
         <p:txBody>
-          <a:bodyPr lIns="0" rIns="0" tIns="0" bIns="0" anchor="ctr">
+          <a:bodyPr lIns="0" tIns="0" rIns="0" bIns="0" anchor="ctr">
             <a:spAutoFit/>
           </a:bodyPr>
-          <a:p>
-            <a:endParaRPr b="0" lang="en-US" sz="1800" spc="-1" strike="noStrike">
+          <a:lstStyle/>
+          <a:p>
+            <a:endParaRPr lang="en-US" sz="1800" b="0" strike="noStrike" spc="-1">
               <a:solidFill>
                 <a:srgbClr val="000000"/>
               </a:solidFill>
@@ -1487,11 +1656,12 @@
           </a:prstGeom>
         </p:spPr>
         <p:txBody>
-          <a:bodyPr lIns="0" rIns="0" tIns="0" bIns="0">
+          <a:bodyPr lIns="0" tIns="0" rIns="0" bIns="0">
             <a:normAutofit/>
           </a:bodyPr>
-          <a:p>
-            <a:endParaRPr b="0" lang="en-US" sz="1800" spc="-1" strike="noStrike">
+          <a:lstStyle/>
+          <a:p>
+            <a:endParaRPr lang="en-US" sz="1800" b="0" strike="noStrike" spc="-1">
               <a:solidFill>
                 <a:srgbClr val="404040"/>
               </a:solidFill>
@@ -1520,11 +1690,12 @@
           </a:prstGeom>
         </p:spPr>
         <p:txBody>
-          <a:bodyPr lIns="0" rIns="0" tIns="0" bIns="0">
+          <a:bodyPr lIns="0" tIns="0" rIns="0" bIns="0">
             <a:normAutofit/>
           </a:bodyPr>
-          <a:p>
-            <a:endParaRPr b="0" lang="en-US" sz="1800" spc="-1" strike="noStrike">
+          <a:lstStyle/>
+          <a:p>
+            <a:endParaRPr lang="en-US" sz="1800" b="0" strike="noStrike" spc="-1">
               <a:solidFill>
                 <a:srgbClr val="404040"/>
               </a:solidFill>
@@ -1553,11 +1724,12 @@
           </a:prstGeom>
         </p:spPr>
         <p:txBody>
-          <a:bodyPr lIns="0" rIns="0" tIns="0" bIns="0">
+          <a:bodyPr lIns="0" tIns="0" rIns="0" bIns="0">
             <a:normAutofit/>
           </a:bodyPr>
-          <a:p>
-            <a:endParaRPr b="0" lang="en-US" sz="1800" spc="-1" strike="noStrike">
+          <a:lstStyle/>
+          <a:p>
+            <a:endParaRPr lang="en-US" sz="1800" b="0" strike="noStrike" spc="-1">
               <a:solidFill>
                 <a:srgbClr val="404040"/>
               </a:solidFill>
@@ -1568,11 +1740,14 @@
       </p:sp>
     </p:spTree>
   </p:cSld>
+  <p:clrMapOvr>
+    <a:masterClrMapping/>
+  </p:clrMapOvr>
 </p:sldLayout>
 </file>
 
 <file path=ppt/slideLayouts/slideLayout22.xml><?xml version="1.0" encoding="utf-8"?>
-<p:sldLayout xmlns:a="http://schemas.openxmlformats.org/drawingml/2006/main" xmlns:p="http://schemas.openxmlformats.org/presentationml/2006/main" xmlns:r="http://schemas.openxmlformats.org/officeDocument/2006/relationships" xmlns:p14="http://schemas.microsoft.com/office/powerpoint/2010/main" xmlns:p15="http://schemas.microsoft.com/office/powerpoint/2012/main" xmlns:mc="http://schemas.openxmlformats.org/markup-compatibility/2006" type="objOverTx" preserve="1">
+<p:sldLayout xmlns:a="http://schemas.openxmlformats.org/drawingml/2006/main" xmlns:r="http://schemas.openxmlformats.org/officeDocument/2006/relationships" xmlns:p="http://schemas.openxmlformats.org/presentationml/2006/main" type="objOverTx" preserve="1">
   <p:cSld name="Title, Content over Content">
     <p:spTree>
       <p:nvGrpSpPr>
@@ -1608,11 +1783,12 @@
           </a:prstGeom>
         </p:spPr>
         <p:txBody>
-          <a:bodyPr lIns="0" rIns="0" tIns="0" bIns="0" anchor="ctr">
+          <a:bodyPr lIns="0" tIns="0" rIns="0" bIns="0" anchor="ctr">
             <a:spAutoFit/>
           </a:bodyPr>
-          <a:p>
-            <a:endParaRPr b="0" lang="en-US" sz="1800" spc="-1" strike="noStrike">
+          <a:lstStyle/>
+          <a:p>
+            <a:endParaRPr lang="en-US" sz="1800" b="0" strike="noStrike" spc="-1">
               <a:solidFill>
                 <a:srgbClr val="000000"/>
               </a:solidFill>
@@ -1641,11 +1817,12 @@
           </a:prstGeom>
         </p:spPr>
         <p:txBody>
-          <a:bodyPr lIns="0" rIns="0" tIns="0" bIns="0">
+          <a:bodyPr lIns="0" tIns="0" rIns="0" bIns="0">
             <a:normAutofit/>
           </a:bodyPr>
-          <a:p>
-            <a:endParaRPr b="0" lang="en-US" sz="1800" spc="-1" strike="noStrike">
+          <a:lstStyle/>
+          <a:p>
+            <a:endParaRPr lang="en-US" sz="1800" b="0" strike="noStrike" spc="-1">
               <a:solidFill>
                 <a:srgbClr val="404040"/>
               </a:solidFill>
@@ -1674,11 +1851,12 @@
           </a:prstGeom>
         </p:spPr>
         <p:txBody>
-          <a:bodyPr lIns="0" rIns="0" tIns="0" bIns="0">
+          <a:bodyPr lIns="0" tIns="0" rIns="0" bIns="0">
             <a:normAutofit/>
           </a:bodyPr>
-          <a:p>
-            <a:endParaRPr b="0" lang="en-US" sz="1800" spc="-1" strike="noStrike">
+          <a:lstStyle/>
+          <a:p>
+            <a:endParaRPr lang="en-US" sz="1800" b="0" strike="noStrike" spc="-1">
               <a:solidFill>
                 <a:srgbClr val="404040"/>
               </a:solidFill>
@@ -1689,11 +1867,14 @@
       </p:sp>
     </p:spTree>
   </p:cSld>
+  <p:clrMapOvr>
+    <a:masterClrMapping/>
+  </p:clrMapOvr>
 </p:sldLayout>
 </file>
 
 <file path=ppt/slideLayouts/slideLayout23.xml><?xml version="1.0" encoding="utf-8"?>
-<p:sldLayout xmlns:a="http://schemas.openxmlformats.org/drawingml/2006/main" xmlns:p="http://schemas.openxmlformats.org/presentationml/2006/main" xmlns:r="http://schemas.openxmlformats.org/officeDocument/2006/relationships" xmlns:p14="http://schemas.microsoft.com/office/powerpoint/2010/main" xmlns:p15="http://schemas.microsoft.com/office/powerpoint/2012/main" xmlns:mc="http://schemas.openxmlformats.org/markup-compatibility/2006" type="fourObj" preserve="1">
+<p:sldLayout xmlns:a="http://schemas.openxmlformats.org/drawingml/2006/main" xmlns:r="http://schemas.openxmlformats.org/officeDocument/2006/relationships" xmlns:p="http://schemas.openxmlformats.org/presentationml/2006/main" type="fourObj" preserve="1">
   <p:cSld name="Title, 4 Content">
     <p:spTree>
       <p:nvGrpSpPr>
@@ -1729,11 +1910,12 @@
           </a:prstGeom>
         </p:spPr>
         <p:txBody>
-          <a:bodyPr lIns="0" rIns="0" tIns="0" bIns="0" anchor="ctr">
+          <a:bodyPr lIns="0" tIns="0" rIns="0" bIns="0" anchor="ctr">
             <a:spAutoFit/>
           </a:bodyPr>
-          <a:p>
-            <a:endParaRPr b="0" lang="en-US" sz="1800" spc="-1" strike="noStrike">
+          <a:lstStyle/>
+          <a:p>
+            <a:endParaRPr lang="en-US" sz="1800" b="0" strike="noStrike" spc="-1">
               <a:solidFill>
                 <a:srgbClr val="000000"/>
               </a:solidFill>
@@ -1762,11 +1944,12 @@
           </a:prstGeom>
         </p:spPr>
         <p:txBody>
-          <a:bodyPr lIns="0" rIns="0" tIns="0" bIns="0">
+          <a:bodyPr lIns="0" tIns="0" rIns="0" bIns="0">
             <a:normAutofit/>
           </a:bodyPr>
-          <a:p>
-            <a:endParaRPr b="0" lang="en-US" sz="1800" spc="-1" strike="noStrike">
+          <a:lstStyle/>
+          <a:p>
+            <a:endParaRPr lang="en-US" sz="1800" b="0" strike="noStrike" spc="-1">
               <a:solidFill>
                 <a:srgbClr val="404040"/>
               </a:solidFill>
@@ -1795,11 +1978,12 @@
           </a:prstGeom>
         </p:spPr>
         <p:txBody>
-          <a:bodyPr lIns="0" rIns="0" tIns="0" bIns="0">
+          <a:bodyPr lIns="0" tIns="0" rIns="0" bIns="0">
             <a:normAutofit/>
           </a:bodyPr>
-          <a:p>
-            <a:endParaRPr b="0" lang="en-US" sz="1800" spc="-1" strike="noStrike">
+          <a:lstStyle/>
+          <a:p>
+            <a:endParaRPr lang="en-US" sz="1800" b="0" strike="noStrike" spc="-1">
               <a:solidFill>
                 <a:srgbClr val="404040"/>
               </a:solidFill>
@@ -1828,11 +2012,12 @@
           </a:prstGeom>
         </p:spPr>
         <p:txBody>
-          <a:bodyPr lIns="0" rIns="0" tIns="0" bIns="0">
+          <a:bodyPr lIns="0" tIns="0" rIns="0" bIns="0">
             <a:normAutofit/>
           </a:bodyPr>
-          <a:p>
-            <a:endParaRPr b="0" lang="en-US" sz="1800" spc="-1" strike="noStrike">
+          <a:lstStyle/>
+          <a:p>
+            <a:endParaRPr lang="en-US" sz="1800" b="0" strike="noStrike" spc="-1">
               <a:solidFill>
                 <a:srgbClr val="404040"/>
               </a:solidFill>
@@ -1861,11 +2046,12 @@
           </a:prstGeom>
         </p:spPr>
         <p:txBody>
-          <a:bodyPr lIns="0" rIns="0" tIns="0" bIns="0">
+          <a:bodyPr lIns="0" tIns="0" rIns="0" bIns="0">
             <a:normAutofit/>
           </a:bodyPr>
-          <a:p>
-            <a:endParaRPr b="0" lang="en-US" sz="1800" spc="-1" strike="noStrike">
+          <a:lstStyle/>
+          <a:p>
+            <a:endParaRPr lang="en-US" sz="1800" b="0" strike="noStrike" spc="-1">
               <a:solidFill>
                 <a:srgbClr val="404040"/>
               </a:solidFill>
@@ -1876,11 +2062,14 @@
       </p:sp>
     </p:spTree>
   </p:cSld>
+  <p:clrMapOvr>
+    <a:masterClrMapping/>
+  </p:clrMapOvr>
 </p:sldLayout>
 </file>
 
 <file path=ppt/slideLayouts/slideLayout24.xml><?xml version="1.0" encoding="utf-8"?>
-<p:sldLayout xmlns:a="http://schemas.openxmlformats.org/drawingml/2006/main" xmlns:p="http://schemas.openxmlformats.org/presentationml/2006/main" xmlns:r="http://schemas.openxmlformats.org/officeDocument/2006/relationships" xmlns:p14="http://schemas.microsoft.com/office/powerpoint/2010/main" xmlns:p15="http://schemas.microsoft.com/office/powerpoint/2012/main" xmlns:mc="http://schemas.openxmlformats.org/markup-compatibility/2006" type="blank" preserve="1">
+<p:sldLayout xmlns:a="http://schemas.openxmlformats.org/drawingml/2006/main" xmlns:r="http://schemas.openxmlformats.org/officeDocument/2006/relationships" xmlns:p="http://schemas.openxmlformats.org/presentationml/2006/main" type="blank" preserve="1">
   <p:cSld name="Title, 6 Content">
     <p:spTree>
       <p:nvGrpSpPr>
@@ -1916,11 +2105,12 @@
           </a:prstGeom>
         </p:spPr>
         <p:txBody>
-          <a:bodyPr lIns="0" rIns="0" tIns="0" bIns="0" anchor="ctr">
+          <a:bodyPr lIns="0" tIns="0" rIns="0" bIns="0" anchor="ctr">
             <a:spAutoFit/>
           </a:bodyPr>
-          <a:p>
-            <a:endParaRPr b="0" lang="en-US" sz="1800" spc="-1" strike="noStrike">
+          <a:lstStyle/>
+          <a:p>
+            <a:endParaRPr lang="en-US" sz="1800" b="0" strike="noStrike" spc="-1">
               <a:solidFill>
                 <a:srgbClr val="000000"/>
               </a:solidFill>
@@ -1949,11 +2139,12 @@
           </a:prstGeom>
         </p:spPr>
         <p:txBody>
-          <a:bodyPr lIns="0" rIns="0" tIns="0" bIns="0">
+          <a:bodyPr lIns="0" tIns="0" rIns="0" bIns="0">
             <a:normAutofit/>
           </a:bodyPr>
-          <a:p>
-            <a:endParaRPr b="0" lang="en-US" sz="1800" spc="-1" strike="noStrike">
+          <a:lstStyle/>
+          <a:p>
+            <a:endParaRPr lang="en-US" sz="1800" b="0" strike="noStrike" spc="-1">
               <a:solidFill>
                 <a:srgbClr val="404040"/>
               </a:solidFill>
@@ -1982,11 +2173,12 @@
           </a:prstGeom>
         </p:spPr>
         <p:txBody>
-          <a:bodyPr lIns="0" rIns="0" tIns="0" bIns="0">
+          <a:bodyPr lIns="0" tIns="0" rIns="0" bIns="0">
             <a:normAutofit/>
           </a:bodyPr>
-          <a:p>
-            <a:endParaRPr b="0" lang="en-US" sz="1800" spc="-1" strike="noStrike">
+          <a:lstStyle/>
+          <a:p>
+            <a:endParaRPr lang="en-US" sz="1800" b="0" strike="noStrike" spc="-1">
               <a:solidFill>
                 <a:srgbClr val="404040"/>
               </a:solidFill>
@@ -2015,11 +2207,12 @@
           </a:prstGeom>
         </p:spPr>
         <p:txBody>
-          <a:bodyPr lIns="0" rIns="0" tIns="0" bIns="0">
+          <a:bodyPr lIns="0" tIns="0" rIns="0" bIns="0">
             <a:normAutofit/>
           </a:bodyPr>
-          <a:p>
-            <a:endParaRPr b="0" lang="en-US" sz="1800" spc="-1" strike="noStrike">
+          <a:lstStyle/>
+          <a:p>
+            <a:endParaRPr lang="en-US" sz="1800" b="0" strike="noStrike" spc="-1">
               <a:solidFill>
                 <a:srgbClr val="404040"/>
               </a:solidFill>
@@ -2048,11 +2241,12 @@
           </a:prstGeom>
         </p:spPr>
         <p:txBody>
-          <a:bodyPr lIns="0" rIns="0" tIns="0" bIns="0">
+          <a:bodyPr lIns="0" tIns="0" rIns="0" bIns="0">
             <a:normAutofit/>
           </a:bodyPr>
-          <a:p>
-            <a:endParaRPr b="0" lang="en-US" sz="1800" spc="-1" strike="noStrike">
+          <a:lstStyle/>
+          <a:p>
+            <a:endParaRPr lang="en-US" sz="1800" b="0" strike="noStrike" spc="-1">
               <a:solidFill>
                 <a:srgbClr val="404040"/>
               </a:solidFill>
@@ -2081,11 +2275,12 @@
           </a:prstGeom>
         </p:spPr>
         <p:txBody>
-          <a:bodyPr lIns="0" rIns="0" tIns="0" bIns="0">
+          <a:bodyPr lIns="0" tIns="0" rIns="0" bIns="0">
             <a:normAutofit/>
           </a:bodyPr>
-          <a:p>
-            <a:endParaRPr b="0" lang="en-US" sz="1800" spc="-1" strike="noStrike">
+          <a:lstStyle/>
+          <a:p>
+            <a:endParaRPr lang="en-US" sz="1800" b="0" strike="noStrike" spc="-1">
               <a:solidFill>
                 <a:srgbClr val="404040"/>
               </a:solidFill>
@@ -2114,11 +2309,12 @@
           </a:prstGeom>
         </p:spPr>
         <p:txBody>
-          <a:bodyPr lIns="0" rIns="0" tIns="0" bIns="0">
+          <a:bodyPr lIns="0" tIns="0" rIns="0" bIns="0">
             <a:normAutofit/>
           </a:bodyPr>
-          <a:p>
-            <a:endParaRPr b="0" lang="en-US" sz="1800" spc="-1" strike="noStrike">
+          <a:lstStyle/>
+          <a:p>
+            <a:endParaRPr lang="en-US" sz="1800" b="0" strike="noStrike" spc="-1">
               <a:solidFill>
                 <a:srgbClr val="404040"/>
               </a:solidFill>
@@ -2129,11 +2325,14 @@
       </p:sp>
     </p:spTree>
   </p:cSld>
+  <p:clrMapOvr>
+    <a:masterClrMapping/>
+  </p:clrMapOvr>
 </p:sldLayout>
 </file>
 
 <file path=ppt/slideLayouts/slideLayout3.xml><?xml version="1.0" encoding="utf-8"?>
-<p:sldLayout xmlns:a="http://schemas.openxmlformats.org/drawingml/2006/main" xmlns:p="http://schemas.openxmlformats.org/presentationml/2006/main" xmlns:r="http://schemas.openxmlformats.org/officeDocument/2006/relationships" xmlns:p14="http://schemas.microsoft.com/office/powerpoint/2010/main" xmlns:p15="http://schemas.microsoft.com/office/powerpoint/2012/main" xmlns:mc="http://schemas.openxmlformats.org/markup-compatibility/2006" type="obj" preserve="1">
+<p:sldLayout xmlns:a="http://schemas.openxmlformats.org/drawingml/2006/main" xmlns:r="http://schemas.openxmlformats.org/officeDocument/2006/relationships" xmlns:p="http://schemas.openxmlformats.org/presentationml/2006/main" type="obj" preserve="1">
   <p:cSld name="Title, Content">
     <p:spTree>
       <p:nvGrpSpPr>
@@ -2169,11 +2368,12 @@
           </a:prstGeom>
         </p:spPr>
         <p:txBody>
-          <a:bodyPr lIns="0" rIns="0" tIns="0" bIns="0" anchor="ctr">
+          <a:bodyPr lIns="0" tIns="0" rIns="0" bIns="0" anchor="ctr">
             <a:spAutoFit/>
           </a:bodyPr>
-          <a:p>
-            <a:endParaRPr b="0" lang="en-US" sz="1800" spc="-1" strike="noStrike">
+          <a:lstStyle/>
+          <a:p>
+            <a:endParaRPr lang="en-US" sz="1800" b="0" strike="noStrike" spc="-1">
               <a:solidFill>
                 <a:srgbClr val="000000"/>
               </a:solidFill>
@@ -2202,11 +2402,12 @@
           </a:prstGeom>
         </p:spPr>
         <p:txBody>
-          <a:bodyPr lIns="0" rIns="0" tIns="0" bIns="0">
+          <a:bodyPr lIns="0" tIns="0" rIns="0" bIns="0">
             <a:normAutofit/>
           </a:bodyPr>
-          <a:p>
-            <a:endParaRPr b="0" lang="en-US" sz="1800" spc="-1" strike="noStrike">
+          <a:lstStyle/>
+          <a:p>
+            <a:endParaRPr lang="en-US" sz="1800" b="0" strike="noStrike" spc="-1">
               <a:solidFill>
                 <a:srgbClr val="404040"/>
               </a:solidFill>
@@ -2217,11 +2418,14 @@
       </p:sp>
     </p:spTree>
   </p:cSld>
+  <p:clrMapOvr>
+    <a:masterClrMapping/>
+  </p:clrMapOvr>
 </p:sldLayout>
 </file>
 
 <file path=ppt/slideLayouts/slideLayout4.xml><?xml version="1.0" encoding="utf-8"?>
-<p:sldLayout xmlns:a="http://schemas.openxmlformats.org/drawingml/2006/main" xmlns:p="http://schemas.openxmlformats.org/presentationml/2006/main" xmlns:r="http://schemas.openxmlformats.org/officeDocument/2006/relationships" xmlns:p14="http://schemas.microsoft.com/office/powerpoint/2010/main" xmlns:p15="http://schemas.microsoft.com/office/powerpoint/2012/main" xmlns:mc="http://schemas.openxmlformats.org/markup-compatibility/2006" type="twoObj" preserve="1">
+<p:sldLayout xmlns:a="http://schemas.openxmlformats.org/drawingml/2006/main" xmlns:r="http://schemas.openxmlformats.org/officeDocument/2006/relationships" xmlns:p="http://schemas.openxmlformats.org/presentationml/2006/main" type="twoObj" preserve="1">
   <p:cSld name="Title, 2 Content">
     <p:spTree>
       <p:nvGrpSpPr>
@@ -2257,11 +2461,12 @@
           </a:prstGeom>
         </p:spPr>
         <p:txBody>
-          <a:bodyPr lIns="0" rIns="0" tIns="0" bIns="0" anchor="ctr">
+          <a:bodyPr lIns="0" tIns="0" rIns="0" bIns="0" anchor="ctr">
             <a:spAutoFit/>
           </a:bodyPr>
-          <a:p>
-            <a:endParaRPr b="0" lang="en-US" sz="1800" spc="-1" strike="noStrike">
+          <a:lstStyle/>
+          <a:p>
+            <a:endParaRPr lang="en-US" sz="1800" b="0" strike="noStrike" spc="-1">
               <a:solidFill>
                 <a:srgbClr val="000000"/>
               </a:solidFill>
@@ -2290,11 +2495,12 @@
           </a:prstGeom>
         </p:spPr>
         <p:txBody>
-          <a:bodyPr lIns="0" rIns="0" tIns="0" bIns="0">
+          <a:bodyPr lIns="0" tIns="0" rIns="0" bIns="0">
             <a:normAutofit/>
           </a:bodyPr>
-          <a:p>
-            <a:endParaRPr b="0" lang="en-US" sz="1800" spc="-1" strike="noStrike">
+          <a:lstStyle/>
+          <a:p>
+            <a:endParaRPr lang="en-US" sz="1800" b="0" strike="noStrike" spc="-1">
               <a:solidFill>
                 <a:srgbClr val="404040"/>
               </a:solidFill>
@@ -2323,11 +2529,12 @@
           </a:prstGeom>
         </p:spPr>
         <p:txBody>
-          <a:bodyPr lIns="0" rIns="0" tIns="0" bIns="0">
+          <a:bodyPr lIns="0" tIns="0" rIns="0" bIns="0">
             <a:normAutofit/>
           </a:bodyPr>
-          <a:p>
-            <a:endParaRPr b="0" lang="en-US" sz="1800" spc="-1" strike="noStrike">
+          <a:lstStyle/>
+          <a:p>
+            <a:endParaRPr lang="en-US" sz="1800" b="0" strike="noStrike" spc="-1">
               <a:solidFill>
                 <a:srgbClr val="404040"/>
               </a:solidFill>
@@ -2338,11 +2545,14 @@
       </p:sp>
     </p:spTree>
   </p:cSld>
+  <p:clrMapOvr>
+    <a:masterClrMapping/>
+  </p:clrMapOvr>
 </p:sldLayout>
 </file>
 
 <file path=ppt/slideLayouts/slideLayout5.xml><?xml version="1.0" encoding="utf-8"?>
-<p:sldLayout xmlns:a="http://schemas.openxmlformats.org/drawingml/2006/main" xmlns:p="http://schemas.openxmlformats.org/presentationml/2006/main" xmlns:r="http://schemas.openxmlformats.org/officeDocument/2006/relationships" xmlns:p14="http://schemas.microsoft.com/office/powerpoint/2010/main" xmlns:p15="http://schemas.microsoft.com/office/powerpoint/2012/main" xmlns:mc="http://schemas.openxmlformats.org/markup-compatibility/2006" type="titleOnly" preserve="1">
+<p:sldLayout xmlns:a="http://schemas.openxmlformats.org/drawingml/2006/main" xmlns:r="http://schemas.openxmlformats.org/officeDocument/2006/relationships" xmlns:p="http://schemas.openxmlformats.org/presentationml/2006/main" type="titleOnly" preserve="1">
   <p:cSld name="Title Only">
     <p:spTree>
       <p:nvGrpSpPr>
@@ -2378,11 +2588,12 @@
           </a:prstGeom>
         </p:spPr>
         <p:txBody>
-          <a:bodyPr lIns="0" rIns="0" tIns="0" bIns="0" anchor="ctr">
+          <a:bodyPr lIns="0" tIns="0" rIns="0" bIns="0" anchor="ctr">
             <a:spAutoFit/>
           </a:bodyPr>
-          <a:p>
-            <a:endParaRPr b="0" lang="en-US" sz="1800" spc="-1" strike="noStrike">
+          <a:lstStyle/>
+          <a:p>
+            <a:endParaRPr lang="en-US" sz="1800" b="0" strike="noStrike" spc="-1">
               <a:solidFill>
                 <a:srgbClr val="000000"/>
               </a:solidFill>
@@ -2393,11 +2604,14 @@
       </p:sp>
     </p:spTree>
   </p:cSld>
+  <p:clrMapOvr>
+    <a:masterClrMapping/>
+  </p:clrMapOvr>
 </p:sldLayout>
 </file>
 
 <file path=ppt/slideLayouts/slideLayout6.xml><?xml version="1.0" encoding="utf-8"?>
-<p:sldLayout xmlns:a="http://schemas.openxmlformats.org/drawingml/2006/main" xmlns:p="http://schemas.openxmlformats.org/presentationml/2006/main" xmlns:r="http://schemas.openxmlformats.org/officeDocument/2006/relationships" xmlns:p14="http://schemas.microsoft.com/office/powerpoint/2010/main" xmlns:p15="http://schemas.microsoft.com/office/powerpoint/2012/main" xmlns:mc="http://schemas.openxmlformats.org/markup-compatibility/2006" type="objOnly" preserve="1">
+<p:sldLayout xmlns:a="http://schemas.openxmlformats.org/drawingml/2006/main" xmlns:r="http://schemas.openxmlformats.org/officeDocument/2006/relationships" xmlns:p="http://schemas.openxmlformats.org/presentationml/2006/main" type="objOnly" preserve="1">
   <p:cSld name="Centered Text">
     <p:spTree>
       <p:nvGrpSpPr>
@@ -2433,12 +2647,13 @@
           </a:prstGeom>
         </p:spPr>
         <p:txBody>
-          <a:bodyPr lIns="0" rIns="0" tIns="0" bIns="0" anchor="ctr">
+          <a:bodyPr lIns="0" tIns="0" rIns="0" bIns="0" anchor="ctr">
             <a:spAutoFit/>
           </a:bodyPr>
+          <a:lstStyle/>
           <a:p>
             <a:pPr algn="ctr"/>
-            <a:endParaRPr b="0" lang="en-GB" sz="3200" spc="-1" strike="noStrike">
+            <a:endParaRPr lang="en-GB" sz="3200" b="0" strike="noStrike" spc="-1">
               <a:latin typeface="Arial"/>
             </a:endParaRPr>
           </a:p>
@@ -2446,11 +2661,14 @@
       </p:sp>
     </p:spTree>
   </p:cSld>
+  <p:clrMapOvr>
+    <a:masterClrMapping/>
+  </p:clrMapOvr>
 </p:sldLayout>
 </file>
 
 <file path=ppt/slideLayouts/slideLayout7.xml><?xml version="1.0" encoding="utf-8"?>
-<p:sldLayout xmlns:a="http://schemas.openxmlformats.org/drawingml/2006/main" xmlns:p="http://schemas.openxmlformats.org/presentationml/2006/main" xmlns:r="http://schemas.openxmlformats.org/officeDocument/2006/relationships" xmlns:p14="http://schemas.microsoft.com/office/powerpoint/2010/main" xmlns:p15="http://schemas.microsoft.com/office/powerpoint/2012/main" xmlns:mc="http://schemas.openxmlformats.org/markup-compatibility/2006" type="twoObjAndObj" preserve="1">
+<p:sldLayout xmlns:a="http://schemas.openxmlformats.org/drawingml/2006/main" xmlns:r="http://schemas.openxmlformats.org/officeDocument/2006/relationships" xmlns:p="http://schemas.openxmlformats.org/presentationml/2006/main" type="twoObjAndObj" preserve="1">
   <p:cSld name="Title, 2 Content and Content">
     <p:spTree>
       <p:nvGrpSpPr>
@@ -2486,11 +2704,12 @@
           </a:prstGeom>
         </p:spPr>
         <p:txBody>
-          <a:bodyPr lIns="0" rIns="0" tIns="0" bIns="0" anchor="ctr">
+          <a:bodyPr lIns="0" tIns="0" rIns="0" bIns="0" anchor="ctr">
             <a:spAutoFit/>
           </a:bodyPr>
-          <a:p>
-            <a:endParaRPr b="0" lang="en-US" sz="1800" spc="-1" strike="noStrike">
+          <a:lstStyle/>
+          <a:p>
+            <a:endParaRPr lang="en-US" sz="1800" b="0" strike="noStrike" spc="-1">
               <a:solidFill>
                 <a:srgbClr val="000000"/>
               </a:solidFill>
@@ -2519,11 +2738,12 @@
           </a:prstGeom>
         </p:spPr>
         <p:txBody>
-          <a:bodyPr lIns="0" rIns="0" tIns="0" bIns="0">
+          <a:bodyPr lIns="0" tIns="0" rIns="0" bIns="0">
             <a:normAutofit/>
           </a:bodyPr>
-          <a:p>
-            <a:endParaRPr b="0" lang="en-US" sz="1800" spc="-1" strike="noStrike">
+          <a:lstStyle/>
+          <a:p>
+            <a:endParaRPr lang="en-US" sz="1800" b="0" strike="noStrike" spc="-1">
               <a:solidFill>
                 <a:srgbClr val="404040"/>
               </a:solidFill>
@@ -2552,11 +2772,12 @@
           </a:prstGeom>
         </p:spPr>
         <p:txBody>
-          <a:bodyPr lIns="0" rIns="0" tIns="0" bIns="0">
+          <a:bodyPr lIns="0" tIns="0" rIns="0" bIns="0">
             <a:normAutofit/>
           </a:bodyPr>
-          <a:p>
-            <a:endParaRPr b="0" lang="en-US" sz="1800" spc="-1" strike="noStrike">
+          <a:lstStyle/>
+          <a:p>
+            <a:endParaRPr lang="en-US" sz="1800" b="0" strike="noStrike" spc="-1">
               <a:solidFill>
                 <a:srgbClr val="404040"/>
               </a:solidFill>
@@ -2585,11 +2806,12 @@
           </a:prstGeom>
         </p:spPr>
         <p:txBody>
-          <a:bodyPr lIns="0" rIns="0" tIns="0" bIns="0">
+          <a:bodyPr lIns="0" tIns="0" rIns="0" bIns="0">
             <a:normAutofit/>
           </a:bodyPr>
-          <a:p>
-            <a:endParaRPr b="0" lang="en-US" sz="1800" spc="-1" strike="noStrike">
+          <a:lstStyle/>
+          <a:p>
+            <a:endParaRPr lang="en-US" sz="1800" b="0" strike="noStrike" spc="-1">
               <a:solidFill>
                 <a:srgbClr val="404040"/>
               </a:solidFill>
@@ -2600,11 +2822,14 @@
       </p:sp>
     </p:spTree>
   </p:cSld>
+  <p:clrMapOvr>
+    <a:masterClrMapping/>
+  </p:clrMapOvr>
 </p:sldLayout>
 </file>
 
 <file path=ppt/slideLayouts/slideLayout8.xml><?xml version="1.0" encoding="utf-8"?>
-<p:sldLayout xmlns:a="http://schemas.openxmlformats.org/drawingml/2006/main" xmlns:p="http://schemas.openxmlformats.org/presentationml/2006/main" xmlns:r="http://schemas.openxmlformats.org/officeDocument/2006/relationships" xmlns:p14="http://schemas.microsoft.com/office/powerpoint/2010/main" xmlns:p15="http://schemas.microsoft.com/office/powerpoint/2012/main" xmlns:mc="http://schemas.openxmlformats.org/markup-compatibility/2006" type="objAndTwoObj" preserve="1">
+<p:sldLayout xmlns:a="http://schemas.openxmlformats.org/drawingml/2006/main" xmlns:r="http://schemas.openxmlformats.org/officeDocument/2006/relationships" xmlns:p="http://schemas.openxmlformats.org/presentationml/2006/main" type="objAndTwoObj" preserve="1">
   <p:cSld name="Title Content and 2 Content">
     <p:spTree>
       <p:nvGrpSpPr>
@@ -2640,11 +2865,12 @@
           </a:prstGeom>
         </p:spPr>
         <p:txBody>
-          <a:bodyPr lIns="0" rIns="0" tIns="0" bIns="0" anchor="ctr">
+          <a:bodyPr lIns="0" tIns="0" rIns="0" bIns="0" anchor="ctr">
             <a:spAutoFit/>
           </a:bodyPr>
-          <a:p>
-            <a:endParaRPr b="0" lang="en-US" sz="1800" spc="-1" strike="noStrike">
+          <a:lstStyle/>
+          <a:p>
+            <a:endParaRPr lang="en-US" sz="1800" b="0" strike="noStrike" spc="-1">
               <a:solidFill>
                 <a:srgbClr val="000000"/>
               </a:solidFill>
@@ -2673,11 +2899,12 @@
           </a:prstGeom>
         </p:spPr>
         <p:txBody>
-          <a:bodyPr lIns="0" rIns="0" tIns="0" bIns="0">
+          <a:bodyPr lIns="0" tIns="0" rIns="0" bIns="0">
             <a:normAutofit/>
           </a:bodyPr>
-          <a:p>
-            <a:endParaRPr b="0" lang="en-US" sz="1800" spc="-1" strike="noStrike">
+          <a:lstStyle/>
+          <a:p>
+            <a:endParaRPr lang="en-US" sz="1800" b="0" strike="noStrike" spc="-1">
               <a:solidFill>
                 <a:srgbClr val="404040"/>
               </a:solidFill>
@@ -2706,11 +2933,12 @@
           </a:prstGeom>
         </p:spPr>
         <p:txBody>
-          <a:bodyPr lIns="0" rIns="0" tIns="0" bIns="0">
+          <a:bodyPr lIns="0" tIns="0" rIns="0" bIns="0">
             <a:normAutofit/>
           </a:bodyPr>
-          <a:p>
-            <a:endParaRPr b="0" lang="en-US" sz="1800" spc="-1" strike="noStrike">
+          <a:lstStyle/>
+          <a:p>
+            <a:endParaRPr lang="en-US" sz="1800" b="0" strike="noStrike" spc="-1">
               <a:solidFill>
                 <a:srgbClr val="404040"/>
               </a:solidFill>
@@ -2739,11 +2967,12 @@
           </a:prstGeom>
         </p:spPr>
         <p:txBody>
-          <a:bodyPr lIns="0" rIns="0" tIns="0" bIns="0">
+          <a:bodyPr lIns="0" tIns="0" rIns="0" bIns="0">
             <a:normAutofit/>
           </a:bodyPr>
-          <a:p>
-            <a:endParaRPr b="0" lang="en-US" sz="1800" spc="-1" strike="noStrike">
+          <a:lstStyle/>
+          <a:p>
+            <a:endParaRPr lang="en-US" sz="1800" b="0" strike="noStrike" spc="-1">
               <a:solidFill>
                 <a:srgbClr val="404040"/>
               </a:solidFill>
@@ -2754,11 +2983,14 @@
       </p:sp>
     </p:spTree>
   </p:cSld>
+  <p:clrMapOvr>
+    <a:masterClrMapping/>
+  </p:clrMapOvr>
 </p:sldLayout>
 </file>
 
 <file path=ppt/slideLayouts/slideLayout9.xml><?xml version="1.0" encoding="utf-8"?>
-<p:sldLayout xmlns:a="http://schemas.openxmlformats.org/drawingml/2006/main" xmlns:p="http://schemas.openxmlformats.org/presentationml/2006/main" xmlns:r="http://schemas.openxmlformats.org/officeDocument/2006/relationships" xmlns:p14="http://schemas.microsoft.com/office/powerpoint/2010/main" xmlns:p15="http://schemas.microsoft.com/office/powerpoint/2012/main" xmlns:mc="http://schemas.openxmlformats.org/markup-compatibility/2006" type="twoObjOverTx" preserve="1">
+<p:sldLayout xmlns:a="http://schemas.openxmlformats.org/drawingml/2006/main" xmlns:r="http://schemas.openxmlformats.org/officeDocument/2006/relationships" xmlns:p="http://schemas.openxmlformats.org/presentationml/2006/main" type="twoObjOverTx" preserve="1">
   <p:cSld name="Title, 2 Content over Content">
     <p:spTree>
       <p:nvGrpSpPr>
@@ -2794,11 +3026,12 @@
           </a:prstGeom>
         </p:spPr>
         <p:txBody>
-          <a:bodyPr lIns="0" rIns="0" tIns="0" bIns="0" anchor="ctr">
+          <a:bodyPr lIns="0" tIns="0" rIns="0" bIns="0" anchor="ctr">
             <a:spAutoFit/>
           </a:bodyPr>
-          <a:p>
-            <a:endParaRPr b="0" lang="en-US" sz="1800" spc="-1" strike="noStrike">
+          <a:lstStyle/>
+          <a:p>
+            <a:endParaRPr lang="en-US" sz="1800" b="0" strike="noStrike" spc="-1">
               <a:solidFill>
                 <a:srgbClr val="000000"/>
               </a:solidFill>
@@ -2827,11 +3060,12 @@
           </a:prstGeom>
         </p:spPr>
         <p:txBody>
-          <a:bodyPr lIns="0" rIns="0" tIns="0" bIns="0">
+          <a:bodyPr lIns="0" tIns="0" rIns="0" bIns="0">
             <a:normAutofit/>
           </a:bodyPr>
-          <a:p>
-            <a:endParaRPr b="0" lang="en-US" sz="1800" spc="-1" strike="noStrike">
+          <a:lstStyle/>
+          <a:p>
+            <a:endParaRPr lang="en-US" sz="1800" b="0" strike="noStrike" spc="-1">
               <a:solidFill>
                 <a:srgbClr val="404040"/>
               </a:solidFill>
@@ -2860,11 +3094,12 @@
           </a:prstGeom>
         </p:spPr>
         <p:txBody>
-          <a:bodyPr lIns="0" rIns="0" tIns="0" bIns="0">
+          <a:bodyPr lIns="0" tIns="0" rIns="0" bIns="0">
             <a:normAutofit/>
           </a:bodyPr>
-          <a:p>
-            <a:endParaRPr b="0" lang="en-US" sz="1800" spc="-1" strike="noStrike">
+          <a:lstStyle/>
+          <a:p>
+            <a:endParaRPr lang="en-US" sz="1800" b="0" strike="noStrike" spc="-1">
               <a:solidFill>
                 <a:srgbClr val="404040"/>
               </a:solidFill>
@@ -2893,11 +3128,12 @@
           </a:prstGeom>
         </p:spPr>
         <p:txBody>
-          <a:bodyPr lIns="0" rIns="0" tIns="0" bIns="0">
+          <a:bodyPr lIns="0" tIns="0" rIns="0" bIns="0">
             <a:normAutofit/>
           </a:bodyPr>
-          <a:p>
-            <a:endParaRPr b="0" lang="en-US" sz="1800" spc="-1" strike="noStrike">
+          <a:lstStyle/>
+          <a:p>
+            <a:endParaRPr lang="en-US" sz="1800" b="0" strike="noStrike" spc="-1">
               <a:solidFill>
                 <a:srgbClr val="404040"/>
               </a:solidFill>
@@ -2908,17 +3144,21 @@
       </p:sp>
     </p:spTree>
   </p:cSld>
+  <p:clrMapOvr>
+    <a:masterClrMapping/>
+  </p:clrMapOvr>
 </p:sldLayout>
 </file>
 
 <file path=ppt/slideMasters/slideMaster1.xml><?xml version="1.0" encoding="utf-8"?>
-<p:sldMaster xmlns:a="http://schemas.openxmlformats.org/drawingml/2006/main" xmlns:p="http://schemas.openxmlformats.org/presentationml/2006/main" xmlns:r="http://schemas.openxmlformats.org/officeDocument/2006/relationships" xmlns:p14="http://schemas.microsoft.com/office/powerpoint/2010/main" xmlns:p15="http://schemas.microsoft.com/office/powerpoint/2012/main" xmlns:mc="http://schemas.openxmlformats.org/markup-compatibility/2006">
+<p:sldMaster xmlns:a="http://schemas.openxmlformats.org/drawingml/2006/main" xmlns:r="http://schemas.openxmlformats.org/officeDocument/2006/relationships" xmlns:p="http://schemas.openxmlformats.org/presentationml/2006/main">
   <p:cSld>
     <p:bg>
       <p:bgPr>
         <a:solidFill>
-          <a:srgbClr val="ffffff"/>
+          <a:srgbClr val="FFFFFF"/>
         </a:solidFill>
+        <a:effectLst/>
       </p:bgPr>
     </p:bg>
     <p:spTree>
@@ -2937,7 +3177,7 @@
       </p:grpSpPr>
       <p:grpSp>
         <p:nvGrpSpPr>
-          <p:cNvPr id="0" name="Group 1"/>
+          <p:cNvPr id="27" name="Group 1"/>
           <p:cNvGrpSpPr/>
           <p:nvPr/>
         </p:nvGrpSpPr>
@@ -2951,7 +3191,7 @@
         </p:grpSpPr>
         <p:sp>
           <p:nvSpPr>
-            <p:cNvPr id="1" name="Line 2"/>
+            <p:cNvPr id="28" name="Line 2"/>
             <p:cNvSpPr/>
             <p:nvPr/>
           </p:nvSpPr>
@@ -3036,6 +3276,7 @@
               <a:avLst/>
               <a:gdLst/>
               <a:ahLst/>
+              <a:cxnLst/>
               <a:rect l="l" t="t" r="r" b="b"/>
               <a:pathLst>
                 <a:path w="3007349" h="6866467">
@@ -3067,7 +3308,7 @@
               <a:noFill/>
             </a:ln>
             <a:effectLst>
-              <a:outerShdw blurRad="38100" dir="5400000" dist="25560" rotWithShape="0">
+              <a:outerShdw blurRad="38100" dist="25560" dir="5400000" rotWithShape="0">
                 <a:srgbClr val="000000">
                   <a:alpha val="35000"/>
                 </a:srgbClr>
@@ -3102,6 +3343,7 @@
               <a:avLst/>
               <a:gdLst/>
               <a:ahLst/>
+              <a:cxnLst/>
               <a:rect l="l" t="t" r="r" b="b"/>
               <a:pathLst>
                 <a:path w="2573311" h="6866467">
@@ -3133,7 +3375,7 @@
               <a:noFill/>
             </a:ln>
             <a:effectLst>
-              <a:outerShdw blurRad="38100" dir="5400000" dist="25560" rotWithShape="0">
+              <a:outerShdw blurRad="38100" dist="25560" dir="5400000" rotWithShape="0">
                 <a:srgbClr val="000000">
                   <a:alpha val="35000"/>
                 </a:srgbClr>
@@ -3178,7 +3420,7 @@
               <a:noFill/>
             </a:ln>
             <a:effectLst>
-              <a:outerShdw blurRad="38100" dir="5400000" dist="25560" rotWithShape="0">
+              <a:outerShdw blurRad="38100" dist="25560" dir="5400000" rotWithShape="0">
                 <a:srgbClr val="000000">
                   <a:alpha val="35000"/>
                 </a:srgbClr>
@@ -3213,6 +3455,7 @@
               <a:avLst/>
               <a:gdLst/>
               <a:ahLst/>
+              <a:cxnLst/>
               <a:rect l="l" t="t" r="r" b="b"/>
               <a:pathLst>
                 <a:path w="2858013" h="6866467">
@@ -3245,7 +3488,7 @@
               <a:noFill/>
             </a:ln>
             <a:effectLst>
-              <a:outerShdw blurRad="38100" dir="5400000" dist="25560" rotWithShape="0">
+              <a:outerShdw blurRad="38100" dist="25560" dir="5400000" rotWithShape="0">
                 <a:srgbClr val="000000">
                   <a:alpha val="35000"/>
                 </a:srgbClr>
@@ -3280,6 +3523,7 @@
               <a:avLst/>
               <a:gdLst/>
               <a:ahLst/>
+              <a:cxnLst/>
               <a:rect l="l" t="t" r="r" b="b"/>
               <a:pathLst>
                 <a:path w="1290094" h="6858000">
@@ -3313,7 +3557,7 @@
               <a:noFill/>
             </a:ln>
             <a:effectLst>
-              <a:outerShdw blurRad="38100" dir="5400000" dist="25560" rotWithShape="0">
+              <a:outerShdw blurRad="38100" dist="25560" dir="5400000" rotWithShape="0">
                 <a:srgbClr val="000000">
                   <a:alpha val="35000"/>
                 </a:srgbClr>
@@ -3348,6 +3592,7 @@
               <a:avLst/>
               <a:gdLst/>
               <a:ahLst/>
+              <a:cxnLst/>
               <a:rect l="l" t="t" r="r" b="b"/>
               <a:pathLst>
                 <a:path w="1249825" h="6858000">
@@ -3379,7 +3624,7 @@
               <a:noFill/>
             </a:ln>
             <a:effectLst>
-              <a:outerShdw blurRad="38100" dir="5400000" dist="25560" rotWithShape="0">
+              <a:outerShdw blurRad="38100" dist="25560" dir="5400000" rotWithShape="0">
                 <a:srgbClr val="000000">
                   <a:alpha val="35000"/>
                 </a:srgbClr>
@@ -3424,7 +3669,7 @@
               <a:noFill/>
             </a:ln>
             <a:effectLst>
-              <a:outerShdw blurRad="38100" dir="5400000" dist="25560" rotWithShape="0">
+              <a:outerShdw blurRad="38100" dist="25560" dir="5400000" rotWithShape="0">
                 <a:srgbClr val="000000">
                   <a:alpha val="35000"/>
                 </a:srgbClr>
@@ -3469,7 +3714,7 @@
               <a:noFill/>
             </a:ln>
             <a:effectLst>
-              <a:outerShdw blurRad="38100" dir="5400000" dist="25560" rotWithShape="0">
+              <a:outerShdw blurRad="38100" dist="25560" dir="5400000" rotWithShape="0">
                 <a:srgbClr val="000000">
                   <a:alpha val="35000"/>
                 </a:srgbClr>
@@ -3591,6 +3836,7 @@
               <a:avLst/>
               <a:gdLst/>
               <a:ahLst/>
+              <a:cxnLst/>
               <a:rect l="l" t="t" r="r" b="b"/>
               <a:pathLst>
                 <a:path w="3007349" h="6866467">
@@ -3622,7 +3868,7 @@
               <a:noFill/>
             </a:ln>
             <a:effectLst>
-              <a:outerShdw blurRad="38100" dir="5400000" dist="25560" rotWithShape="0">
+              <a:outerShdw blurRad="38100" dist="25560" dir="5400000" rotWithShape="0">
                 <a:srgbClr val="000000">
                   <a:alpha val="35000"/>
                 </a:srgbClr>
@@ -3657,6 +3903,7 @@
               <a:avLst/>
               <a:gdLst/>
               <a:ahLst/>
+              <a:cxnLst/>
               <a:rect l="l" t="t" r="r" b="b"/>
               <a:pathLst>
                 <a:path w="2573311" h="6866467">
@@ -3688,7 +3935,7 @@
               <a:noFill/>
             </a:ln>
             <a:effectLst>
-              <a:outerShdw blurRad="38100" dir="5400000" dist="25560" rotWithShape="0">
+              <a:outerShdw blurRad="38100" dist="25560" dir="5400000" rotWithShape="0">
                 <a:srgbClr val="000000">
                   <a:alpha val="35000"/>
                 </a:srgbClr>
@@ -3733,7 +3980,7 @@
               <a:noFill/>
             </a:ln>
             <a:effectLst>
-              <a:outerShdw blurRad="38100" dir="5400000" dist="25560" rotWithShape="0">
+              <a:outerShdw blurRad="38100" dist="25560" dir="5400000" rotWithShape="0">
                 <a:srgbClr val="000000">
                   <a:alpha val="35000"/>
                 </a:srgbClr>
@@ -3768,6 +4015,7 @@
               <a:avLst/>
               <a:gdLst/>
               <a:ahLst/>
+              <a:cxnLst/>
               <a:rect l="l" t="t" r="r" b="b"/>
               <a:pathLst>
                 <a:path w="2858013" h="6866467">
@@ -3800,7 +4048,7 @@
               <a:noFill/>
             </a:ln>
             <a:effectLst>
-              <a:outerShdw blurRad="38100" dir="5400000" dist="25560" rotWithShape="0">
+              <a:outerShdw blurRad="38100" dist="25560" dir="5400000" rotWithShape="0">
                 <a:srgbClr val="000000">
                   <a:alpha val="35000"/>
                 </a:srgbClr>
@@ -3835,6 +4083,7 @@
               <a:avLst/>
               <a:gdLst/>
               <a:ahLst/>
+              <a:cxnLst/>
               <a:rect l="l" t="t" r="r" b="b"/>
               <a:pathLst>
                 <a:path w="1290094" h="6858000">
@@ -3868,7 +4117,7 @@
               <a:noFill/>
             </a:ln>
             <a:effectLst>
-              <a:outerShdw blurRad="38100" dir="5400000" dist="25560" rotWithShape="0">
+              <a:outerShdw blurRad="38100" dist="25560" dir="5400000" rotWithShape="0">
                 <a:srgbClr val="000000">
                   <a:alpha val="35000"/>
                 </a:srgbClr>
@@ -3903,6 +4152,7 @@
               <a:avLst/>
               <a:gdLst/>
               <a:ahLst/>
+              <a:cxnLst/>
               <a:rect l="l" t="t" r="r" b="b"/>
               <a:pathLst>
                 <a:path w="1249825" h="6858000">
@@ -3934,7 +4184,7 @@
               <a:noFill/>
             </a:ln>
             <a:effectLst>
-              <a:outerShdw blurRad="38100" dir="5400000" dist="25560" rotWithShape="0">
+              <a:outerShdw blurRad="38100" dist="25560" dir="5400000" rotWithShape="0">
                 <a:srgbClr val="000000">
                   <a:alpha val="35000"/>
                 </a:srgbClr>
@@ -3979,7 +4229,7 @@
               <a:noFill/>
             </a:ln>
             <a:effectLst>
-              <a:outerShdw blurRad="38100" dir="5400000" dist="25560" rotWithShape="0">
+              <a:outerShdw blurRad="38100" dist="25560" dir="5400000" rotWithShape="0">
                 <a:srgbClr val="000000">
                   <a:alpha val="35000"/>
                 </a:srgbClr>
@@ -4024,7 +4274,7 @@
               <a:noFill/>
             </a:ln>
             <a:effectLst>
-              <a:outerShdw blurRad="38100" dir="5400000" dist="25560" rotWithShape="0">
+              <a:outerShdw blurRad="38100" dist="25560" dir="5400000" rotWithShape="0">
                 <a:srgbClr val="000000">
                   <a:alpha val="35000"/>
                 </a:srgbClr>
@@ -4068,6 +4318,7 @@
           <a:bodyPr anchor="b">
             <a:noAutofit/>
           </a:bodyPr>
+          <a:lstStyle/>
           <a:p>
             <a:pPr algn="r">
               <a:lnSpc>
@@ -4075,15 +4326,15 @@
               </a:lnSpc>
             </a:pPr>
             <a:r>
-              <a:rPr b="0" lang="en-US" sz="5400" spc="-1" strike="noStrike">
+              <a:rPr lang="en-US" sz="5400" b="0" strike="noStrike" spc="-1">
                 <a:solidFill>
-                  <a:srgbClr val="90c226"/>
+                  <a:srgbClr val="90C226"/>
                 </a:solidFill>
                 <a:latin typeface="Trebuchet MS"/>
               </a:rPr>
               <a:t>Klik om stijl te bewerken</a:t>
             </a:r>
-            <a:endParaRPr b="0" lang="en-US" sz="5400" spc="-1" strike="noStrike">
+            <a:endParaRPr lang="en-US" sz="5400" b="0" strike="noStrike" spc="-1">
               <a:solidFill>
                 <a:srgbClr val="000000"/>
               </a:solidFill>
@@ -4115,6 +4366,7 @@
           <a:bodyPr anchor="ctr">
             <a:noAutofit/>
           </a:bodyPr>
+          <a:lstStyle/>
           <a:p>
             <a:pPr algn="r">
               <a:lnSpc>
@@ -4122,15 +4374,15 @@
               </a:lnSpc>
             </a:pPr>
             <a:fld id="{D2321913-0454-4DB0-BDCA-3C72007E1553}" type="datetime">
-              <a:rPr b="0" lang="en-GB" sz="900" spc="-1" strike="noStrike">
+              <a:rPr lang="en-GB" sz="900" b="0" strike="noStrike" spc="-1">
                 <a:solidFill>
-                  <a:srgbClr val="8b8b8b"/>
+                  <a:srgbClr val="8B8B8B"/>
                 </a:solidFill>
                 <a:latin typeface="Trebuchet MS"/>
               </a:rPr>
-              <a:t>28/10/21</a:t>
+              <a:t>28/10/2021</a:t>
             </a:fld>
-            <a:endParaRPr b="0" lang="en-GB" sz="900" spc="-1" strike="noStrike">
+            <a:endParaRPr lang="en-GB" sz="900" b="0" strike="noStrike" spc="-1">
               <a:latin typeface="Times New Roman"/>
             </a:endParaRPr>
           </a:p>
@@ -4159,8 +4411,9 @@
           <a:bodyPr anchor="ctr">
             <a:noAutofit/>
           </a:bodyPr>
-          <a:p>
-            <a:endParaRPr b="0" lang="en-GB" sz="2400" spc="-1" strike="noStrike">
+          <a:lstStyle/>
+          <a:p>
+            <a:endParaRPr lang="en-GB" sz="2400" b="0" strike="noStrike" spc="-1">
               <a:latin typeface="Times New Roman"/>
             </a:endParaRPr>
           </a:p>
@@ -4189,6 +4442,7 @@
           <a:bodyPr anchor="ctr">
             <a:noAutofit/>
           </a:bodyPr>
+          <a:lstStyle/>
           <a:p>
             <a:pPr algn="r">
               <a:lnSpc>
@@ -4196,15 +4450,15 @@
               </a:lnSpc>
             </a:pPr>
             <a:fld id="{E8EB5562-0AF7-4A26-9C89-BCABB0F457DD}" type="slidenum">
-              <a:rPr b="0" lang="en-GB" sz="900" spc="-1" strike="noStrike">
+              <a:rPr lang="en-GB" sz="900" b="0" strike="noStrike" spc="-1">
                 <a:solidFill>
-                  <a:srgbClr val="90c226"/>
+                  <a:srgbClr val="90C226"/>
                 </a:solidFill>
                 <a:latin typeface="Trebuchet MS"/>
               </a:rPr>
-              <a:t>&lt;number&gt;</a:t>
+              <a:t>‹nr.›</a:t>
             </a:fld>
-            <a:endParaRPr b="0" lang="en-GB" sz="900" spc="-1" strike="noStrike">
+            <a:endParaRPr lang="en-GB" sz="900" b="0" strike="noStrike" spc="-1">
               <a:latin typeface="Times New Roman"/>
             </a:endParaRPr>
           </a:p>
@@ -4230,9 +4484,10 @@
           </a:prstGeom>
         </p:spPr>
         <p:txBody>
-          <a:bodyPr lIns="0" rIns="0" tIns="0" bIns="0">
+          <a:bodyPr lIns="0" tIns="0" rIns="0" bIns="0">
             <a:normAutofit/>
           </a:bodyPr>
+          <a:lstStyle/>
           <a:p>
             <a:pPr marL="432000" indent="-324000">
               <a:spcBef>
@@ -4246,7 +4501,7 @@
               <a:buChar char=""/>
             </a:pPr>
             <a:r>
-              <a:rPr b="0" lang="en-US" sz="1800" spc="-1" strike="noStrike">
+              <a:rPr lang="en-US" sz="1800" b="0" strike="noStrike" spc="-1">
                 <a:solidFill>
                   <a:srgbClr val="404040"/>
                 </a:solidFill>
@@ -4254,15 +4509,9 @@
               </a:rPr>
               <a:t>Click to edit the outline text format</a:t>
             </a:r>
-            <a:endParaRPr b="0" lang="en-US" sz="1800" spc="-1" strike="noStrike">
-              <a:solidFill>
-                <a:srgbClr val="404040"/>
-              </a:solidFill>
-              <a:latin typeface="Trebuchet MS"/>
-            </a:endParaRPr>
-          </a:p>
-          <a:p>
-            <a:pPr lvl="1" marL="864000" indent="-324000">
+          </a:p>
+          <a:p>
+            <a:pPr marL="864000" lvl="1" indent="-324000">
               <a:spcBef>
                 <a:spcPts val="1134"/>
               </a:spcBef>
@@ -4274,7 +4523,7 @@
               <a:buChar char=""/>
             </a:pPr>
             <a:r>
-              <a:rPr b="0" lang="en-US" sz="1400" spc="-1" strike="noStrike">
+              <a:rPr lang="en-US" sz="1400" b="0" strike="noStrike" spc="-1">
                 <a:solidFill>
                   <a:srgbClr val="404040"/>
                 </a:solidFill>
@@ -4282,15 +4531,9 @@
               </a:rPr>
               <a:t>Second Outline Level</a:t>
             </a:r>
-            <a:endParaRPr b="0" lang="en-US" sz="1400" spc="-1" strike="noStrike">
-              <a:solidFill>
-                <a:srgbClr val="404040"/>
-              </a:solidFill>
-              <a:latin typeface="Trebuchet MS"/>
-            </a:endParaRPr>
-          </a:p>
-          <a:p>
-            <a:pPr lvl="2" marL="1296000" indent="-288000">
+          </a:p>
+          <a:p>
+            <a:pPr marL="1296000" lvl="2" indent="-288000">
               <a:spcBef>
                 <a:spcPts val="850"/>
               </a:spcBef>
@@ -4302,7 +4545,7 @@
               <a:buChar char=""/>
             </a:pPr>
             <a:r>
-              <a:rPr b="0" lang="en-US" sz="1200" spc="-1" strike="noStrike">
+              <a:rPr lang="en-US" sz="1200" b="0" strike="noStrike" spc="-1">
                 <a:solidFill>
                   <a:srgbClr val="404040"/>
                 </a:solidFill>
@@ -4310,15 +4553,9 @@
               </a:rPr>
               <a:t>Third Outline Level</a:t>
             </a:r>
-            <a:endParaRPr b="0" lang="en-US" sz="1200" spc="-1" strike="noStrike">
-              <a:solidFill>
-                <a:srgbClr val="404040"/>
-              </a:solidFill>
-              <a:latin typeface="Trebuchet MS"/>
-            </a:endParaRPr>
-          </a:p>
-          <a:p>
-            <a:pPr lvl="3" marL="1728000" indent="-216000">
+          </a:p>
+          <a:p>
+            <a:pPr marL="1728000" lvl="3" indent="-216000">
               <a:spcBef>
                 <a:spcPts val="567"/>
               </a:spcBef>
@@ -4330,7 +4567,7 @@
               <a:buChar char=""/>
             </a:pPr>
             <a:r>
-              <a:rPr b="0" lang="en-US" sz="1200" spc="-1" strike="noStrike">
+              <a:rPr lang="en-US" sz="1200" b="0" strike="noStrike" spc="-1">
                 <a:solidFill>
                   <a:srgbClr val="404040"/>
                 </a:solidFill>
@@ -4338,15 +4575,9 @@
               </a:rPr>
               <a:t>Fourth Outline Level</a:t>
             </a:r>
-            <a:endParaRPr b="0" lang="en-US" sz="1200" spc="-1" strike="noStrike">
-              <a:solidFill>
-                <a:srgbClr val="404040"/>
-              </a:solidFill>
-              <a:latin typeface="Trebuchet MS"/>
-            </a:endParaRPr>
-          </a:p>
-          <a:p>
-            <a:pPr lvl="4" marL="2160000" indent="-216000">
+          </a:p>
+          <a:p>
+            <a:pPr marL="2160000" lvl="4" indent="-216000">
               <a:spcBef>
                 <a:spcPts val="283"/>
               </a:spcBef>
@@ -4358,7 +4589,7 @@
               <a:buChar char=""/>
             </a:pPr>
             <a:r>
-              <a:rPr b="0" lang="en-US" sz="2000" spc="-1" strike="noStrike">
+              <a:rPr lang="en-US" sz="2000" b="0" strike="noStrike" spc="-1">
                 <a:solidFill>
                   <a:srgbClr val="404040"/>
                 </a:solidFill>
@@ -4366,15 +4597,9 @@
               </a:rPr>
               <a:t>Fifth Outline Level</a:t>
             </a:r>
-            <a:endParaRPr b="0" lang="en-US" sz="2000" spc="-1" strike="noStrike">
-              <a:solidFill>
-                <a:srgbClr val="404040"/>
-              </a:solidFill>
-              <a:latin typeface="Trebuchet MS"/>
-            </a:endParaRPr>
-          </a:p>
-          <a:p>
-            <a:pPr lvl="5" marL="2592000" indent="-216000">
+          </a:p>
+          <a:p>
+            <a:pPr marL="2592000" lvl="5" indent="-216000">
               <a:spcBef>
                 <a:spcPts val="283"/>
               </a:spcBef>
@@ -4386,7 +4611,7 @@
               <a:buChar char=""/>
             </a:pPr>
             <a:r>
-              <a:rPr b="0" lang="en-US" sz="2000" spc="-1" strike="noStrike">
+              <a:rPr lang="en-US" sz="2000" b="0" strike="noStrike" spc="-1">
                 <a:solidFill>
                   <a:srgbClr val="404040"/>
                 </a:solidFill>
@@ -4394,15 +4619,9 @@
               </a:rPr>
               <a:t>Sixth Outline Level</a:t>
             </a:r>
-            <a:endParaRPr b="0" lang="en-US" sz="2000" spc="-1" strike="noStrike">
-              <a:solidFill>
-                <a:srgbClr val="404040"/>
-              </a:solidFill>
-              <a:latin typeface="Trebuchet MS"/>
-            </a:endParaRPr>
-          </a:p>
-          <a:p>
-            <a:pPr lvl="6" marL="3024000" indent="-216000">
+          </a:p>
+          <a:p>
+            <a:pPr marL="3024000" lvl="6" indent="-216000">
               <a:spcBef>
                 <a:spcPts val="283"/>
               </a:spcBef>
@@ -4414,7 +4633,7 @@
               <a:buChar char=""/>
             </a:pPr>
             <a:r>
-              <a:rPr b="0" lang="en-US" sz="2000" spc="-1" strike="noStrike">
+              <a:rPr lang="en-US" sz="2000" b="0" strike="noStrike" spc="-1">
                 <a:solidFill>
                   <a:srgbClr val="404040"/>
                 </a:solidFill>
@@ -4422,43 +4641,318 @@
               </a:rPr>
               <a:t>Seventh Outline Level</a:t>
             </a:r>
-            <a:endParaRPr b="0" lang="en-US" sz="2000" spc="-1" strike="noStrike">
-              <a:solidFill>
-                <a:srgbClr val="404040"/>
-              </a:solidFill>
-              <a:latin typeface="Trebuchet MS"/>
-            </a:endParaRPr>
           </a:p>
         </p:txBody>
       </p:sp>
     </p:spTree>
   </p:cSld>
-  <p:clrMap bg1="lt1" bg2="lt2" tx1="dk1" tx2="dk2" accent1="accent1" accent2="accent2" accent3="accent3" accent4="accent4" accent5="accent5" accent6="accent6" hlink="hlink" folHlink="folHlink"/>
+  <p:clrMap bg1="lt1" tx1="dk1" bg2="lt2" tx2="dk2" accent1="accent1" accent2="accent2" accent3="accent3" accent4="accent4" accent5="accent5" accent6="accent6" hlink="hlink" folHlink="folHlink"/>
   <p:sldLayoutIdLst>
-    <p:sldLayoutId id="2147483649" r:id="rId2"/>
-    <p:sldLayoutId id="2147483650" r:id="rId3"/>
-    <p:sldLayoutId id="2147483651" r:id="rId4"/>
-    <p:sldLayoutId id="2147483652" r:id="rId5"/>
-    <p:sldLayoutId id="2147483653" r:id="rId6"/>
-    <p:sldLayoutId id="2147483654" r:id="rId7"/>
-    <p:sldLayoutId id="2147483655" r:id="rId8"/>
-    <p:sldLayoutId id="2147483656" r:id="rId9"/>
-    <p:sldLayoutId id="2147483657" r:id="rId10"/>
-    <p:sldLayoutId id="2147483658" r:id="rId11"/>
-    <p:sldLayoutId id="2147483659" r:id="rId12"/>
-    <p:sldLayoutId id="2147483660" r:id="rId13"/>
+    <p:sldLayoutId id="2147483649" r:id="rId1"/>
+    <p:sldLayoutId id="2147483650" r:id="rId2"/>
+    <p:sldLayoutId id="2147483651" r:id="rId3"/>
+    <p:sldLayoutId id="2147483652" r:id="rId4"/>
+    <p:sldLayoutId id="2147483653" r:id="rId5"/>
+    <p:sldLayoutId id="2147483654" r:id="rId6"/>
+    <p:sldLayoutId id="2147483655" r:id="rId7"/>
+    <p:sldLayoutId id="2147483656" r:id="rId8"/>
+    <p:sldLayoutId id="2147483657" r:id="rId9"/>
+    <p:sldLayoutId id="2147483658" r:id="rId10"/>
+    <p:sldLayoutId id="2147483659" r:id="rId11"/>
+    <p:sldLayoutId id="2147483660" r:id="rId12"/>
   </p:sldLayoutIdLst>
+  <p:txStyles>
+    <p:titleStyle>
+      <a:lvl1pPr algn="l" defTabSz="914400" rtl="0" eaLnBrk="1" latinLnBrk="0" hangingPunct="1">
+        <a:lnSpc>
+          <a:spcPct val="90000"/>
+        </a:lnSpc>
+        <a:spcBef>
+          <a:spcPct val="0"/>
+        </a:spcBef>
+        <a:buNone/>
+        <a:defRPr sz="4400" kern="1200">
+          <a:solidFill>
+            <a:schemeClr val="tx1"/>
+          </a:solidFill>
+          <a:latin typeface="+mj-lt"/>
+          <a:ea typeface="+mj-ea"/>
+          <a:cs typeface="+mj-cs"/>
+        </a:defRPr>
+      </a:lvl1pPr>
+    </p:titleStyle>
+    <p:bodyStyle>
+      <a:lvl1pPr marL="228600" indent="-228600" algn="l" defTabSz="914400" rtl="0" eaLnBrk="1" latinLnBrk="0" hangingPunct="1">
+        <a:lnSpc>
+          <a:spcPct val="90000"/>
+        </a:lnSpc>
+        <a:spcBef>
+          <a:spcPts val="1000"/>
+        </a:spcBef>
+        <a:buFont typeface="Arial" panose="020B0604020202020204" pitchFamily="34" charset="0"/>
+        <a:buChar char="•"/>
+        <a:defRPr sz="2800" kern="1200">
+          <a:solidFill>
+            <a:schemeClr val="tx1"/>
+          </a:solidFill>
+          <a:latin typeface="+mn-lt"/>
+          <a:ea typeface="+mn-ea"/>
+          <a:cs typeface="+mn-cs"/>
+        </a:defRPr>
+      </a:lvl1pPr>
+      <a:lvl2pPr marL="685800" indent="-228600" algn="l" defTabSz="914400" rtl="0" eaLnBrk="1" latinLnBrk="0" hangingPunct="1">
+        <a:lnSpc>
+          <a:spcPct val="90000"/>
+        </a:lnSpc>
+        <a:spcBef>
+          <a:spcPts val="500"/>
+        </a:spcBef>
+        <a:buFont typeface="Arial" panose="020B0604020202020204" pitchFamily="34" charset="0"/>
+        <a:buChar char="•"/>
+        <a:defRPr sz="2400" kern="1200">
+          <a:solidFill>
+            <a:schemeClr val="tx1"/>
+          </a:solidFill>
+          <a:latin typeface="+mn-lt"/>
+          <a:ea typeface="+mn-ea"/>
+          <a:cs typeface="+mn-cs"/>
+        </a:defRPr>
+      </a:lvl2pPr>
+      <a:lvl3pPr marL="1143000" indent="-228600" algn="l" defTabSz="914400" rtl="0" eaLnBrk="1" latinLnBrk="0" hangingPunct="1">
+        <a:lnSpc>
+          <a:spcPct val="90000"/>
+        </a:lnSpc>
+        <a:spcBef>
+          <a:spcPts val="500"/>
+        </a:spcBef>
+        <a:buFont typeface="Arial" panose="020B0604020202020204" pitchFamily="34" charset="0"/>
+        <a:buChar char="•"/>
+        <a:defRPr sz="2000" kern="1200">
+          <a:solidFill>
+            <a:schemeClr val="tx1"/>
+          </a:solidFill>
+          <a:latin typeface="+mn-lt"/>
+          <a:ea typeface="+mn-ea"/>
+          <a:cs typeface="+mn-cs"/>
+        </a:defRPr>
+      </a:lvl3pPr>
+      <a:lvl4pPr marL="1600200" indent="-228600" algn="l" defTabSz="914400" rtl="0" eaLnBrk="1" latinLnBrk="0" hangingPunct="1">
+        <a:lnSpc>
+          <a:spcPct val="90000"/>
+        </a:lnSpc>
+        <a:spcBef>
+          <a:spcPts val="500"/>
+        </a:spcBef>
+        <a:buFont typeface="Arial" panose="020B0604020202020204" pitchFamily="34" charset="0"/>
+        <a:buChar char="•"/>
+        <a:defRPr sz="1800" kern="1200">
+          <a:solidFill>
+            <a:schemeClr val="tx1"/>
+          </a:solidFill>
+          <a:latin typeface="+mn-lt"/>
+          <a:ea typeface="+mn-ea"/>
+          <a:cs typeface="+mn-cs"/>
+        </a:defRPr>
+      </a:lvl4pPr>
+      <a:lvl5pPr marL="2057400" indent="-228600" algn="l" defTabSz="914400" rtl="0" eaLnBrk="1" latinLnBrk="0" hangingPunct="1">
+        <a:lnSpc>
+          <a:spcPct val="90000"/>
+        </a:lnSpc>
+        <a:spcBef>
+          <a:spcPts val="500"/>
+        </a:spcBef>
+        <a:buFont typeface="Arial" panose="020B0604020202020204" pitchFamily="34" charset="0"/>
+        <a:buChar char="•"/>
+        <a:defRPr sz="1800" kern="1200">
+          <a:solidFill>
+            <a:schemeClr val="tx1"/>
+          </a:solidFill>
+          <a:latin typeface="+mn-lt"/>
+          <a:ea typeface="+mn-ea"/>
+          <a:cs typeface="+mn-cs"/>
+        </a:defRPr>
+      </a:lvl5pPr>
+      <a:lvl6pPr marL="2514600" indent="-228600" algn="l" defTabSz="914400" rtl="0" eaLnBrk="1" latinLnBrk="0" hangingPunct="1">
+        <a:lnSpc>
+          <a:spcPct val="90000"/>
+        </a:lnSpc>
+        <a:spcBef>
+          <a:spcPts val="500"/>
+        </a:spcBef>
+        <a:buFont typeface="Arial" panose="020B0604020202020204" pitchFamily="34" charset="0"/>
+        <a:buChar char="•"/>
+        <a:defRPr sz="1800" kern="1200">
+          <a:solidFill>
+            <a:schemeClr val="tx1"/>
+          </a:solidFill>
+          <a:latin typeface="+mn-lt"/>
+          <a:ea typeface="+mn-ea"/>
+          <a:cs typeface="+mn-cs"/>
+        </a:defRPr>
+      </a:lvl6pPr>
+      <a:lvl7pPr marL="2971800" indent="-228600" algn="l" defTabSz="914400" rtl="0" eaLnBrk="1" latinLnBrk="0" hangingPunct="1">
+        <a:lnSpc>
+          <a:spcPct val="90000"/>
+        </a:lnSpc>
+        <a:spcBef>
+          <a:spcPts val="500"/>
+        </a:spcBef>
+        <a:buFont typeface="Arial" panose="020B0604020202020204" pitchFamily="34" charset="0"/>
+        <a:buChar char="•"/>
+        <a:defRPr sz="1800" kern="1200">
+          <a:solidFill>
+            <a:schemeClr val="tx1"/>
+          </a:solidFill>
+          <a:latin typeface="+mn-lt"/>
+          <a:ea typeface="+mn-ea"/>
+          <a:cs typeface="+mn-cs"/>
+        </a:defRPr>
+      </a:lvl7pPr>
+      <a:lvl8pPr marL="3429000" indent="-228600" algn="l" defTabSz="914400" rtl="0" eaLnBrk="1" latinLnBrk="0" hangingPunct="1">
+        <a:lnSpc>
+          <a:spcPct val="90000"/>
+        </a:lnSpc>
+        <a:spcBef>
+          <a:spcPts val="500"/>
+        </a:spcBef>
+        <a:buFont typeface="Arial" panose="020B0604020202020204" pitchFamily="34" charset="0"/>
+        <a:buChar char="•"/>
+        <a:defRPr sz="1800" kern="1200">
+          <a:solidFill>
+            <a:schemeClr val="tx1"/>
+          </a:solidFill>
+          <a:latin typeface="+mn-lt"/>
+          <a:ea typeface="+mn-ea"/>
+          <a:cs typeface="+mn-cs"/>
+        </a:defRPr>
+      </a:lvl8pPr>
+      <a:lvl9pPr marL="3886200" indent="-228600" algn="l" defTabSz="914400" rtl="0" eaLnBrk="1" latinLnBrk="0" hangingPunct="1">
+        <a:lnSpc>
+          <a:spcPct val="90000"/>
+        </a:lnSpc>
+        <a:spcBef>
+          <a:spcPts val="500"/>
+        </a:spcBef>
+        <a:buFont typeface="Arial" panose="020B0604020202020204" pitchFamily="34" charset="0"/>
+        <a:buChar char="•"/>
+        <a:defRPr sz="1800" kern="1200">
+          <a:solidFill>
+            <a:schemeClr val="tx1"/>
+          </a:solidFill>
+          <a:latin typeface="+mn-lt"/>
+          <a:ea typeface="+mn-ea"/>
+          <a:cs typeface="+mn-cs"/>
+        </a:defRPr>
+      </a:lvl9pPr>
+    </p:bodyStyle>
+    <p:otherStyle>
+      <a:defPPr>
+        <a:defRPr lang="nl-BE"/>
+      </a:defPPr>
+      <a:lvl1pPr marL="0" algn="l" defTabSz="914400" rtl="0" eaLnBrk="1" latinLnBrk="0" hangingPunct="1">
+        <a:defRPr sz="1800" kern="1200">
+          <a:solidFill>
+            <a:schemeClr val="tx1"/>
+          </a:solidFill>
+          <a:latin typeface="+mn-lt"/>
+          <a:ea typeface="+mn-ea"/>
+          <a:cs typeface="+mn-cs"/>
+        </a:defRPr>
+      </a:lvl1pPr>
+      <a:lvl2pPr marL="457200" algn="l" defTabSz="914400" rtl="0" eaLnBrk="1" latinLnBrk="0" hangingPunct="1">
+        <a:defRPr sz="1800" kern="1200">
+          <a:solidFill>
+            <a:schemeClr val="tx1"/>
+          </a:solidFill>
+          <a:latin typeface="+mn-lt"/>
+          <a:ea typeface="+mn-ea"/>
+          <a:cs typeface="+mn-cs"/>
+        </a:defRPr>
+      </a:lvl2pPr>
+      <a:lvl3pPr marL="914400" algn="l" defTabSz="914400" rtl="0" eaLnBrk="1" latinLnBrk="0" hangingPunct="1">
+        <a:defRPr sz="1800" kern="1200">
+          <a:solidFill>
+            <a:schemeClr val="tx1"/>
+          </a:solidFill>
+          <a:latin typeface="+mn-lt"/>
+          <a:ea typeface="+mn-ea"/>
+          <a:cs typeface="+mn-cs"/>
+        </a:defRPr>
+      </a:lvl3pPr>
+      <a:lvl4pPr marL="1371600" algn="l" defTabSz="914400" rtl="0" eaLnBrk="1" latinLnBrk="0" hangingPunct="1">
+        <a:defRPr sz="1800" kern="1200">
+          <a:solidFill>
+            <a:schemeClr val="tx1"/>
+          </a:solidFill>
+          <a:latin typeface="+mn-lt"/>
+          <a:ea typeface="+mn-ea"/>
+          <a:cs typeface="+mn-cs"/>
+        </a:defRPr>
+      </a:lvl4pPr>
+      <a:lvl5pPr marL="1828800" algn="l" defTabSz="914400" rtl="0" eaLnBrk="1" latinLnBrk="0" hangingPunct="1">
+        <a:defRPr sz="1800" kern="1200">
+          <a:solidFill>
+            <a:schemeClr val="tx1"/>
+          </a:solidFill>
+          <a:latin typeface="+mn-lt"/>
+          <a:ea typeface="+mn-ea"/>
+          <a:cs typeface="+mn-cs"/>
+        </a:defRPr>
+      </a:lvl5pPr>
+      <a:lvl6pPr marL="2286000" algn="l" defTabSz="914400" rtl="0" eaLnBrk="1" latinLnBrk="0" hangingPunct="1">
+        <a:defRPr sz="1800" kern="1200">
+          <a:solidFill>
+            <a:schemeClr val="tx1"/>
+          </a:solidFill>
+          <a:latin typeface="+mn-lt"/>
+          <a:ea typeface="+mn-ea"/>
+          <a:cs typeface="+mn-cs"/>
+        </a:defRPr>
+      </a:lvl6pPr>
+      <a:lvl7pPr marL="2743200" algn="l" defTabSz="914400" rtl="0" eaLnBrk="1" latinLnBrk="0" hangingPunct="1">
+        <a:defRPr sz="1800" kern="1200">
+          <a:solidFill>
+            <a:schemeClr val="tx1"/>
+          </a:solidFill>
+          <a:latin typeface="+mn-lt"/>
+          <a:ea typeface="+mn-ea"/>
+          <a:cs typeface="+mn-cs"/>
+        </a:defRPr>
+      </a:lvl7pPr>
+      <a:lvl8pPr marL="3200400" algn="l" defTabSz="914400" rtl="0" eaLnBrk="1" latinLnBrk="0" hangingPunct="1">
+        <a:defRPr sz="1800" kern="1200">
+          <a:solidFill>
+            <a:schemeClr val="tx1"/>
+          </a:solidFill>
+          <a:latin typeface="+mn-lt"/>
+          <a:ea typeface="+mn-ea"/>
+          <a:cs typeface="+mn-cs"/>
+        </a:defRPr>
+      </a:lvl8pPr>
+      <a:lvl9pPr marL="3657600" algn="l" defTabSz="914400" rtl="0" eaLnBrk="1" latinLnBrk="0" hangingPunct="1">
+        <a:defRPr sz="1800" kern="1200">
+          <a:solidFill>
+            <a:schemeClr val="tx1"/>
+          </a:solidFill>
+          <a:latin typeface="+mn-lt"/>
+          <a:ea typeface="+mn-ea"/>
+          <a:cs typeface="+mn-cs"/>
+        </a:defRPr>
+      </a:lvl9pPr>
+    </p:otherStyle>
+  </p:txStyles>
 </p:sldMaster>
 </file>
 
 <file path=ppt/slideMasters/slideMaster2.xml><?xml version="1.0" encoding="utf-8"?>
-<p:sldMaster xmlns:a="http://schemas.openxmlformats.org/drawingml/2006/main" xmlns:p="http://schemas.openxmlformats.org/presentationml/2006/main" xmlns:r="http://schemas.openxmlformats.org/officeDocument/2006/relationships" xmlns:p14="http://schemas.microsoft.com/office/powerpoint/2010/main" xmlns:p15="http://schemas.microsoft.com/office/powerpoint/2012/main" xmlns:mc="http://schemas.openxmlformats.org/markup-compatibility/2006">
+<p:sldMaster xmlns:a="http://schemas.openxmlformats.org/drawingml/2006/main" xmlns:r="http://schemas.openxmlformats.org/officeDocument/2006/relationships" xmlns:p="http://schemas.openxmlformats.org/presentationml/2006/main">
   <p:cSld>
     <p:bg>
       <p:bgPr>
         <a:solidFill>
-          <a:srgbClr val="ffffff"/>
+          <a:srgbClr val="FFFFFF"/>
         </a:solidFill>
+        <a:effectLst/>
       </p:bgPr>
     </p:bg>
     <p:spTree>
@@ -4576,6 +5070,7 @@
               <a:avLst/>
               <a:gdLst/>
               <a:ahLst/>
+              <a:cxnLst/>
               <a:rect l="l" t="t" r="r" b="b"/>
               <a:pathLst>
                 <a:path w="3007349" h="6866467">
@@ -4607,7 +5102,7 @@
               <a:noFill/>
             </a:ln>
             <a:effectLst>
-              <a:outerShdw blurRad="38100" dir="5400000" dist="25560" rotWithShape="0">
+              <a:outerShdw blurRad="38100" dist="25560" dir="5400000" rotWithShape="0">
                 <a:srgbClr val="000000">
                   <a:alpha val="35000"/>
                 </a:srgbClr>
@@ -4642,6 +5137,7 @@
               <a:avLst/>
               <a:gdLst/>
               <a:ahLst/>
+              <a:cxnLst/>
               <a:rect l="l" t="t" r="r" b="b"/>
               <a:pathLst>
                 <a:path w="2573311" h="6866467">
@@ -4673,7 +5169,7 @@
               <a:noFill/>
             </a:ln>
             <a:effectLst>
-              <a:outerShdw blurRad="38100" dir="5400000" dist="25560" rotWithShape="0">
+              <a:outerShdw blurRad="38100" dist="25560" dir="5400000" rotWithShape="0">
                 <a:srgbClr val="000000">
                   <a:alpha val="35000"/>
                 </a:srgbClr>
@@ -4718,7 +5214,7 @@
               <a:noFill/>
             </a:ln>
             <a:effectLst>
-              <a:outerShdw blurRad="38100" dir="5400000" dist="25560" rotWithShape="0">
+              <a:outerShdw blurRad="38100" dist="25560" dir="5400000" rotWithShape="0">
                 <a:srgbClr val="000000">
                   <a:alpha val="35000"/>
                 </a:srgbClr>
@@ -4753,6 +5249,7 @@
               <a:avLst/>
               <a:gdLst/>
               <a:ahLst/>
+              <a:cxnLst/>
               <a:rect l="l" t="t" r="r" b="b"/>
               <a:pathLst>
                 <a:path w="2858013" h="6866467">
@@ -4785,7 +5282,7 @@
               <a:noFill/>
             </a:ln>
             <a:effectLst>
-              <a:outerShdw blurRad="38100" dir="5400000" dist="25560" rotWithShape="0">
+              <a:outerShdw blurRad="38100" dist="25560" dir="5400000" rotWithShape="0">
                 <a:srgbClr val="000000">
                   <a:alpha val="35000"/>
                 </a:srgbClr>
@@ -4820,6 +5317,7 @@
               <a:avLst/>
               <a:gdLst/>
               <a:ahLst/>
+              <a:cxnLst/>
               <a:rect l="l" t="t" r="r" b="b"/>
               <a:pathLst>
                 <a:path w="1290094" h="6858000">
@@ -4853,7 +5351,7 @@
               <a:noFill/>
             </a:ln>
             <a:effectLst>
-              <a:outerShdw blurRad="38100" dir="5400000" dist="25560" rotWithShape="0">
+              <a:outerShdw blurRad="38100" dist="25560" dir="5400000" rotWithShape="0">
                 <a:srgbClr val="000000">
                   <a:alpha val="35000"/>
                 </a:srgbClr>
@@ -4888,6 +5386,7 @@
               <a:avLst/>
               <a:gdLst/>
               <a:ahLst/>
+              <a:cxnLst/>
               <a:rect l="l" t="t" r="r" b="b"/>
               <a:pathLst>
                 <a:path w="1249825" h="6858000">
@@ -4919,7 +5418,7 @@
               <a:noFill/>
             </a:ln>
             <a:effectLst>
-              <a:outerShdw blurRad="38100" dir="5400000" dist="25560" rotWithShape="0">
+              <a:outerShdw blurRad="38100" dist="25560" dir="5400000" rotWithShape="0">
                 <a:srgbClr val="000000">
                   <a:alpha val="35000"/>
                 </a:srgbClr>
@@ -4964,7 +5463,7 @@
               <a:noFill/>
             </a:ln>
             <a:effectLst>
-              <a:outerShdw blurRad="38100" dir="5400000" dist="25560" rotWithShape="0">
+              <a:outerShdw blurRad="38100" dist="25560" dir="5400000" rotWithShape="0">
                 <a:srgbClr val="000000">
                   <a:alpha val="35000"/>
                 </a:srgbClr>
@@ -5009,7 +5508,7 @@
               <a:noFill/>
             </a:ln>
             <a:effectLst>
-              <a:outerShdw blurRad="38100" dir="5400000" dist="25560" rotWithShape="0">
+              <a:outerShdw blurRad="38100" dist="25560" dir="5400000" rotWithShape="0">
                 <a:srgbClr val="000000">
                   <a:alpha val="35000"/>
                 </a:srgbClr>
@@ -5053,6 +5552,7 @@
           <a:bodyPr>
             <a:normAutofit/>
           </a:bodyPr>
+          <a:lstStyle/>
           <a:p>
             <a:pPr>
               <a:lnSpc>
@@ -5060,15 +5560,15 @@
               </a:lnSpc>
             </a:pPr>
             <a:r>
-              <a:rPr b="0" lang="en-US" sz="3600" spc="-1" strike="noStrike">
+              <a:rPr lang="en-US" sz="3600" b="0" strike="noStrike" spc="-1">
                 <a:solidFill>
-                  <a:srgbClr val="90c226"/>
+                  <a:srgbClr val="90C226"/>
                 </a:solidFill>
                 <a:latin typeface="Trebuchet MS"/>
               </a:rPr>
               <a:t>Klik om stijl te bewerken</a:t>
             </a:r>
-            <a:endParaRPr b="0" lang="en-US" sz="3600" spc="-1" strike="noStrike">
+            <a:endParaRPr lang="en-US" sz="3600" b="0" strike="noStrike" spc="-1">
               <a:solidFill>
                 <a:srgbClr val="000000"/>
               </a:solidFill>
@@ -5100,6 +5600,7 @@
           <a:bodyPr>
             <a:noAutofit/>
           </a:bodyPr>
+          <a:lstStyle/>
           <a:p>
             <a:pPr marL="343080" indent="-342720">
               <a:lnSpc>
@@ -5109,14 +5610,14 @@
                 <a:spcPts val="1001"/>
               </a:spcBef>
               <a:buClr>
-                <a:srgbClr val="90c226"/>
+                <a:srgbClr val="90C226"/>
               </a:buClr>
               <a:buSzPct val="80000"/>
               <a:buFont typeface="Wingdings 3" charset="2"/>
               <a:buChar char=""/>
             </a:pPr>
             <a:r>
-              <a:rPr b="0" lang="en-US" sz="1800" spc="-1" strike="noStrike">
+              <a:rPr lang="en-US" sz="1800" b="0" strike="noStrike" spc="-1">
                 <a:solidFill>
                   <a:srgbClr val="404040"/>
                 </a:solidFill>
@@ -5124,15 +5625,9 @@
               </a:rPr>
               <a:t>Klikken om de tekststijl van het model te bewerken</a:t>
             </a:r>
-            <a:endParaRPr b="0" lang="en-US" sz="1800" spc="-1" strike="noStrike">
-              <a:solidFill>
-                <a:srgbClr val="404040"/>
-              </a:solidFill>
-              <a:latin typeface="Trebuchet MS"/>
-            </a:endParaRPr>
-          </a:p>
-          <a:p>
-            <a:pPr lvl="1" marL="743040" indent="-285480">
+          </a:p>
+          <a:p>
+            <a:pPr marL="743040" lvl="1" indent="-285480">
               <a:lnSpc>
                 <a:spcPct val="100000"/>
               </a:lnSpc>
@@ -5140,14 +5635,14 @@
                 <a:spcPts val="1001"/>
               </a:spcBef>
               <a:buClr>
-                <a:srgbClr val="90c226"/>
+                <a:srgbClr val="90C226"/>
               </a:buClr>
               <a:buSzPct val="80000"/>
               <a:buFont typeface="Wingdings 3" charset="2"/>
               <a:buChar char=""/>
             </a:pPr>
             <a:r>
-              <a:rPr b="0" lang="en-US" sz="1600" spc="-1" strike="noStrike">
+              <a:rPr lang="en-US" sz="1600" b="0" strike="noStrike" spc="-1">
                 <a:solidFill>
                   <a:srgbClr val="404040"/>
                 </a:solidFill>
@@ -5155,15 +5650,9 @@
               </a:rPr>
               <a:t>Tweede niveau</a:t>
             </a:r>
-            <a:endParaRPr b="0" lang="en-US" sz="1600" spc="-1" strike="noStrike">
-              <a:solidFill>
-                <a:srgbClr val="404040"/>
-              </a:solidFill>
-              <a:latin typeface="Trebuchet MS"/>
-            </a:endParaRPr>
-          </a:p>
-          <a:p>
-            <a:pPr lvl="2" marL="1143000" indent="-228240">
+          </a:p>
+          <a:p>
+            <a:pPr marL="1143000" lvl="2" indent="-228240">
               <a:lnSpc>
                 <a:spcPct val="100000"/>
               </a:lnSpc>
@@ -5171,14 +5660,14 @@
                 <a:spcPts val="1001"/>
               </a:spcBef>
               <a:buClr>
-                <a:srgbClr val="90c226"/>
+                <a:srgbClr val="90C226"/>
               </a:buClr>
               <a:buSzPct val="80000"/>
               <a:buFont typeface="Wingdings 3" charset="2"/>
               <a:buChar char=""/>
             </a:pPr>
             <a:r>
-              <a:rPr b="0" lang="en-US" sz="1400" spc="-1" strike="noStrike">
+              <a:rPr lang="en-US" sz="1400" b="0" strike="noStrike" spc="-1">
                 <a:solidFill>
                   <a:srgbClr val="404040"/>
                 </a:solidFill>
@@ -5186,15 +5675,9 @@
               </a:rPr>
               <a:t>Derde niveau</a:t>
             </a:r>
-            <a:endParaRPr b="0" lang="en-US" sz="1400" spc="-1" strike="noStrike">
-              <a:solidFill>
-                <a:srgbClr val="404040"/>
-              </a:solidFill>
-              <a:latin typeface="Trebuchet MS"/>
-            </a:endParaRPr>
-          </a:p>
-          <a:p>
-            <a:pPr lvl="3" marL="1600200" indent="-228240">
+          </a:p>
+          <a:p>
+            <a:pPr marL="1600200" lvl="3" indent="-228240">
               <a:lnSpc>
                 <a:spcPct val="100000"/>
               </a:lnSpc>
@@ -5202,14 +5685,14 @@
                 <a:spcPts val="1001"/>
               </a:spcBef>
               <a:buClr>
-                <a:srgbClr val="90c226"/>
+                <a:srgbClr val="90C226"/>
               </a:buClr>
               <a:buSzPct val="80000"/>
               <a:buFont typeface="Wingdings 3" charset="2"/>
               <a:buChar char=""/>
             </a:pPr>
             <a:r>
-              <a:rPr b="0" lang="en-US" sz="1200" spc="-1" strike="noStrike">
+              <a:rPr lang="en-US" sz="1200" b="0" strike="noStrike" spc="-1">
                 <a:solidFill>
                   <a:srgbClr val="404040"/>
                 </a:solidFill>
@@ -5217,15 +5700,9 @@
               </a:rPr>
               <a:t>Vierde niveau</a:t>
             </a:r>
-            <a:endParaRPr b="0" lang="en-US" sz="1200" spc="-1" strike="noStrike">
-              <a:solidFill>
-                <a:srgbClr val="404040"/>
-              </a:solidFill>
-              <a:latin typeface="Trebuchet MS"/>
-            </a:endParaRPr>
-          </a:p>
-          <a:p>
-            <a:pPr lvl="4" marL="2057400" indent="-228240">
+          </a:p>
+          <a:p>
+            <a:pPr marL="2057400" lvl="4" indent="-228240">
               <a:lnSpc>
                 <a:spcPct val="100000"/>
               </a:lnSpc>
@@ -5233,14 +5710,14 @@
                 <a:spcPts val="1001"/>
               </a:spcBef>
               <a:buClr>
-                <a:srgbClr val="90c226"/>
+                <a:srgbClr val="90C226"/>
               </a:buClr>
               <a:buSzPct val="80000"/>
               <a:buFont typeface="Wingdings 3" charset="2"/>
               <a:buChar char=""/>
             </a:pPr>
             <a:r>
-              <a:rPr b="0" lang="en-US" sz="1200" spc="-1" strike="noStrike">
+              <a:rPr lang="en-US" sz="1200" b="0" strike="noStrike" spc="-1">
                 <a:solidFill>
                   <a:srgbClr val="404040"/>
                 </a:solidFill>
@@ -5248,12 +5725,6 @@
               </a:rPr>
               <a:t>Vijfde niveau</a:t>
             </a:r>
-            <a:endParaRPr b="0" lang="en-US" sz="1200" spc="-1" strike="noStrike">
-              <a:solidFill>
-                <a:srgbClr val="404040"/>
-              </a:solidFill>
-              <a:latin typeface="Trebuchet MS"/>
-            </a:endParaRPr>
           </a:p>
         </p:txBody>
       </p:sp>
@@ -5280,6 +5751,7 @@
           <a:bodyPr anchor="ctr">
             <a:noAutofit/>
           </a:bodyPr>
+          <a:lstStyle/>
           <a:p>
             <a:pPr algn="r">
               <a:lnSpc>
@@ -5287,15 +5759,15 @@
               </a:lnSpc>
             </a:pPr>
             <a:fld id="{322D515C-5EB8-436C-BAE7-57D2C0ADA30D}" type="datetime">
-              <a:rPr b="0" lang="en-GB" sz="900" spc="-1" strike="noStrike">
+              <a:rPr lang="en-GB" sz="900" b="0" strike="noStrike" spc="-1">
                 <a:solidFill>
-                  <a:srgbClr val="8b8b8b"/>
+                  <a:srgbClr val="8B8B8B"/>
                 </a:solidFill>
                 <a:latin typeface="Trebuchet MS"/>
               </a:rPr>
-              <a:t>28/10/21</a:t>
+              <a:t>28/10/2021</a:t>
             </a:fld>
-            <a:endParaRPr b="0" lang="en-GB" sz="900" spc="-1" strike="noStrike">
+            <a:endParaRPr lang="en-GB" sz="900" b="0" strike="noStrike" spc="-1">
               <a:latin typeface="Times New Roman"/>
             </a:endParaRPr>
           </a:p>
@@ -5324,8 +5796,9 @@
           <a:bodyPr anchor="ctr">
             <a:noAutofit/>
           </a:bodyPr>
-          <a:p>
-            <a:endParaRPr b="0" lang="en-GB" sz="2400" spc="-1" strike="noStrike">
+          <a:lstStyle/>
+          <a:p>
+            <a:endParaRPr lang="en-GB" sz="2400" b="0" strike="noStrike" spc="-1">
               <a:latin typeface="Times New Roman"/>
             </a:endParaRPr>
           </a:p>
@@ -5354,6 +5827,7 @@
           <a:bodyPr anchor="ctr">
             <a:noAutofit/>
           </a:bodyPr>
+          <a:lstStyle/>
           <a:p>
             <a:pPr algn="r">
               <a:lnSpc>
@@ -5361,15 +5835,15 @@
               </a:lnSpc>
             </a:pPr>
             <a:fld id="{02D34999-9A7E-4A6F-A1CB-E1B601D36143}" type="slidenum">
-              <a:rPr b="0" lang="en-GB" sz="900" spc="-1" strike="noStrike">
+              <a:rPr lang="en-GB" sz="900" b="0" strike="noStrike" spc="-1">
                 <a:solidFill>
-                  <a:srgbClr val="90c226"/>
+                  <a:srgbClr val="90C226"/>
                 </a:solidFill>
                 <a:latin typeface="Trebuchet MS"/>
               </a:rPr>
-              <a:t>&lt;number&gt;</a:t>
+              <a:t>‹nr.›</a:t>
             </a:fld>
-            <a:endParaRPr b="0" lang="en-GB" sz="900" spc="-1" strike="noStrike">
+            <a:endParaRPr lang="en-GB" sz="900" b="0" strike="noStrike" spc="-1">
               <a:latin typeface="Times New Roman"/>
             </a:endParaRPr>
           </a:p>
@@ -5377,26 +5851,306 @@
       </p:sp>
     </p:spTree>
   </p:cSld>
-  <p:clrMap bg1="lt1" bg2="lt2" tx1="dk1" tx2="dk2" accent1="accent1" accent2="accent2" accent3="accent3" accent4="accent4" accent5="accent5" accent6="accent6" hlink="hlink" folHlink="folHlink"/>
+  <p:clrMap bg1="lt1" tx1="dk1" bg2="lt2" tx2="dk2" accent1="accent1" accent2="accent2" accent3="accent3" accent4="accent4" accent5="accent5" accent6="accent6" hlink="hlink" folHlink="folHlink"/>
   <p:sldLayoutIdLst>
-    <p:sldLayoutId id="2147483662" r:id="rId2"/>
-    <p:sldLayoutId id="2147483663" r:id="rId3"/>
-    <p:sldLayoutId id="2147483664" r:id="rId4"/>
-    <p:sldLayoutId id="2147483665" r:id="rId5"/>
-    <p:sldLayoutId id="2147483666" r:id="rId6"/>
-    <p:sldLayoutId id="2147483667" r:id="rId7"/>
-    <p:sldLayoutId id="2147483668" r:id="rId8"/>
-    <p:sldLayoutId id="2147483669" r:id="rId9"/>
-    <p:sldLayoutId id="2147483670" r:id="rId10"/>
-    <p:sldLayoutId id="2147483671" r:id="rId11"/>
-    <p:sldLayoutId id="2147483672" r:id="rId12"/>
-    <p:sldLayoutId id="2147483673" r:id="rId13"/>
+    <p:sldLayoutId id="2147483662" r:id="rId1"/>
+    <p:sldLayoutId id="2147483663" r:id="rId2"/>
+    <p:sldLayoutId id="2147483664" r:id="rId3"/>
+    <p:sldLayoutId id="2147483665" r:id="rId4"/>
+    <p:sldLayoutId id="2147483666" r:id="rId5"/>
+    <p:sldLayoutId id="2147483667" r:id="rId6"/>
+    <p:sldLayoutId id="2147483668" r:id="rId7"/>
+    <p:sldLayoutId id="2147483669" r:id="rId8"/>
+    <p:sldLayoutId id="2147483670" r:id="rId9"/>
+    <p:sldLayoutId id="2147483671" r:id="rId10"/>
+    <p:sldLayoutId id="2147483672" r:id="rId11"/>
+    <p:sldLayoutId id="2147483673" r:id="rId12"/>
   </p:sldLayoutIdLst>
+  <p:txStyles>
+    <p:titleStyle>
+      <a:lvl1pPr algn="l" defTabSz="914400" rtl="0" eaLnBrk="1" latinLnBrk="0" hangingPunct="1">
+        <a:lnSpc>
+          <a:spcPct val="90000"/>
+        </a:lnSpc>
+        <a:spcBef>
+          <a:spcPct val="0"/>
+        </a:spcBef>
+        <a:buNone/>
+        <a:defRPr sz="4400" kern="1200">
+          <a:solidFill>
+            <a:schemeClr val="tx1"/>
+          </a:solidFill>
+          <a:latin typeface="+mj-lt"/>
+          <a:ea typeface="+mj-ea"/>
+          <a:cs typeface="+mj-cs"/>
+        </a:defRPr>
+      </a:lvl1pPr>
+    </p:titleStyle>
+    <p:bodyStyle>
+      <a:lvl1pPr marL="228600" indent="-228600" algn="l" defTabSz="914400" rtl="0" eaLnBrk="1" latinLnBrk="0" hangingPunct="1">
+        <a:lnSpc>
+          <a:spcPct val="90000"/>
+        </a:lnSpc>
+        <a:spcBef>
+          <a:spcPts val="1000"/>
+        </a:spcBef>
+        <a:buFont typeface="Arial" panose="020B0604020202020204" pitchFamily="34" charset="0"/>
+        <a:buChar char="•"/>
+        <a:defRPr sz="2800" kern="1200">
+          <a:solidFill>
+            <a:schemeClr val="tx1"/>
+          </a:solidFill>
+          <a:latin typeface="+mn-lt"/>
+          <a:ea typeface="+mn-ea"/>
+          <a:cs typeface="+mn-cs"/>
+        </a:defRPr>
+      </a:lvl1pPr>
+      <a:lvl2pPr marL="685800" indent="-228600" algn="l" defTabSz="914400" rtl="0" eaLnBrk="1" latinLnBrk="0" hangingPunct="1">
+        <a:lnSpc>
+          <a:spcPct val="90000"/>
+        </a:lnSpc>
+        <a:spcBef>
+          <a:spcPts val="500"/>
+        </a:spcBef>
+        <a:buFont typeface="Arial" panose="020B0604020202020204" pitchFamily="34" charset="0"/>
+        <a:buChar char="•"/>
+        <a:defRPr sz="2400" kern="1200">
+          <a:solidFill>
+            <a:schemeClr val="tx1"/>
+          </a:solidFill>
+          <a:latin typeface="+mn-lt"/>
+          <a:ea typeface="+mn-ea"/>
+          <a:cs typeface="+mn-cs"/>
+        </a:defRPr>
+      </a:lvl2pPr>
+      <a:lvl3pPr marL="1143000" indent="-228600" algn="l" defTabSz="914400" rtl="0" eaLnBrk="1" latinLnBrk="0" hangingPunct="1">
+        <a:lnSpc>
+          <a:spcPct val="90000"/>
+        </a:lnSpc>
+        <a:spcBef>
+          <a:spcPts val="500"/>
+        </a:spcBef>
+        <a:buFont typeface="Arial" panose="020B0604020202020204" pitchFamily="34" charset="0"/>
+        <a:buChar char="•"/>
+        <a:defRPr sz="2000" kern="1200">
+          <a:solidFill>
+            <a:schemeClr val="tx1"/>
+          </a:solidFill>
+          <a:latin typeface="+mn-lt"/>
+          <a:ea typeface="+mn-ea"/>
+          <a:cs typeface="+mn-cs"/>
+        </a:defRPr>
+      </a:lvl3pPr>
+      <a:lvl4pPr marL="1600200" indent="-228600" algn="l" defTabSz="914400" rtl="0" eaLnBrk="1" latinLnBrk="0" hangingPunct="1">
+        <a:lnSpc>
+          <a:spcPct val="90000"/>
+        </a:lnSpc>
+        <a:spcBef>
+          <a:spcPts val="500"/>
+        </a:spcBef>
+        <a:buFont typeface="Arial" panose="020B0604020202020204" pitchFamily="34" charset="0"/>
+        <a:buChar char="•"/>
+        <a:defRPr sz="1800" kern="1200">
+          <a:solidFill>
+            <a:schemeClr val="tx1"/>
+          </a:solidFill>
+          <a:latin typeface="+mn-lt"/>
+          <a:ea typeface="+mn-ea"/>
+          <a:cs typeface="+mn-cs"/>
+        </a:defRPr>
+      </a:lvl4pPr>
+      <a:lvl5pPr marL="2057400" indent="-228600" algn="l" defTabSz="914400" rtl="0" eaLnBrk="1" latinLnBrk="0" hangingPunct="1">
+        <a:lnSpc>
+          <a:spcPct val="90000"/>
+        </a:lnSpc>
+        <a:spcBef>
+          <a:spcPts val="500"/>
+        </a:spcBef>
+        <a:buFont typeface="Arial" panose="020B0604020202020204" pitchFamily="34" charset="0"/>
+        <a:buChar char="•"/>
+        <a:defRPr sz="1800" kern="1200">
+          <a:solidFill>
+            <a:schemeClr val="tx1"/>
+          </a:solidFill>
+          <a:latin typeface="+mn-lt"/>
+          <a:ea typeface="+mn-ea"/>
+          <a:cs typeface="+mn-cs"/>
+        </a:defRPr>
+      </a:lvl5pPr>
+      <a:lvl6pPr marL="2514600" indent="-228600" algn="l" defTabSz="914400" rtl="0" eaLnBrk="1" latinLnBrk="0" hangingPunct="1">
+        <a:lnSpc>
+          <a:spcPct val="90000"/>
+        </a:lnSpc>
+        <a:spcBef>
+          <a:spcPts val="500"/>
+        </a:spcBef>
+        <a:buFont typeface="Arial" panose="020B0604020202020204" pitchFamily="34" charset="0"/>
+        <a:buChar char="•"/>
+        <a:defRPr sz="1800" kern="1200">
+          <a:solidFill>
+            <a:schemeClr val="tx1"/>
+          </a:solidFill>
+          <a:latin typeface="+mn-lt"/>
+          <a:ea typeface="+mn-ea"/>
+          <a:cs typeface="+mn-cs"/>
+        </a:defRPr>
+      </a:lvl6pPr>
+      <a:lvl7pPr marL="2971800" indent="-228600" algn="l" defTabSz="914400" rtl="0" eaLnBrk="1" latinLnBrk="0" hangingPunct="1">
+        <a:lnSpc>
+          <a:spcPct val="90000"/>
+        </a:lnSpc>
+        <a:spcBef>
+          <a:spcPts val="500"/>
+        </a:spcBef>
+        <a:buFont typeface="Arial" panose="020B0604020202020204" pitchFamily="34" charset="0"/>
+        <a:buChar char="•"/>
+        <a:defRPr sz="1800" kern="1200">
+          <a:solidFill>
+            <a:schemeClr val="tx1"/>
+          </a:solidFill>
+          <a:latin typeface="+mn-lt"/>
+          <a:ea typeface="+mn-ea"/>
+          <a:cs typeface="+mn-cs"/>
+        </a:defRPr>
+      </a:lvl7pPr>
+      <a:lvl8pPr marL="3429000" indent="-228600" algn="l" defTabSz="914400" rtl="0" eaLnBrk="1" latinLnBrk="0" hangingPunct="1">
+        <a:lnSpc>
+          <a:spcPct val="90000"/>
+        </a:lnSpc>
+        <a:spcBef>
+          <a:spcPts val="500"/>
+        </a:spcBef>
+        <a:buFont typeface="Arial" panose="020B0604020202020204" pitchFamily="34" charset="0"/>
+        <a:buChar char="•"/>
+        <a:defRPr sz="1800" kern="1200">
+          <a:solidFill>
+            <a:schemeClr val="tx1"/>
+          </a:solidFill>
+          <a:latin typeface="+mn-lt"/>
+          <a:ea typeface="+mn-ea"/>
+          <a:cs typeface="+mn-cs"/>
+        </a:defRPr>
+      </a:lvl8pPr>
+      <a:lvl9pPr marL="3886200" indent="-228600" algn="l" defTabSz="914400" rtl="0" eaLnBrk="1" latinLnBrk="0" hangingPunct="1">
+        <a:lnSpc>
+          <a:spcPct val="90000"/>
+        </a:lnSpc>
+        <a:spcBef>
+          <a:spcPts val="500"/>
+        </a:spcBef>
+        <a:buFont typeface="Arial" panose="020B0604020202020204" pitchFamily="34" charset="0"/>
+        <a:buChar char="•"/>
+        <a:defRPr sz="1800" kern="1200">
+          <a:solidFill>
+            <a:schemeClr val="tx1"/>
+          </a:solidFill>
+          <a:latin typeface="+mn-lt"/>
+          <a:ea typeface="+mn-ea"/>
+          <a:cs typeface="+mn-cs"/>
+        </a:defRPr>
+      </a:lvl9pPr>
+    </p:bodyStyle>
+    <p:otherStyle>
+      <a:defPPr>
+        <a:defRPr lang="nl-BE"/>
+      </a:defPPr>
+      <a:lvl1pPr marL="0" algn="l" defTabSz="914400" rtl="0" eaLnBrk="1" latinLnBrk="0" hangingPunct="1">
+        <a:defRPr sz="1800" kern="1200">
+          <a:solidFill>
+            <a:schemeClr val="tx1"/>
+          </a:solidFill>
+          <a:latin typeface="+mn-lt"/>
+          <a:ea typeface="+mn-ea"/>
+          <a:cs typeface="+mn-cs"/>
+        </a:defRPr>
+      </a:lvl1pPr>
+      <a:lvl2pPr marL="457200" algn="l" defTabSz="914400" rtl="0" eaLnBrk="1" latinLnBrk="0" hangingPunct="1">
+        <a:defRPr sz="1800" kern="1200">
+          <a:solidFill>
+            <a:schemeClr val="tx1"/>
+          </a:solidFill>
+          <a:latin typeface="+mn-lt"/>
+          <a:ea typeface="+mn-ea"/>
+          <a:cs typeface="+mn-cs"/>
+        </a:defRPr>
+      </a:lvl2pPr>
+      <a:lvl3pPr marL="914400" algn="l" defTabSz="914400" rtl="0" eaLnBrk="1" latinLnBrk="0" hangingPunct="1">
+        <a:defRPr sz="1800" kern="1200">
+          <a:solidFill>
+            <a:schemeClr val="tx1"/>
+          </a:solidFill>
+          <a:latin typeface="+mn-lt"/>
+          <a:ea typeface="+mn-ea"/>
+          <a:cs typeface="+mn-cs"/>
+        </a:defRPr>
+      </a:lvl3pPr>
+      <a:lvl4pPr marL="1371600" algn="l" defTabSz="914400" rtl="0" eaLnBrk="1" latinLnBrk="0" hangingPunct="1">
+        <a:defRPr sz="1800" kern="1200">
+          <a:solidFill>
+            <a:schemeClr val="tx1"/>
+          </a:solidFill>
+          <a:latin typeface="+mn-lt"/>
+          <a:ea typeface="+mn-ea"/>
+          <a:cs typeface="+mn-cs"/>
+        </a:defRPr>
+      </a:lvl4pPr>
+      <a:lvl5pPr marL="1828800" algn="l" defTabSz="914400" rtl="0" eaLnBrk="1" latinLnBrk="0" hangingPunct="1">
+        <a:defRPr sz="1800" kern="1200">
+          <a:solidFill>
+            <a:schemeClr val="tx1"/>
+          </a:solidFill>
+          <a:latin typeface="+mn-lt"/>
+          <a:ea typeface="+mn-ea"/>
+          <a:cs typeface="+mn-cs"/>
+        </a:defRPr>
+      </a:lvl5pPr>
+      <a:lvl6pPr marL="2286000" algn="l" defTabSz="914400" rtl="0" eaLnBrk="1" latinLnBrk="0" hangingPunct="1">
+        <a:defRPr sz="1800" kern="1200">
+          <a:solidFill>
+            <a:schemeClr val="tx1"/>
+          </a:solidFill>
+          <a:latin typeface="+mn-lt"/>
+          <a:ea typeface="+mn-ea"/>
+          <a:cs typeface="+mn-cs"/>
+        </a:defRPr>
+      </a:lvl6pPr>
+      <a:lvl7pPr marL="2743200" algn="l" defTabSz="914400" rtl="0" eaLnBrk="1" latinLnBrk="0" hangingPunct="1">
+        <a:defRPr sz="1800" kern="1200">
+          <a:solidFill>
+            <a:schemeClr val="tx1"/>
+          </a:solidFill>
+          <a:latin typeface="+mn-lt"/>
+          <a:ea typeface="+mn-ea"/>
+          <a:cs typeface="+mn-cs"/>
+        </a:defRPr>
+      </a:lvl7pPr>
+      <a:lvl8pPr marL="3200400" algn="l" defTabSz="914400" rtl="0" eaLnBrk="1" latinLnBrk="0" hangingPunct="1">
+        <a:defRPr sz="1800" kern="1200">
+          <a:solidFill>
+            <a:schemeClr val="tx1"/>
+          </a:solidFill>
+          <a:latin typeface="+mn-lt"/>
+          <a:ea typeface="+mn-ea"/>
+          <a:cs typeface="+mn-cs"/>
+        </a:defRPr>
+      </a:lvl8pPr>
+      <a:lvl9pPr marL="3657600" algn="l" defTabSz="914400" rtl="0" eaLnBrk="1" latinLnBrk="0" hangingPunct="1">
+        <a:defRPr sz="1800" kern="1200">
+          <a:solidFill>
+            <a:schemeClr val="tx1"/>
+          </a:solidFill>
+          <a:latin typeface="+mn-lt"/>
+          <a:ea typeface="+mn-ea"/>
+          <a:cs typeface="+mn-cs"/>
+        </a:defRPr>
+      </a:lvl9pPr>
+    </p:otherStyle>
+  </p:txStyles>
 </p:sldMaster>
 </file>
 
 <file path=ppt/slides/slide1.xml><?xml version="1.0" encoding="utf-8"?>
-<p:sld xmlns:a="http://schemas.openxmlformats.org/drawingml/2006/main" xmlns:p="http://schemas.openxmlformats.org/presentationml/2006/main" xmlns:r="http://schemas.openxmlformats.org/officeDocument/2006/relationships" xmlns:p14="http://schemas.microsoft.com/office/powerpoint/2010/main" xmlns:p15="http://schemas.microsoft.com/office/powerpoint/2012/main" xmlns:mc="http://schemas.openxmlformats.org/markup-compatibility/2006">
+<p:sld xmlns:a="http://schemas.openxmlformats.org/drawingml/2006/main" xmlns:r="http://schemas.openxmlformats.org/officeDocument/2006/relationships" xmlns:p="http://schemas.openxmlformats.org/presentationml/2006/main">
   <p:cSld>
     <p:spTree>
       <p:nvGrpSpPr>
@@ -5435,6 +6189,7 @@
           <a:bodyPr anchor="b">
             <a:noAutofit/>
           </a:bodyPr>
+          <a:lstStyle/>
           <a:p>
             <a:pPr algn="r">
               <a:lnSpc>
@@ -5442,15 +6197,15 @@
               </a:lnSpc>
             </a:pPr>
             <a:r>
-              <a:rPr b="0" lang="en-US" sz="5400" spc="-1" strike="noStrike">
+              <a:rPr lang="en-US" sz="5400" b="0" strike="noStrike" spc="-1">
                 <a:solidFill>
-                  <a:srgbClr val="90c226"/>
+                  <a:srgbClr val="90C226"/>
                 </a:solidFill>
                 <a:latin typeface="Trebuchet MS"/>
               </a:rPr>
               <a:t>Fleet Project</a:t>
             </a:r>
-            <a:endParaRPr b="0" lang="en-US" sz="5400" spc="-1" strike="noStrike">
+            <a:endParaRPr lang="en-US" sz="5400" b="0" strike="noStrike" spc="-1">
               <a:solidFill>
                 <a:srgbClr val="000000"/>
               </a:solidFill>
@@ -5482,6 +6237,7 @@
           <a:bodyPr>
             <a:noAutofit/>
           </a:bodyPr>
+          <a:lstStyle/>
           <a:p>
             <a:pPr algn="r">
               <a:lnSpc>
@@ -5492,15 +6248,15 @@
               </a:spcBef>
             </a:pPr>
             <a:r>
-              <a:rPr b="0" lang="en-GB" sz="1800" spc="-1" strike="noStrike">
+              <a:rPr lang="en-GB" sz="1800" b="0" strike="noStrike" spc="-1" dirty="0">
                 <a:solidFill>
                   <a:srgbClr val="808080"/>
                 </a:solidFill>
                 <a:latin typeface="Trebuchet MS"/>
               </a:rPr>
-              <a:t>20/10/2021</a:t>
+              <a:t>28/10/2021</a:t>
             </a:r>
-            <a:endParaRPr b="0" lang="en-GB" sz="1800" spc="-1" strike="noStrike">
+            <a:endParaRPr lang="en-GB" sz="1800" b="0" strike="noStrike" spc="-1" dirty="0">
               <a:latin typeface="Arial"/>
             </a:endParaRPr>
           </a:p>
@@ -5508,19 +6264,14 @@
       </p:sp>
     </p:spTree>
   </p:cSld>
-  <mc:AlternateContent>
-    <mc:Choice Requires="p14">
-      <p:transition spd="slow" p14:dur="2000"/>
-    </mc:Choice>
-    <mc:Fallback>
-      <p:transition spd="slow"/>
-    </mc:Fallback>
-  </mc:AlternateContent>
+  <p:clrMapOvr>
+    <a:masterClrMapping/>
+  </p:clrMapOvr>
 </p:sld>
 </file>
 
 <file path=ppt/slides/slide2.xml><?xml version="1.0" encoding="utf-8"?>
-<p:sld xmlns:a="http://schemas.openxmlformats.org/drawingml/2006/main" xmlns:p="http://schemas.openxmlformats.org/presentationml/2006/main" xmlns:r="http://schemas.openxmlformats.org/officeDocument/2006/relationships" xmlns:p14="http://schemas.microsoft.com/office/powerpoint/2010/main" xmlns:p15="http://schemas.microsoft.com/office/powerpoint/2012/main" xmlns:mc="http://schemas.openxmlformats.org/markup-compatibility/2006">
+<p:sld xmlns:a="http://schemas.openxmlformats.org/drawingml/2006/main" xmlns:r="http://schemas.openxmlformats.org/officeDocument/2006/relationships" xmlns:p="http://schemas.openxmlformats.org/presentationml/2006/main">
   <p:cSld>
     <p:spTree>
       <p:nvGrpSpPr>
@@ -5559,6 +6310,7 @@
           <a:bodyPr>
             <a:noAutofit/>
           </a:bodyPr>
+          <a:lstStyle/>
           <a:p>
             <a:pPr>
               <a:lnSpc>
@@ -5566,15 +6318,15 @@
               </a:lnSpc>
             </a:pPr>
             <a:r>
-              <a:rPr b="0" lang="en-US" sz="3600" spc="-1" strike="noStrike">
+              <a:rPr lang="en-US" sz="3600" b="0" strike="noStrike" spc="-1">
                 <a:solidFill>
-                  <a:srgbClr val="90c226"/>
+                  <a:srgbClr val="90C226"/>
                 </a:solidFill>
                 <a:latin typeface="Trebuchet MS"/>
               </a:rPr>
               <a:t>Uitgevoerde taken van huidige periode</a:t>
             </a:r>
-            <a:endParaRPr b="0" lang="en-US" sz="3600" spc="-1" strike="noStrike">
+            <a:endParaRPr lang="en-US" sz="3600" b="0" strike="noStrike" spc="-1">
               <a:solidFill>
                 <a:srgbClr val="000000"/>
               </a:solidFill>
@@ -5606,20 +6358,21 @@
           <a:bodyPr>
             <a:noAutofit/>
           </a:bodyPr>
-          <a:p>
-            <a:pPr lvl="1" marL="743040" indent="-285480">
+          <a:lstStyle/>
+          <a:p>
+            <a:pPr marL="743040" lvl="1" indent="-285480">
               <a:spcBef>
                 <a:spcPts val="1134"/>
               </a:spcBef>
               <a:buClr>
-                <a:srgbClr val="90c226"/>
+                <a:srgbClr val="90C226"/>
               </a:buClr>
               <a:buSzPct val="80000"/>
               <a:buFont typeface="Wingdings 3" charset="2"/>
               <a:buChar char=""/>
             </a:pPr>
             <a:r>
-              <a:rPr b="0" lang="en-US" sz="1600" spc="-1" strike="noStrike">
+              <a:rPr lang="en-US" sz="1600" b="0" strike="noStrike" spc="-1">
                 <a:solidFill>
                   <a:srgbClr val="404040"/>
                 </a:solidFill>
@@ -5627,15 +6380,9 @@
               </a:rPr>
               <a:t>Vervolledigen van van de domain laag</a:t>
             </a:r>
-            <a:endParaRPr b="0" lang="en-US" sz="1600" spc="-1" strike="noStrike">
-              <a:solidFill>
-                <a:srgbClr val="404040"/>
-              </a:solidFill>
-              <a:latin typeface="Trebuchet MS"/>
-            </a:endParaRPr>
-          </a:p>
-          <a:p>
-            <a:pPr lvl="2" marL="1296000" indent="-288000">
+          </a:p>
+          <a:p>
+            <a:pPr marL="1296000" lvl="2" indent="-288000">
               <a:spcBef>
                 <a:spcPts val="850"/>
               </a:spcBef>
@@ -5647,7 +6394,7 @@
               <a:buChar char=""/>
             </a:pPr>
             <a:r>
-              <a:rPr b="0" lang="en-US" sz="1400" spc="-1" strike="noStrike">
+              <a:rPr lang="en-US" sz="1400" b="0" strike="noStrike" spc="-1">
                 <a:solidFill>
                   <a:srgbClr val="404040"/>
                 </a:solidFill>
@@ -5655,15 +6402,9 @@
               </a:rPr>
               <a:t>Schrijven van Equals methodes voor elke klasse in model</a:t>
             </a:r>
-            <a:endParaRPr b="0" lang="en-US" sz="1400" spc="-1" strike="noStrike">
-              <a:solidFill>
-                <a:srgbClr val="404040"/>
-              </a:solidFill>
-              <a:latin typeface="Trebuchet MS"/>
-            </a:endParaRPr>
-          </a:p>
-          <a:p>
-            <a:pPr lvl="2" marL="1296000" indent="-288000">
+          </a:p>
+          <a:p>
+            <a:pPr marL="1296000" lvl="2" indent="-288000">
               <a:spcBef>
                 <a:spcPts val="850"/>
               </a:spcBef>
@@ -5675,7 +6416,7 @@
               <a:buChar char=""/>
             </a:pPr>
             <a:r>
-              <a:rPr b="0" lang="en-US" sz="1400" spc="-1" strike="noStrike">
+              <a:rPr lang="en-US" sz="1400" b="0" strike="noStrike" spc="-1">
                 <a:solidFill>
                   <a:srgbClr val="404040"/>
                 </a:solidFill>
@@ -5683,15 +6424,9 @@
               </a:rPr>
               <a:t>Schrijven van summary bij de klassen die dit nog niet hadden (Managers)</a:t>
             </a:r>
-            <a:endParaRPr b="0" lang="en-US" sz="1400" spc="-1" strike="noStrike">
-              <a:solidFill>
-                <a:srgbClr val="404040"/>
-              </a:solidFill>
-              <a:latin typeface="Trebuchet MS"/>
-            </a:endParaRPr>
-          </a:p>
-          <a:p>
-            <a:pPr lvl="2" marL="1296000" indent="-288000">
+          </a:p>
+          <a:p>
+            <a:pPr marL="1296000" lvl="2" indent="-288000">
               <a:spcBef>
                 <a:spcPts val="850"/>
               </a:spcBef>
@@ -5703,7 +6438,7 @@
               <a:buChar char=""/>
             </a:pPr>
             <a:r>
-              <a:rPr b="0" lang="en-US" sz="1400" spc="-1" strike="noStrike">
+              <a:rPr lang="en-US" sz="1400" b="0" strike="noStrike" spc="-1">
                 <a:solidFill>
                   <a:srgbClr val="404040"/>
                 </a:solidFill>
@@ -5711,7 +6446,9 @@
               </a:rPr>
               <a:t>Schrijven van extra tests voor Equals, extra constructors en waar nog nodig</a:t>
             </a:r>
-            <a:endParaRPr b="0" lang="en-US" sz="1400" spc="-1" strike="noStrike">
+          </a:p>
+          <a:p>
+            <a:endParaRPr lang="en-US" sz="1400" b="0" strike="noStrike" spc="-1">
               <a:solidFill>
                 <a:srgbClr val="404040"/>
               </a:solidFill>
@@ -5719,27 +6456,19 @@
             </a:endParaRPr>
           </a:p>
           <a:p>
-            <a:endParaRPr b="0" lang="en-US" sz="1400" spc="-1" strike="noStrike">
-              <a:solidFill>
-                <a:srgbClr val="404040"/>
-              </a:solidFill>
-              <a:latin typeface="Trebuchet MS"/>
-            </a:endParaRPr>
-          </a:p>
-          <a:p>
-            <a:pPr lvl="1" marL="743040" indent="-285480">
+            <a:pPr marL="743040" lvl="1" indent="-285480">
               <a:spcBef>
                 <a:spcPts val="1134"/>
               </a:spcBef>
               <a:buClr>
-                <a:srgbClr val="90c226"/>
+                <a:srgbClr val="90C226"/>
               </a:buClr>
               <a:buSzPct val="80000"/>
               <a:buFont typeface="Wingdings 3" charset="2"/>
               <a:buChar char=""/>
             </a:pPr>
             <a:r>
-              <a:rPr b="0" lang="en-US" sz="1400" spc="-1" strike="noStrike">
+              <a:rPr lang="en-US" sz="1400" b="0" strike="noStrike" spc="-1">
                 <a:solidFill>
                   <a:srgbClr val="404040"/>
                 </a:solidFill>
@@ -5747,27 +6476,21 @@
               </a:rPr>
               <a:t>Vervolledigen UI ontwerp</a:t>
             </a:r>
-            <a:endParaRPr b="0" lang="en-US" sz="1400" spc="-1" strike="noStrike">
-              <a:solidFill>
-                <a:srgbClr val="404040"/>
-              </a:solidFill>
-              <a:latin typeface="Trebuchet MS"/>
-            </a:endParaRPr>
-          </a:p>
-          <a:p>
-            <a:pPr lvl="2" marL="1143000" indent="-228240">
+          </a:p>
+          <a:p>
+            <a:pPr marL="1143000" lvl="2" indent="-228240">
               <a:spcBef>
                 <a:spcPts val="850"/>
               </a:spcBef>
               <a:buClr>
-                <a:srgbClr val="90c226"/>
+                <a:srgbClr val="90C226"/>
               </a:buClr>
               <a:buSzPct val="80000"/>
               <a:buFont typeface="Wingdings 3" charset="2"/>
               <a:buChar char=""/>
             </a:pPr>
             <a:r>
-              <a:rPr b="0" lang="en-US" sz="1400" spc="-1" strike="noStrike">
+              <a:rPr lang="en-US" sz="1400" b="0" strike="noStrike" spc="-1">
                 <a:solidFill>
                   <a:srgbClr val="404040"/>
                 </a:solidFill>
@@ -5775,27 +6498,21 @@
               </a:rPr>
               <a:t>Aanpassen na feedback over hoofdscherm</a:t>
             </a:r>
-            <a:endParaRPr b="0" lang="en-US" sz="1400" spc="-1" strike="noStrike">
-              <a:solidFill>
-                <a:srgbClr val="404040"/>
-              </a:solidFill>
-              <a:latin typeface="Trebuchet MS"/>
-            </a:endParaRPr>
-          </a:p>
-          <a:p>
-            <a:pPr lvl="2" marL="1143000" indent="-228240">
+          </a:p>
+          <a:p>
+            <a:pPr marL="1143000" lvl="2" indent="-228240">
               <a:spcBef>
                 <a:spcPts val="850"/>
               </a:spcBef>
               <a:buClr>
-                <a:srgbClr val="90c226"/>
+                <a:srgbClr val="90C226"/>
               </a:buClr>
               <a:buSzPct val="80000"/>
               <a:buFont typeface="Wingdings 3" charset="2"/>
               <a:buChar char=""/>
             </a:pPr>
             <a:r>
-              <a:rPr b="0" lang="en-US" sz="1400" spc="-1" strike="noStrike">
+              <a:rPr lang="en-US" sz="1400" b="0" strike="noStrike" spc="-1">
                 <a:solidFill>
                   <a:srgbClr val="404040"/>
                 </a:solidFill>
@@ -5803,26 +6520,20 @@
               </a:rPr>
               <a:t>Maken ontwerp venster “Voertuig toevoegen”, “Bestuurder toevoegen”, “Tankkaart toevoegen”</a:t>
             </a:r>
-            <a:endParaRPr b="0" lang="en-US" sz="1400" spc="-1" strike="noStrike">
-              <a:solidFill>
-                <a:srgbClr val="404040"/>
-              </a:solidFill>
-              <a:latin typeface="Trebuchet MS"/>
-            </a:endParaRPr>
-          </a:p>
-          <a:p>
-            <a:pPr lvl="2" marL="1143000" indent="-228240">
+          </a:p>
+          <a:p>
+            <a:pPr marL="1143000" lvl="2" indent="-228240">
               <a:spcBef>
                 <a:spcPts val="850"/>
               </a:spcBef>
               <a:buClr>
-                <a:srgbClr val="90c226"/>
+                <a:srgbClr val="90C226"/>
               </a:buClr>
               <a:buSzPct val="80000"/>
               <a:buFont typeface="Wingdings 3" charset="2"/>
               <a:buChar char=""/>
             </a:pPr>
-            <a:endParaRPr b="0" lang="en-US" sz="1400" spc="-1" strike="noStrike">
+            <a:endParaRPr lang="en-US" sz="1400" b="0" strike="noStrike" spc="-1">
               <a:solidFill>
                 <a:srgbClr val="404040"/>
               </a:solidFill>
@@ -5830,19 +6541,19 @@
             </a:endParaRPr>
           </a:p>
           <a:p>
-            <a:pPr lvl="1" marL="743040" indent="-285480">
+            <a:pPr marL="743040" lvl="1" indent="-285480">
               <a:spcBef>
                 <a:spcPts val="1134"/>
               </a:spcBef>
               <a:buClr>
-                <a:srgbClr val="90c226"/>
+                <a:srgbClr val="90C226"/>
               </a:buClr>
               <a:buSzPct val="80000"/>
               <a:buFont typeface="Wingdings 3" charset="2"/>
               <a:buChar char=""/>
             </a:pPr>
             <a:r>
-              <a:rPr b="0" lang="en-US" sz="1400" spc="-1" strike="noStrike">
+              <a:rPr lang="en-US" sz="1400" b="0" strike="noStrike" spc="-1">
                 <a:solidFill>
                   <a:srgbClr val="404040"/>
                 </a:solidFill>
@@ -5850,27 +6561,21 @@
               </a:rPr>
               <a:t>Beginnen aan ADO datalaag</a:t>
             </a:r>
-            <a:endParaRPr b="0" lang="en-US" sz="1400" spc="-1" strike="noStrike">
-              <a:solidFill>
-                <a:srgbClr val="404040"/>
-              </a:solidFill>
-              <a:latin typeface="Trebuchet MS"/>
-            </a:endParaRPr>
-          </a:p>
-          <a:p>
-            <a:pPr lvl="2" marL="1143000" indent="-228240">
+          </a:p>
+          <a:p>
+            <a:pPr marL="1143000" lvl="2" indent="-228240">
               <a:spcBef>
                 <a:spcPts val="850"/>
               </a:spcBef>
               <a:buClr>
-                <a:srgbClr val="90c226"/>
+                <a:srgbClr val="90C226"/>
               </a:buClr>
               <a:buSzPct val="80000"/>
               <a:buFont typeface="Wingdings 3" charset="2"/>
               <a:buChar char=""/>
             </a:pPr>
             <a:r>
-              <a:rPr b="0" lang="en-US" sz="1400" spc="-1" strike="noStrike">
+              <a:rPr lang="en-US" sz="1400" b="0" strike="noStrike" spc="-1">
                 <a:solidFill>
                   <a:srgbClr val="404040"/>
                 </a:solidFill>
@@ -5878,30 +6583,19 @@
               </a:rPr>
               <a:t>Implementatie RijbewijsTypeRepo, WagenTypeRepo, BrandstofTypeRepo</a:t>
             </a:r>
-            <a:endParaRPr b="0" lang="en-US" sz="1400" spc="-1" strike="noStrike">
-              <a:solidFill>
-                <a:srgbClr val="404040"/>
-              </a:solidFill>
-              <a:latin typeface="Trebuchet MS"/>
-            </a:endParaRPr>
           </a:p>
         </p:txBody>
       </p:sp>
     </p:spTree>
   </p:cSld>
-  <mc:AlternateContent>
-    <mc:Choice Requires="p14">
-      <p:transition spd="slow" p14:dur="2000"/>
-    </mc:Choice>
-    <mc:Fallback>
-      <p:transition spd="slow"/>
-    </mc:Fallback>
-  </mc:AlternateContent>
+  <p:clrMapOvr>
+    <a:masterClrMapping/>
+  </p:clrMapOvr>
 </p:sld>
 </file>
 
 <file path=ppt/slides/slide3.xml><?xml version="1.0" encoding="utf-8"?>
-<p:sld xmlns:a="http://schemas.openxmlformats.org/drawingml/2006/main" xmlns:p="http://schemas.openxmlformats.org/presentationml/2006/main" xmlns:r="http://schemas.openxmlformats.org/officeDocument/2006/relationships" xmlns:p14="http://schemas.microsoft.com/office/powerpoint/2010/main" xmlns:p15="http://schemas.microsoft.com/office/powerpoint/2012/main" xmlns:mc="http://schemas.openxmlformats.org/markup-compatibility/2006">
+<p:sld xmlns:a="http://schemas.openxmlformats.org/drawingml/2006/main" xmlns:r="http://schemas.openxmlformats.org/officeDocument/2006/relationships" xmlns:p="http://schemas.openxmlformats.org/presentationml/2006/main">
   <p:cSld>
     <p:spTree>
       <p:nvGrpSpPr>
@@ -5940,6 +6634,7 @@
           <a:bodyPr>
             <a:noAutofit/>
           </a:bodyPr>
+          <a:lstStyle/>
           <a:p>
             <a:pPr>
               <a:lnSpc>
@@ -5947,15 +6642,15 @@
               </a:lnSpc>
             </a:pPr>
             <a:r>
-              <a:rPr b="0" lang="en-US" sz="3600" spc="-1" strike="noStrike">
+              <a:rPr lang="en-US" sz="3600" b="0" strike="noStrike" spc="-1">
                 <a:solidFill>
-                  <a:srgbClr val="90c226"/>
+                  <a:srgbClr val="90C226"/>
                 </a:solidFill>
                 <a:latin typeface="Trebuchet MS"/>
               </a:rPr>
               <a:t>Taken voor komende periode</a:t>
             </a:r>
-            <a:endParaRPr b="0" lang="en-US" sz="3600" spc="-1" strike="noStrike">
+            <a:endParaRPr lang="en-US" sz="3600" b="0" strike="noStrike" spc="-1">
               <a:solidFill>
                 <a:srgbClr val="000000"/>
               </a:solidFill>
@@ -5987,8 +6682,9 @@
           <a:bodyPr>
             <a:noAutofit/>
           </a:bodyPr>
-          <a:p>
-            <a:pPr lvl="1" marL="743040" indent="-285480">
+          <a:lstStyle/>
+          <a:p>
+            <a:pPr marL="743040" lvl="1" indent="-285480">
               <a:lnSpc>
                 <a:spcPct val="100000"/>
               </a:lnSpc>
@@ -5996,14 +6692,14 @@
                 <a:spcPts val="1001"/>
               </a:spcBef>
               <a:buClr>
-                <a:srgbClr val="90c226"/>
+                <a:srgbClr val="90C226"/>
               </a:buClr>
               <a:buSzPct val="80000"/>
               <a:buFont typeface="Wingdings 3" charset="2"/>
               <a:buChar char=""/>
             </a:pPr>
             <a:r>
-              <a:rPr b="0" lang="en-US" sz="1600" spc="-1" strike="noStrike">
+              <a:rPr lang="en-US" sz="1600" b="0" strike="noStrike" spc="-1">
                 <a:solidFill>
                   <a:srgbClr val="404040"/>
                 </a:solidFill>
@@ -6011,15 +6707,9 @@
               </a:rPr>
               <a:t>Vervolledigen van van de data access laag</a:t>
             </a:r>
-            <a:endParaRPr b="0" lang="en-US" sz="1600" spc="-1" strike="noStrike">
-              <a:solidFill>
-                <a:srgbClr val="404040"/>
-              </a:solidFill>
-              <a:latin typeface="Trebuchet MS"/>
-            </a:endParaRPr>
-          </a:p>
-          <a:p>
-            <a:pPr lvl="2" marL="1143000" indent="-228240">
+          </a:p>
+          <a:p>
+            <a:pPr marL="1143000" lvl="2" indent="-228240">
               <a:lnSpc>
                 <a:spcPct val="100000"/>
               </a:lnSpc>
@@ -6027,14 +6717,14 @@
                 <a:spcPts val="1001"/>
               </a:spcBef>
               <a:buClr>
-                <a:srgbClr val="90c226"/>
+                <a:srgbClr val="90C226"/>
               </a:buClr>
               <a:buSzPct val="80000"/>
               <a:buFont typeface="Wingdings 3" charset="2"/>
               <a:buChar char=""/>
             </a:pPr>
             <a:r>
-              <a:rPr b="0" lang="en-US" sz="1400" spc="-1" strike="noStrike">
+              <a:rPr lang="en-US" sz="1400" b="0" strike="noStrike" spc="-1">
                 <a:solidFill>
                   <a:srgbClr val="404040"/>
                 </a:solidFill>
@@ -6042,15 +6732,9 @@
               </a:rPr>
               <a:t>BrandstofTypeRepo vervolledigen</a:t>
             </a:r>
-            <a:endParaRPr b="0" lang="en-US" sz="1400" spc="-1" strike="noStrike">
-              <a:solidFill>
-                <a:srgbClr val="404040"/>
-              </a:solidFill>
-              <a:latin typeface="Trebuchet MS"/>
-            </a:endParaRPr>
-          </a:p>
-          <a:p>
-            <a:pPr lvl="2" marL="1143000" indent="-228240">
+          </a:p>
+          <a:p>
+            <a:pPr marL="1143000" lvl="2" indent="-228240">
               <a:lnSpc>
                 <a:spcPct val="100000"/>
               </a:lnSpc>
@@ -6058,14 +6742,14 @@
                 <a:spcPts val="1001"/>
               </a:spcBef>
               <a:buClr>
-                <a:srgbClr val="90c226"/>
+                <a:srgbClr val="90C226"/>
               </a:buClr>
               <a:buSzPct val="80000"/>
               <a:buFont typeface="Wingdings 3" charset="2"/>
               <a:buChar char=""/>
             </a:pPr>
             <a:r>
-              <a:rPr b="0" lang="en-US" sz="1400" spc="-1" strike="noStrike">
+              <a:rPr lang="en-US" sz="1400" b="0" strike="noStrike" spc="-1">
                 <a:solidFill>
                   <a:srgbClr val="404040"/>
                 </a:solidFill>
@@ -6073,15 +6757,9 @@
               </a:rPr>
               <a:t>RijbewijsTypeRepo vervolledigen</a:t>
             </a:r>
-            <a:endParaRPr b="0" lang="en-US" sz="1400" spc="-1" strike="noStrike">
-              <a:solidFill>
-                <a:srgbClr val="404040"/>
-              </a:solidFill>
-              <a:latin typeface="Trebuchet MS"/>
-            </a:endParaRPr>
-          </a:p>
-          <a:p>
-            <a:pPr lvl="2" marL="1143000" indent="-228240">
+          </a:p>
+          <a:p>
+            <a:pPr marL="1143000" lvl="2" indent="-228240">
               <a:lnSpc>
                 <a:spcPct val="100000"/>
               </a:lnSpc>
@@ -6089,14 +6767,14 @@
                 <a:spcPts val="1001"/>
               </a:spcBef>
               <a:buClr>
-                <a:srgbClr val="90c226"/>
+                <a:srgbClr val="90C226"/>
               </a:buClr>
               <a:buSzPct val="80000"/>
               <a:buFont typeface="Wingdings 3" charset="2"/>
               <a:buChar char=""/>
             </a:pPr>
             <a:r>
-              <a:rPr b="0" lang="en-US" sz="1400" spc="-1" strike="noStrike">
+              <a:rPr lang="en-US" sz="1400" b="0" strike="noStrike" spc="-1">
                 <a:solidFill>
                   <a:srgbClr val="404040"/>
                 </a:solidFill>
@@ -6104,15 +6782,9 @@
               </a:rPr>
               <a:t>WagenTypeRepo vervolledigen</a:t>
             </a:r>
-            <a:endParaRPr b="0" lang="en-US" sz="1400" spc="-1" strike="noStrike">
-              <a:solidFill>
-                <a:srgbClr val="404040"/>
-              </a:solidFill>
-              <a:latin typeface="Trebuchet MS"/>
-            </a:endParaRPr>
-          </a:p>
-          <a:p>
-            <a:pPr lvl="1" marL="743040" indent="-285480">
+          </a:p>
+          <a:p>
+            <a:pPr marL="743040" lvl="1" indent="-285480">
               <a:lnSpc>
                 <a:spcPct val="100000"/>
               </a:lnSpc>
@@ -6120,14 +6792,14 @@
                 <a:spcPts val="1001"/>
               </a:spcBef>
               <a:buClr>
-                <a:srgbClr val="90c226"/>
+                <a:srgbClr val="90C226"/>
               </a:buClr>
               <a:buSzPct val="80000"/>
               <a:buFont typeface="Wingdings 3" charset="2"/>
               <a:buChar char=""/>
             </a:pPr>
             <a:r>
-              <a:rPr b="0" lang="en-US" sz="1600" spc="-1" strike="noStrike">
+              <a:rPr lang="en-US" sz="1600" b="0" strike="noStrike" spc="-1">
                 <a:solidFill>
                   <a:srgbClr val="404040"/>
                 </a:solidFill>
@@ -6135,15 +6807,9 @@
               </a:rPr>
               <a:t>Databank</a:t>
             </a:r>
-            <a:endParaRPr b="0" lang="en-US" sz="1600" spc="-1" strike="noStrike">
-              <a:solidFill>
-                <a:srgbClr val="404040"/>
-              </a:solidFill>
-              <a:latin typeface="Trebuchet MS"/>
-            </a:endParaRPr>
-          </a:p>
-          <a:p>
-            <a:pPr lvl="2" marL="1143000" indent="-228240">
+          </a:p>
+          <a:p>
+            <a:pPr marL="1143000" lvl="2" indent="-228240">
               <a:lnSpc>
                 <a:spcPct val="100000"/>
               </a:lnSpc>
@@ -6151,14 +6817,14 @@
                 <a:spcPts val="1001"/>
               </a:spcBef>
               <a:buClr>
-                <a:srgbClr val="90c226"/>
+                <a:srgbClr val="90C226"/>
               </a:buClr>
               <a:buSzPct val="80000"/>
               <a:buFont typeface="Wingdings 3" charset="2"/>
               <a:buChar char=""/>
             </a:pPr>
             <a:r>
-              <a:rPr b="0" lang="en-US" sz="1400" spc="-1" strike="noStrike">
+              <a:rPr lang="en-US" sz="1400" b="0" strike="noStrike" spc="-1">
                 <a:solidFill>
                   <a:srgbClr val="404040"/>
                 </a:solidFill>
@@ -6166,15 +6832,9 @@
               </a:rPr>
               <a:t>Eerste ontwerp databank maken</a:t>
             </a:r>
-            <a:endParaRPr b="0" lang="en-US" sz="1400" spc="-1" strike="noStrike">
-              <a:solidFill>
-                <a:srgbClr val="404040"/>
-              </a:solidFill>
-              <a:latin typeface="Trebuchet MS"/>
-            </a:endParaRPr>
-          </a:p>
-          <a:p>
-            <a:pPr lvl="2" marL="1143000" indent="-228240">
+          </a:p>
+          <a:p>
+            <a:pPr marL="1143000" lvl="2" indent="-228240">
               <a:lnSpc>
                 <a:spcPct val="100000"/>
               </a:lnSpc>
@@ -6182,13 +6842,13 @@
                 <a:spcPts val="1001"/>
               </a:spcBef>
               <a:buClr>
-                <a:srgbClr val="90c226"/>
+                <a:srgbClr val="90C226"/>
               </a:buClr>
               <a:buSzPct val="80000"/>
               <a:buFont typeface="Wingdings 3" charset="2"/>
               <a:buChar char=""/>
             </a:pPr>
-            <a:endParaRPr b="0" lang="en-US" sz="1400" spc="-1" strike="noStrike">
+            <a:endParaRPr lang="en-US" sz="1400" b="0" strike="noStrike" spc="-1">
               <a:solidFill>
                 <a:srgbClr val="404040"/>
               </a:solidFill>
@@ -6196,19 +6856,19 @@
             </a:endParaRPr>
           </a:p>
           <a:p>
-            <a:pPr lvl="1" marL="743040" indent="-285480">
+            <a:pPr marL="743040" lvl="1" indent="-285480">
               <a:spcBef>
                 <a:spcPts val="1134"/>
               </a:spcBef>
               <a:buClr>
-                <a:srgbClr val="90c226"/>
+                <a:srgbClr val="90C226"/>
               </a:buClr>
               <a:buSzPct val="80000"/>
               <a:buFont typeface="Wingdings 3" charset="2"/>
               <a:buChar char=""/>
             </a:pPr>
             <a:r>
-              <a:rPr b="0" lang="en-US" sz="1400" spc="-1" strike="noStrike">
+              <a:rPr lang="en-US" sz="1400" b="0" strike="noStrike" spc="-1">
                 <a:solidFill>
                   <a:srgbClr val="404040"/>
                 </a:solidFill>
@@ -6216,27 +6876,21 @@
               </a:rPr>
               <a:t>Maken van Interfaces aangepast aan UI</a:t>
             </a:r>
-            <a:endParaRPr b="0" lang="en-US" sz="1400" spc="-1" strike="noStrike">
-              <a:solidFill>
-                <a:srgbClr val="404040"/>
-              </a:solidFill>
-              <a:latin typeface="Trebuchet MS"/>
-            </a:endParaRPr>
-          </a:p>
-          <a:p>
-            <a:pPr lvl="2" marL="1143000" indent="-228240">
+          </a:p>
+          <a:p>
+            <a:pPr marL="1143000" lvl="2" indent="-228240">
               <a:spcBef>
                 <a:spcPts val="850"/>
               </a:spcBef>
               <a:buClr>
-                <a:srgbClr val="90c226"/>
+                <a:srgbClr val="90C226"/>
               </a:buClr>
               <a:buSzPct val="80000"/>
               <a:buFont typeface="Wingdings 3" charset="2"/>
               <a:buChar char=""/>
             </a:pPr>
             <a:r>
-              <a:rPr b="0" lang="en-US" sz="1400" spc="-1" strike="noStrike">
+              <a:rPr lang="en-US" sz="1400" b="0" strike="noStrike" spc="-1">
                 <a:solidFill>
                   <a:srgbClr val="404040"/>
                 </a:solidFill>
@@ -6244,27 +6898,21 @@
               </a:rPr>
               <a:t>Implementeren IBestuurderRepo</a:t>
             </a:r>
-            <a:endParaRPr b="0" lang="en-US" sz="1400" spc="-1" strike="noStrike">
-              <a:solidFill>
-                <a:srgbClr val="404040"/>
-              </a:solidFill>
-              <a:latin typeface="Trebuchet MS"/>
-            </a:endParaRPr>
-          </a:p>
-          <a:p>
-            <a:pPr lvl="2" marL="1143000" indent="-228240">
+          </a:p>
+          <a:p>
+            <a:pPr marL="1143000" lvl="2" indent="-228240">
               <a:spcBef>
                 <a:spcPts val="850"/>
               </a:spcBef>
               <a:buClr>
-                <a:srgbClr val="90c226"/>
+                <a:srgbClr val="90C226"/>
               </a:buClr>
               <a:buSzPct val="80000"/>
               <a:buFont typeface="Wingdings 3" charset="2"/>
               <a:buChar char=""/>
             </a:pPr>
             <a:r>
-              <a:rPr b="0" lang="en-US" sz="1400" spc="-1" strike="noStrike">
+              <a:rPr lang="en-US" sz="1400" b="0" strike="noStrike" spc="-1">
                 <a:solidFill>
                   <a:srgbClr val="404040"/>
                 </a:solidFill>
@@ -6272,27 +6920,21 @@
               </a:rPr>
               <a:t>Implementeren ITankkaartRepo</a:t>
             </a:r>
-            <a:endParaRPr b="0" lang="en-US" sz="1400" spc="-1" strike="noStrike">
-              <a:solidFill>
-                <a:srgbClr val="404040"/>
-              </a:solidFill>
-              <a:latin typeface="Trebuchet MS"/>
-            </a:endParaRPr>
-          </a:p>
-          <a:p>
-            <a:pPr lvl="2" marL="1143000" indent="-228240">
+          </a:p>
+          <a:p>
+            <a:pPr marL="1143000" lvl="2" indent="-228240">
               <a:spcBef>
                 <a:spcPts val="850"/>
               </a:spcBef>
               <a:buClr>
-                <a:srgbClr val="90c226"/>
+                <a:srgbClr val="90C226"/>
               </a:buClr>
               <a:buSzPct val="80000"/>
               <a:buFont typeface="Wingdings 3" charset="2"/>
               <a:buChar char=""/>
             </a:pPr>
             <a:r>
-              <a:rPr b="0" lang="en-US" sz="1400" spc="-1" strike="noStrike">
+              <a:rPr lang="en-US" sz="1400" b="0" strike="noStrike" spc="-1">
                 <a:solidFill>
                   <a:srgbClr val="404040"/>
                 </a:solidFill>
@@ -6300,12 +6942,6 @@
               </a:rPr>
               <a:t>Implementeren IVoertuigRepo </a:t>
             </a:r>
-            <a:endParaRPr b="0" lang="en-US" sz="1400" spc="-1" strike="noStrike">
-              <a:solidFill>
-                <a:srgbClr val="404040"/>
-              </a:solidFill>
-              <a:latin typeface="Trebuchet MS"/>
-            </a:endParaRPr>
           </a:p>
           <a:p>
             <a:pPr marL="914400">
@@ -6316,7 +6952,7 @@
                 <a:spcPts val="1001"/>
               </a:spcBef>
             </a:pPr>
-            <a:endParaRPr b="0" lang="en-US" sz="1400" spc="-1" strike="noStrike">
+            <a:endParaRPr lang="en-US" sz="1400" b="0" strike="noStrike" spc="-1">
               <a:solidFill>
                 <a:srgbClr val="404040"/>
               </a:solidFill>
@@ -6332,7 +6968,7 @@
                 <a:spcPts val="1001"/>
               </a:spcBef>
             </a:pPr>
-            <a:endParaRPr b="0" lang="en-US" sz="1400" spc="-1" strike="noStrike">
+            <a:endParaRPr lang="en-US" sz="1400" b="0" strike="noStrike" spc="-1">
               <a:solidFill>
                 <a:srgbClr val="404040"/>
               </a:solidFill>
@@ -6348,7 +6984,7 @@
                 <a:spcPts val="1001"/>
               </a:spcBef>
             </a:pPr>
-            <a:endParaRPr b="0" lang="en-US" sz="1400" spc="-1" strike="noStrike">
+            <a:endParaRPr lang="en-US" sz="1400" b="0" strike="noStrike" spc="-1">
               <a:solidFill>
                 <a:srgbClr val="404040"/>
               </a:solidFill>
@@ -6359,14 +6995,9 @@
       </p:sp>
     </p:spTree>
   </p:cSld>
-  <mc:AlternateContent>
-    <mc:Choice Requires="p14">
-      <p:transition spd="slow" p14:dur="2000"/>
-    </mc:Choice>
-    <mc:Fallback>
-      <p:transition spd="slow"/>
-    </mc:Fallback>
-  </mc:AlternateContent>
+  <p:clrMapOvr>
+    <a:masterClrMapping/>
+  </p:clrMapOvr>
 </p:sld>
 </file>
 
@@ -6381,34 +7012,34 @@
         <a:sysClr val="window" lastClr="FFFFFF"/>
       </a:lt1>
       <a:dk2>
-        <a:srgbClr val="2c3c43"/>
+        <a:srgbClr val="2C3C43"/>
       </a:dk2>
       <a:lt2>
-        <a:srgbClr val="ebebeb"/>
+        <a:srgbClr val="EBEBEB"/>
       </a:lt2>
       <a:accent1>
-        <a:srgbClr val="90c226"/>
+        <a:srgbClr val="90C226"/>
       </a:accent1>
       <a:accent2>
-        <a:srgbClr val="54a021"/>
+        <a:srgbClr val="54A021"/>
       </a:accent2>
       <a:accent3>
-        <a:srgbClr val="e6b91e"/>
+        <a:srgbClr val="E6B91E"/>
       </a:accent3>
       <a:accent4>
-        <a:srgbClr val="e76618"/>
+        <a:srgbClr val="E76618"/>
       </a:accent4>
       <a:accent5>
-        <a:srgbClr val="c42f1a"/>
+        <a:srgbClr val="C42F1A"/>
       </a:accent5>
       <a:accent6>
         <a:srgbClr val="918655"/>
       </a:accent6>
       <a:hlink>
-        <a:srgbClr val="99ca3c"/>
+        <a:srgbClr val="99CA3C"/>
       </a:hlink>
       <a:folHlink>
-        <a:srgbClr val="b9d181"/>
+        <a:srgbClr val="B9D181"/>
       </a:folHlink>
     </a:clrScheme>
     <a:fontScheme name="Office">
@@ -6590,6 +7221,8 @@
       </a:bgFillStyleLst>
     </a:fmtScheme>
   </a:themeElements>
+  <a:objectDefaults/>
+  <a:extraClrSchemeLst/>
 </a:theme>
 </file>
 
@@ -6604,34 +7237,34 @@
         <a:sysClr val="window" lastClr="FFFFFF"/>
       </a:lt1>
       <a:dk2>
-        <a:srgbClr val="2c3c43"/>
+        <a:srgbClr val="2C3C43"/>
       </a:dk2>
       <a:lt2>
-        <a:srgbClr val="ebebeb"/>
+        <a:srgbClr val="EBEBEB"/>
       </a:lt2>
       <a:accent1>
-        <a:srgbClr val="90c226"/>
+        <a:srgbClr val="90C226"/>
       </a:accent1>
       <a:accent2>
-        <a:srgbClr val="54a021"/>
+        <a:srgbClr val="54A021"/>
       </a:accent2>
       <a:accent3>
-        <a:srgbClr val="e6b91e"/>
+        <a:srgbClr val="E6B91E"/>
       </a:accent3>
       <a:accent4>
-        <a:srgbClr val="e76618"/>
+        <a:srgbClr val="E76618"/>
       </a:accent4>
       <a:accent5>
-        <a:srgbClr val="c42f1a"/>
+        <a:srgbClr val="C42F1A"/>
       </a:accent5>
       <a:accent6>
         <a:srgbClr val="918655"/>
       </a:accent6>
       <a:hlink>
-        <a:srgbClr val="99ca3c"/>
+        <a:srgbClr val="99CA3C"/>
       </a:hlink>
       <a:folHlink>
-        <a:srgbClr val="b9d181"/>
+        <a:srgbClr val="B9D181"/>
       </a:folHlink>
     </a:clrScheme>
     <a:fontScheme name="Office">
@@ -6813,249 +7446,7 @@
       </a:bgFillStyleLst>
     </a:fmtScheme>
   </a:themeElements>
+  <a:objectDefaults/>
+  <a:extraClrSchemeLst/>
 </a:theme>
-</file>
-
-<file path=customXml/item1.xml><?xml version="1.0" encoding="utf-8"?>
-<p:properties xmlns:p="http://schemas.microsoft.com/office/2006/metadata/properties" xmlns:xsi="http://www.w3.org/2001/XMLSchema-instance" xmlns:pc="http://schemas.microsoft.com/office/infopath/2007/PartnerControls">
-  <documentManagement/>
-</p:properties>
-</file>
-
-<file path=customXml/item2.xml><?xml version="1.0" encoding="utf-8"?>
-<ct:contentTypeSchema xmlns:ct="http://schemas.microsoft.com/office/2006/metadata/contentType" xmlns:ma="http://schemas.microsoft.com/office/2006/metadata/properties/metaAttributes" ct:_="" ma:_="" ma:contentTypeName="Document" ma:contentTypeID="0x010100CB08C001EF7278459E78368D3B073199" ma:contentTypeVersion="7" ma:contentTypeDescription="Een nieuw document maken." ma:contentTypeScope="" ma:versionID="a84fa631d6adf35e4e1cc36dd13ed482">
-  <xsd:schema xmlns:xsd="http://www.w3.org/2001/XMLSchema" xmlns:xs="http://www.w3.org/2001/XMLSchema" xmlns:p="http://schemas.microsoft.com/office/2006/metadata/properties" xmlns:ns3="9d5f90fa-47bf-4acc-8be7-77070f9ff93b" xmlns:ns4="32512b60-250a-488e-aecd-200a346df8b5" targetNamespace="http://schemas.microsoft.com/office/2006/metadata/properties" ma:root="true" ma:fieldsID="b249e4fa3eee537ffbf6c877d0abdd80" ns3:_="" ns4:_="">
-    <xsd:import namespace="9d5f90fa-47bf-4acc-8be7-77070f9ff93b"/>
-    <xsd:import namespace="32512b60-250a-488e-aecd-200a346df8b5"/>
-    <xsd:element name="properties">
-      <xsd:complexType>
-        <xsd:sequence>
-          <xsd:element name="documentManagement">
-            <xsd:complexType>
-              <xsd:all>
-                <xsd:element ref="ns3:MediaServiceMetadata" minOccurs="0"/>
-                <xsd:element ref="ns3:MediaServiceFastMetadata" minOccurs="0"/>
-                <xsd:element ref="ns4:SharedWithUsers" minOccurs="0"/>
-                <xsd:element ref="ns4:SharedWithDetails" minOccurs="0"/>
-                <xsd:element ref="ns4:SharingHintHash" minOccurs="0"/>
-                <xsd:element ref="ns3:MediaServiceAutoKeyPoints" minOccurs="0"/>
-                <xsd:element ref="ns3:MediaServiceKeyPoints" minOccurs="0"/>
-              </xsd:all>
-            </xsd:complexType>
-          </xsd:element>
-        </xsd:sequence>
-      </xsd:complexType>
-    </xsd:element>
-  </xsd:schema>
-  <xsd:schema xmlns:xsd="http://www.w3.org/2001/XMLSchema" xmlns:xs="http://www.w3.org/2001/XMLSchema" xmlns:dms="http://schemas.microsoft.com/office/2006/documentManagement/types" xmlns:pc="http://schemas.microsoft.com/office/infopath/2007/PartnerControls" targetNamespace="9d5f90fa-47bf-4acc-8be7-77070f9ff93b" elementFormDefault="qualified">
-    <xsd:import namespace="http://schemas.microsoft.com/office/2006/documentManagement/types"/>
-    <xsd:import namespace="http://schemas.microsoft.com/office/infopath/2007/PartnerControls"/>
-    <xsd:element name="MediaServiceMetadata" ma:index="8" nillable="true" ma:displayName="MediaServiceMetadata" ma:hidden="true" ma:internalName="MediaServiceMetadata" ma:readOnly="true">
-      <xsd:simpleType>
-        <xsd:restriction base="dms:Note"/>
-      </xsd:simpleType>
-    </xsd:element>
-    <xsd:element name="MediaServiceFastMetadata" ma:index="9" nillable="true" ma:displayName="MediaServiceFastMetadata" ma:hidden="true" ma:internalName="MediaServiceFastMetadata" ma:readOnly="true">
-      <xsd:simpleType>
-        <xsd:restriction base="dms:Note"/>
-      </xsd:simpleType>
-    </xsd:element>
-    <xsd:element name="MediaServiceAutoKeyPoints" ma:index="13" nillable="true" ma:displayName="MediaServiceAutoKeyPoints" ma:hidden="true" ma:internalName="MediaServiceAutoKeyPoints" ma:readOnly="true">
-      <xsd:simpleType>
-        <xsd:restriction base="dms:Note"/>
-      </xsd:simpleType>
-    </xsd:element>
-    <xsd:element name="MediaServiceKeyPoints" ma:index="14" nillable="true" ma:displayName="KeyPoints" ma:internalName="MediaServiceKeyPoints" ma:readOnly="true">
-      <xsd:simpleType>
-        <xsd:restriction base="dms:Note">
-          <xsd:maxLength value="255"/>
-        </xsd:restriction>
-      </xsd:simpleType>
-    </xsd:element>
-  </xsd:schema>
-  <xsd:schema xmlns:xsd="http://www.w3.org/2001/XMLSchema" xmlns:xs="http://www.w3.org/2001/XMLSchema" xmlns:dms="http://schemas.microsoft.com/office/2006/documentManagement/types" xmlns:pc="http://schemas.microsoft.com/office/infopath/2007/PartnerControls" targetNamespace="32512b60-250a-488e-aecd-200a346df8b5" elementFormDefault="qualified">
-    <xsd:import namespace="http://schemas.microsoft.com/office/2006/documentManagement/types"/>
-    <xsd:import namespace="http://schemas.microsoft.com/office/infopath/2007/PartnerControls"/>
-    <xsd:element name="SharedWithUsers" ma:index="10" nillable="true" ma:displayName="Gedeeld met" ma:internalName="SharedWithUsers" ma:readOnly="true">
-      <xsd:complexType>
-        <xsd:complexContent>
-          <xsd:extension base="dms:UserMulti">
-            <xsd:sequence>
-              <xsd:element name="UserInfo" minOccurs="0" maxOccurs="unbounded">
-                <xsd:complexType>
-                  <xsd:sequence>
-                    <xsd:element name="DisplayName" type="xsd:string" minOccurs="0"/>
-                    <xsd:element name="AccountId" type="dms:UserId" minOccurs="0" nillable="true"/>
-                    <xsd:element name="AccountType" type="xsd:string" minOccurs="0"/>
-                  </xsd:sequence>
-                </xsd:complexType>
-              </xsd:element>
-            </xsd:sequence>
-          </xsd:extension>
-        </xsd:complexContent>
-      </xsd:complexType>
-    </xsd:element>
-    <xsd:element name="SharedWithDetails" ma:index="11" nillable="true" ma:displayName="Gedeeld met details" ma:internalName="SharedWithDetails" ma:readOnly="true">
-      <xsd:simpleType>
-        <xsd:restriction base="dms:Note">
-          <xsd:maxLength value="255"/>
-        </xsd:restriction>
-      </xsd:simpleType>
-    </xsd:element>
-    <xsd:element name="SharingHintHash" ma:index="12" nillable="true" ma:displayName="Hint-hash delen" ma:hidden="true" ma:internalName="SharingHintHash" ma:readOnly="true">
-      <xsd:simpleType>
-        <xsd:restriction base="dms:Text"/>
-      </xsd:simpleType>
-    </xsd:element>
-  </xsd:schema>
-  <xsd:schema xmlns="http://schemas.openxmlformats.org/package/2006/metadata/core-properties" xmlns:xsd="http://www.w3.org/2001/XMLSchema" xmlns:xsi="http://www.w3.org/2001/XMLSchema-instance" xmlns:dc="http://purl.org/dc/elements/1.1/" xmlns:dcterms="http://purl.org/dc/terms/" xmlns:odoc="http://schemas.microsoft.com/internal/obd" targetNamespace="http://schemas.openxmlformats.org/package/2006/metadata/core-properties" elementFormDefault="qualified" attributeFormDefault="unqualified" blockDefault="#all">
-    <xsd:import namespace="http://purl.org/dc/elements/1.1/" schemaLocation="http://dublincore.org/schemas/xmls/qdc/2003/04/02/dc.xsd"/>
-    <xsd:import namespace="http://purl.org/dc/terms/" schemaLocation="http://dublincore.org/schemas/xmls/qdc/2003/04/02/dcterms.xsd"/>
-    <xsd:element name="coreProperties" type="CT_coreProperties"/>
-    <xsd:complexType name="CT_coreProperties">
-      <xsd:all>
-        <xsd:element ref="dc:creator" minOccurs="0" maxOccurs="1"/>
-        <xsd:element ref="dcterms:created" minOccurs="0" maxOccurs="1"/>
-        <xsd:element ref="dc:identifier" minOccurs="0" maxOccurs="1"/>
-        <xsd:element name="contentType" minOccurs="0" maxOccurs="1" type="xsd:string" ma:index="0" ma:displayName="Inhoudstype"/>
-        <xsd:element ref="dc:title" minOccurs="0" maxOccurs="1" ma:index="4" ma:displayName="Titel"/>
-        <xsd:element ref="dc:subject" minOccurs="0" maxOccurs="1"/>
-        <xsd:element ref="dc:description" minOccurs="0" maxOccurs="1"/>
-        <xsd:element name="keywords" minOccurs="0" maxOccurs="1" type="xsd:string"/>
-        <xsd:element ref="dc:language" minOccurs="0" maxOccurs="1"/>
-        <xsd:element name="category" minOccurs="0" maxOccurs="1" type="xsd:string"/>
-        <xsd:element name="version" minOccurs="0" maxOccurs="1" type="xsd:string"/>
-        <xsd:element name="revision" minOccurs="0" maxOccurs="1" type="xsd:string">
-          <xsd:annotation>
-            <xsd:documentation>
-                        This value indicates the number of saves or revisions. The application is responsible for updating this value after each revision.
-                    </xsd:documentation>
-          </xsd:annotation>
-        </xsd:element>
-        <xsd:element name="lastModifiedBy" minOccurs="0" maxOccurs="1" type="xsd:string"/>
-        <xsd:element ref="dcterms:modified" minOccurs="0" maxOccurs="1"/>
-        <xsd:element name="contentStatus" minOccurs="0" maxOccurs="1" type="xsd:string"/>
-      </xsd:all>
-    </xsd:complexType>
-  </xsd:schema>
-  <xs:schema xmlns:pc="http://schemas.microsoft.com/office/infopath/2007/PartnerControls" xmlns:xs="http://www.w3.org/2001/XMLSchema" targetNamespace="http://schemas.microsoft.com/office/infopath/2007/PartnerControls" elementFormDefault="qualified" attributeFormDefault="unqualified">
-    <xs:element name="Person">
-      <xs:complexType>
-        <xs:sequence>
-          <xs:element ref="pc:DisplayName" minOccurs="0"/>
-          <xs:element ref="pc:AccountId" minOccurs="0"/>
-          <xs:element ref="pc:AccountType" minOccurs="0"/>
-        </xs:sequence>
-      </xs:complexType>
-    </xs:element>
-    <xs:element name="DisplayName" type="xs:string"/>
-    <xs:element name="AccountId" type="xs:string"/>
-    <xs:element name="AccountType" type="xs:string"/>
-    <xs:element name="BDCAssociatedEntity">
-      <xs:complexType>
-        <xs:sequence>
-          <xs:element ref="pc:BDCEntity" minOccurs="0" maxOccurs="unbounded"/>
-        </xs:sequence>
-        <xs:attribute ref="pc:EntityNamespace"/>
-        <xs:attribute ref="pc:EntityName"/>
-        <xs:attribute ref="pc:SystemInstanceName"/>
-        <xs:attribute ref="pc:AssociationName"/>
-      </xs:complexType>
-    </xs:element>
-    <xs:attribute name="EntityNamespace" type="xs:string"/>
-    <xs:attribute name="EntityName" type="xs:string"/>
-    <xs:attribute name="SystemInstanceName" type="xs:string"/>
-    <xs:attribute name="AssociationName" type="xs:string"/>
-    <xs:element name="BDCEntity">
-      <xs:complexType>
-        <xs:sequence>
-          <xs:element ref="pc:EntityDisplayName" minOccurs="0"/>
-          <xs:element ref="pc:EntityInstanceReference" minOccurs="0"/>
-          <xs:element ref="pc:EntityId1" minOccurs="0"/>
-          <xs:element ref="pc:EntityId2" minOccurs="0"/>
-          <xs:element ref="pc:EntityId3" minOccurs="0"/>
-          <xs:element ref="pc:EntityId4" minOccurs="0"/>
-          <xs:element ref="pc:EntityId5" minOccurs="0"/>
-        </xs:sequence>
-      </xs:complexType>
-    </xs:element>
-    <xs:element name="EntityDisplayName" type="xs:string"/>
-    <xs:element name="EntityInstanceReference" type="xs:string"/>
-    <xs:element name="EntityId1" type="xs:string"/>
-    <xs:element name="EntityId2" type="xs:string"/>
-    <xs:element name="EntityId3" type="xs:string"/>
-    <xs:element name="EntityId4" type="xs:string"/>
-    <xs:element name="EntityId5" type="xs:string"/>
-    <xs:element name="Terms">
-      <xs:complexType>
-        <xs:sequence>
-          <xs:element ref="pc:TermInfo" minOccurs="0" maxOccurs="unbounded"/>
-        </xs:sequence>
-      </xs:complexType>
-    </xs:element>
-    <xs:element name="TermInfo">
-      <xs:complexType>
-        <xs:sequence>
-          <xs:element ref="pc:TermName" minOccurs="0"/>
-          <xs:element ref="pc:TermId" minOccurs="0"/>
-        </xs:sequence>
-      </xs:complexType>
-    </xs:element>
-    <xs:element name="TermName" type="xs:string"/>
-    <xs:element name="TermId" type="xs:string"/>
-  </xs:schema>
-</ct:contentTypeSchema>
-</file>
-
-<file path=customXml/item3.xml><?xml version="1.0" encoding="utf-8"?>
-<?mso-contentType ?>
-<FormTemplates xmlns="http://schemas.microsoft.com/sharepoint/v3/contenttype/forms">
-  <Display>DocumentLibraryForm</Display>
-  <Edit>DocumentLibraryForm</Edit>
-  <New>DocumentLibraryForm</New>
-</FormTemplates>
-</file>
-
-<file path=customXml/itemProps1.xml><?xml version="1.0" encoding="utf-8"?>
-<ds:datastoreItem xmlns:ds="http://schemas.openxmlformats.org/officeDocument/2006/customXml" ds:itemID="{561266E9-95BF-4C3A-B0DF-4BA873CC4811}">
-  <ds:schemaRefs>
-    <ds:schemaRef ds:uri="http://purl.org/dc/dcmitype/"/>
-    <ds:schemaRef ds:uri="http://www.w3.org/XML/1998/namespace"/>
-    <ds:schemaRef ds:uri="http://purl.org/dc/terms/"/>
-    <ds:schemaRef ds:uri="http://purl.org/dc/elements/1.1/"/>
-    <ds:schemaRef ds:uri="http://schemas.microsoft.com/office/2006/metadata/properties"/>
-    <ds:schemaRef ds:uri="http://schemas.microsoft.com/office/infopath/2007/PartnerControls"/>
-    <ds:schemaRef ds:uri="9d5f90fa-47bf-4acc-8be7-77070f9ff93b"/>
-    <ds:schemaRef ds:uri="http://schemas.openxmlformats.org/package/2006/metadata/core-properties"/>
-    <ds:schemaRef ds:uri="http://schemas.microsoft.com/office/2006/documentManagement/types"/>
-    <ds:schemaRef ds:uri="32512b60-250a-488e-aecd-200a346df8b5"/>
-  </ds:schemaRefs>
-</ds:datastoreItem>
-</file>
-
-<file path=customXml/itemProps2.xml><?xml version="1.0" encoding="utf-8"?>
-<ds:datastoreItem xmlns:ds="http://schemas.openxmlformats.org/officeDocument/2006/customXml" ds:itemID="{95E6C1FC-4E21-4D0B-9FFC-C7C3969FCC45}">
-  <ds:schemaRefs>
-    <ds:schemaRef ds:uri="http://schemas.microsoft.com/office/2006/metadata/contentType"/>
-    <ds:schemaRef ds:uri="http://schemas.microsoft.com/office/2006/metadata/properties/metaAttributes"/>
-    <ds:schemaRef ds:uri="http://www.w3.org/2001/XMLSchema"/>
-    <ds:schemaRef ds:uri="http://schemas.microsoft.com/office/2006/metadata/properties"/>
-    <ds:schemaRef ds:uri="9d5f90fa-47bf-4acc-8be7-77070f9ff93b"/>
-    <ds:schemaRef ds:uri="32512b60-250a-488e-aecd-200a346df8b5"/>
-    <ds:schemaRef ds:uri="http://schemas.microsoft.com/office/2006/documentManagement/types"/>
-    <ds:schemaRef ds:uri="http://schemas.microsoft.com/office/infopath/2007/PartnerControls"/>
-    <ds:schemaRef ds:uri="http://schemas.openxmlformats.org/package/2006/metadata/core-properties"/>
-    <ds:schemaRef ds:uri="http://purl.org/dc/elements/1.1/"/>
-    <ds:schemaRef ds:uri="http://purl.org/dc/terms/"/>
-    <ds:schemaRef ds:uri="http://schemas.microsoft.com/internal/obd"/>
-  </ds:schemaRefs>
-</ds:datastoreItem>
-</file>
-
-<file path=customXml/itemProps3.xml><?xml version="1.0" encoding="utf-8"?>
-<ds:datastoreItem xmlns:ds="http://schemas.openxmlformats.org/officeDocument/2006/customXml" ds:itemID="{32FAC675-8F1E-438B-B7E1-772BFD6371C2}">
-  <ds:schemaRefs>
-    <ds:schemaRef ds:uri="http://schemas.microsoft.com/sharepoint/v3/contenttype/forms"/>
-  </ds:schemaRefs>
-</ds:datastoreItem>
 </file>